--- a/week7/week7.pptx
+++ b/week7/week7.pptx
@@ -22,6 +22,20 @@
     <p:sldId id="273" r:id="rId16"/>
     <p:sldId id="272" r:id="rId17"/>
     <p:sldId id="274" r:id="rId18"/>
+    <p:sldId id="275" r:id="rId19"/>
+    <p:sldId id="276" r:id="rId20"/>
+    <p:sldId id="278" r:id="rId21"/>
+    <p:sldId id="279" r:id="rId22"/>
+    <p:sldId id="280" r:id="rId23"/>
+    <p:sldId id="281" r:id="rId24"/>
+    <p:sldId id="282" r:id="rId25"/>
+    <p:sldId id="283" r:id="rId26"/>
+    <p:sldId id="284" r:id="rId27"/>
+    <p:sldId id="285" r:id="rId28"/>
+    <p:sldId id="286" r:id="rId29"/>
+    <p:sldId id="287" r:id="rId30"/>
+    <p:sldId id="288" r:id="rId31"/>
+    <p:sldId id="289" r:id="rId32"/>
   </p:sldIdLst>
   <p:sldSz cx="12192000" cy="6858000"/>
   <p:notesSz cx="6858000" cy="9144000"/>
@@ -146,6 +160,20 @@
             <p14:sldId id="273"/>
             <p14:sldId id="272"/>
             <p14:sldId id="274"/>
+            <p14:sldId id="275"/>
+            <p14:sldId id="276"/>
+            <p14:sldId id="278"/>
+            <p14:sldId id="279"/>
+            <p14:sldId id="280"/>
+            <p14:sldId id="281"/>
+            <p14:sldId id="282"/>
+            <p14:sldId id="283"/>
+            <p14:sldId id="284"/>
+            <p14:sldId id="285"/>
+            <p14:sldId id="286"/>
+            <p14:sldId id="287"/>
+            <p14:sldId id="288"/>
+            <p14:sldId id="289"/>
           </p14:sldIdLst>
         </p14:section>
       </p14:sectionLst>
@@ -343,7 +371,7 @@
           <a:p>
             <a:fld id="{4AAD347D-5ACD-4C99-B74B-A9C85AD731AF}" type="datetimeFigureOut">
               <a:rPr lang="en-US" dirty="0"/>
-              <a:t>4/1/2018</a:t>
+              <a:t>6/14/2018</a:t>
             </a:fld>
             <a:endParaRPr lang="en-US" dirty="0"/>
           </a:p>
@@ -613,7 +641,7 @@
           <a:p>
             <a:fld id="{4509A250-FF31-4206-8172-F9D3106AACB1}" type="datetimeFigureOut">
               <a:rPr lang="en-US" dirty="0"/>
-              <a:t>4/1/2018</a:t>
+              <a:t>6/14/2018</a:t>
             </a:fld>
             <a:endParaRPr lang="en-US" dirty="0"/>
           </a:p>
@@ -802,7 +830,7 @@
           <a:p>
             <a:fld id="{4509A250-FF31-4206-8172-F9D3106AACB1}" type="datetimeFigureOut">
               <a:rPr lang="en-US" dirty="0"/>
-              <a:t>4/1/2018</a:t>
+              <a:t>6/14/2018</a:t>
             </a:fld>
             <a:endParaRPr lang="en-US" dirty="0"/>
           </a:p>
@@ -1070,7 +1098,7 @@
           <a:p>
             <a:fld id="{4509A250-FF31-4206-8172-F9D3106AACB1}" type="datetimeFigureOut">
               <a:rPr lang="en-US" dirty="0"/>
-              <a:t>4/1/2018</a:t>
+              <a:t>6/14/2018</a:t>
             </a:fld>
             <a:endParaRPr lang="en-US" dirty="0"/>
           </a:p>
@@ -1406,7 +1434,7 @@
           <a:p>
             <a:fld id="{4509A250-FF31-4206-8172-F9D3106AACB1}" type="datetimeFigureOut">
               <a:rPr lang="en-US" dirty="0"/>
-              <a:t>4/1/2018</a:t>
+              <a:t>6/14/2018</a:t>
             </a:fld>
             <a:endParaRPr lang="en-US" dirty="0"/>
           </a:p>
@@ -2024,7 +2052,7 @@
           <a:p>
             <a:fld id="{4509A250-FF31-4206-8172-F9D3106AACB1}" type="datetimeFigureOut">
               <a:rPr lang="en-US" dirty="0"/>
-              <a:t>4/1/2018</a:t>
+              <a:t>6/14/2018</a:t>
             </a:fld>
             <a:endParaRPr lang="en-US" dirty="0"/>
           </a:p>
@@ -2879,7 +2907,7 @@
           <a:p>
             <a:fld id="{4509A250-FF31-4206-8172-F9D3106AACB1}" type="datetimeFigureOut">
               <a:rPr lang="en-US" dirty="0"/>
-              <a:t>4/1/2018</a:t>
+              <a:t>6/14/2018</a:t>
             </a:fld>
             <a:endParaRPr lang="en-US" dirty="0"/>
           </a:p>
@@ -3044,7 +3072,7 @@
           <a:p>
             <a:fld id="{4509A250-FF31-4206-8172-F9D3106AACB1}" type="datetimeFigureOut">
               <a:rPr lang="en-US" dirty="0"/>
-              <a:t>4/1/2018</a:t>
+              <a:t>6/14/2018</a:t>
             </a:fld>
             <a:endParaRPr lang="en-US" dirty="0"/>
           </a:p>
@@ -3219,7 +3247,7 @@
           <a:p>
             <a:fld id="{4509A250-FF31-4206-8172-F9D3106AACB1}" type="datetimeFigureOut">
               <a:rPr lang="en-US" dirty="0"/>
-              <a:t>4/1/2018</a:t>
+              <a:t>6/14/2018</a:t>
             </a:fld>
             <a:endParaRPr lang="en-US" dirty="0"/>
           </a:p>
@@ -3384,7 +3412,7 @@
           <a:p>
             <a:fld id="{4509A250-FF31-4206-8172-F9D3106AACB1}" type="datetimeFigureOut">
               <a:rPr lang="en-US" dirty="0"/>
-              <a:t>4/1/2018</a:t>
+              <a:t>6/14/2018</a:t>
             </a:fld>
             <a:endParaRPr lang="en-US" dirty="0"/>
           </a:p>
@@ -3626,7 +3654,7 @@
           <a:p>
             <a:fld id="{9796027F-7875-4030-9381-8BD8C4F21935}" type="datetimeFigureOut">
               <a:rPr lang="en-US" dirty="0"/>
-              <a:t>4/1/2018</a:t>
+              <a:t>6/14/2018</a:t>
             </a:fld>
             <a:endParaRPr lang="en-US" dirty="0"/>
           </a:p>
@@ -3913,7 +3941,7 @@
           <a:p>
             <a:fld id="{9796027F-7875-4030-9381-8BD8C4F21935}" type="datetimeFigureOut">
               <a:rPr lang="en-US" dirty="0"/>
-              <a:t>4/1/2018</a:t>
+              <a:t>6/14/2018</a:t>
             </a:fld>
             <a:endParaRPr lang="en-US" dirty="0"/>
           </a:p>
@@ -4352,7 +4380,7 @@
           <a:p>
             <a:fld id="{9796027F-7875-4030-9381-8BD8C4F21935}" type="datetimeFigureOut">
               <a:rPr lang="en-US" dirty="0"/>
-              <a:t>4/1/2018</a:t>
+              <a:t>6/14/2018</a:t>
             </a:fld>
             <a:endParaRPr lang="en-US" dirty="0"/>
           </a:p>
@@ -4465,7 +4493,7 @@
           <a:p>
             <a:fld id="{4509A250-FF31-4206-8172-F9D3106AACB1}" type="datetimeFigureOut">
               <a:rPr lang="en-US" dirty="0"/>
-              <a:t>4/1/2018</a:t>
+              <a:t>6/14/2018</a:t>
             </a:fld>
             <a:endParaRPr lang="en-US" dirty="0"/>
           </a:p>
@@ -4555,7 +4583,7 @@
           <a:p>
             <a:fld id="{4509A250-FF31-4206-8172-F9D3106AACB1}" type="datetimeFigureOut">
               <a:rPr lang="en-US" dirty="0"/>
-              <a:t>4/1/2018</a:t>
+              <a:t>6/14/2018</a:t>
             </a:fld>
             <a:endParaRPr lang="en-US" dirty="0"/>
           </a:p>
@@ -4829,7 +4857,7 @@
           <a:p>
             <a:fld id="{4509A250-FF31-4206-8172-F9D3106AACB1}" type="datetimeFigureOut">
               <a:rPr lang="en-US" dirty="0"/>
-              <a:t>4/1/2018</a:t>
+              <a:t>6/14/2018</a:t>
             </a:fld>
             <a:endParaRPr lang="en-US" dirty="0"/>
           </a:p>
@@ -5099,7 +5127,7 @@
           <a:p>
             <a:fld id="{4509A250-FF31-4206-8172-F9D3106AACB1}" type="datetimeFigureOut">
               <a:rPr lang="en-US" dirty="0"/>
-              <a:t>4/1/2018</a:t>
+              <a:t>6/14/2018</a:t>
             </a:fld>
             <a:endParaRPr lang="en-US" dirty="0"/>
           </a:p>
@@ -5523,7 +5551,7 @@
           <a:p>
             <a:fld id="{4AAD347D-5ACD-4C99-B74B-A9C85AD731AF}" type="datetimeFigureOut">
               <a:rPr lang="en-US" dirty="0"/>
-              <a:t>4/1/2018</a:t>
+              <a:t>6/14/2018</a:t>
             </a:fld>
             <a:endParaRPr lang="en-US" dirty="0"/>
           </a:p>
@@ -6090,7 +6118,11 @@
           <a:p>
             <a:r>
               <a:rPr lang="en-GB" dirty="0" smtClean="0"/>
-              <a:t>Week 6: PYPY MODULES AND GRAPHICS</a:t>
+              <a:t>Week </a:t>
+            </a:r>
+            <a:r>
+              <a:rPr lang="en-GB" dirty="0" smtClean="0"/>
+              <a:t>7: Functions</a:t>
             </a:r>
             <a:endParaRPr lang="en-GB" dirty="0"/>
           </a:p>
@@ -8340,6 +8372,9 @@
             </a:r>
           </a:p>
           <a:p>
+            <a:pPr marL="0" indent="0">
+              <a:buNone/>
+            </a:pPr>
             <a:endParaRPr lang="en-GB" dirty="0" smtClean="0"/>
           </a:p>
           <a:p>
@@ -8386,7 +8421,7 @@
           <a:p>
             <a:r>
               <a:rPr lang="en-GB" dirty="0" smtClean="0"/>
-              <a:t>Lets look at an example on the next slide.</a:t>
+              <a:t>Lets look at an example on the next slide to tie this all together !</a:t>
             </a:r>
           </a:p>
         </p:txBody>
@@ -9008,6 +9043,1340 @@
 </p:sld>
 </file>
 
+<file path=ppt/slides/slide18.xml><?xml version="1.0" encoding="utf-8"?>
+<p:sld xmlns:a="http://schemas.openxmlformats.org/drawingml/2006/main" xmlns:r="http://schemas.openxmlformats.org/officeDocument/2006/relationships" xmlns:p="http://schemas.openxmlformats.org/presentationml/2006/main">
+  <p:cSld>
+    <p:spTree>
+      <p:nvGrpSpPr>
+        <p:cNvPr id="1" name=""/>
+        <p:cNvGrpSpPr/>
+        <p:nvPr/>
+      </p:nvGrpSpPr>
+      <p:grpSpPr>
+        <a:xfrm>
+          <a:off x="0" y="0"/>
+          <a:ext cx="0" cy="0"/>
+          <a:chOff x="0" y="0"/>
+          <a:chExt cx="0" cy="0"/>
+        </a:xfrm>
+      </p:grpSpPr>
+      <p:sp>
+        <p:nvSpPr>
+          <p:cNvPr id="2" name="Title 1"/>
+          <p:cNvSpPr>
+            <a:spLocks noGrp="1"/>
+          </p:cNvSpPr>
+          <p:nvPr>
+            <p:ph type="title"/>
+          </p:nvPr>
+        </p:nvSpPr>
+        <p:spPr/>
+        <p:txBody>
+          <a:bodyPr/>
+          <a:lstStyle/>
+          <a:p>
+            <a:r>
+              <a:rPr lang="en-GB" dirty="0" smtClean="0"/>
+              <a:t>Named Arguments – 2</a:t>
+            </a:r>
+            <a:r>
+              <a:rPr lang="en-GB" baseline="30000" dirty="0" smtClean="0"/>
+              <a:t>nd</a:t>
+            </a:r>
+            <a:r>
+              <a:rPr lang="en-GB" dirty="0" smtClean="0"/>
+              <a:t> Example.</a:t>
+            </a:r>
+            <a:endParaRPr lang="en-GB" dirty="0"/>
+          </a:p>
+        </p:txBody>
+      </p:sp>
+      <p:sp>
+        <p:nvSpPr>
+          <p:cNvPr id="4" name="Content Placeholder 3"/>
+          <p:cNvSpPr>
+            <a:spLocks noGrp="1"/>
+          </p:cNvSpPr>
+          <p:nvPr>
+            <p:ph idx="1"/>
+          </p:nvPr>
+        </p:nvSpPr>
+        <p:spPr>
+          <a:xfrm>
+            <a:off x="5889279" y="1853248"/>
+            <a:ext cx="5428060" cy="4819401"/>
+          </a:xfrm>
+        </p:spPr>
+        <p:txBody>
+          <a:bodyPr>
+            <a:noAutofit/>
+          </a:bodyPr>
+          <a:lstStyle/>
+          <a:p>
+            <a:pPr marL="0" indent="0">
+              <a:buNone/>
+            </a:pPr>
+            <a:r>
+              <a:rPr lang="en-GB" sz="1000" dirty="0" smtClean="0">
+                <a:latin typeface="Courier New" panose="02070309020205020404" pitchFamily="49" charset="0"/>
+                <a:cs typeface="Courier New" panose="02070309020205020404" pitchFamily="49" charset="0"/>
+              </a:rPr>
+              <a:t># </a:t>
+            </a:r>
+            <a:r>
+              <a:rPr lang="en-GB" sz="1000" dirty="0">
+                <a:latin typeface="Courier New" panose="02070309020205020404" pitchFamily="49" charset="0"/>
+                <a:cs typeface="Courier New" panose="02070309020205020404" pitchFamily="49" charset="0"/>
+              </a:rPr>
+              <a:t>Week7, Example9</a:t>
+            </a:r>
+          </a:p>
+          <a:p>
+            <a:pPr marL="0" indent="0">
+              <a:buNone/>
+            </a:pPr>
+            <a:endParaRPr lang="en-GB" sz="1000" dirty="0">
+              <a:latin typeface="Courier New" panose="02070309020205020404" pitchFamily="49" charset="0"/>
+              <a:cs typeface="Courier New" panose="02070309020205020404" pitchFamily="49" charset="0"/>
+            </a:endParaRPr>
+          </a:p>
+          <a:p>
+            <a:pPr marL="0" indent="0">
+              <a:buNone/>
+            </a:pPr>
+            <a:r>
+              <a:rPr lang="en-GB" sz="1000" dirty="0" err="1">
+                <a:latin typeface="Courier New" panose="02070309020205020404" pitchFamily="49" charset="0"/>
+                <a:cs typeface="Courier New" panose="02070309020205020404" pitchFamily="49" charset="0"/>
+              </a:rPr>
+              <a:t>def</a:t>
+            </a:r>
+            <a:r>
+              <a:rPr lang="en-GB" sz="1000" dirty="0">
+                <a:latin typeface="Courier New" panose="02070309020205020404" pitchFamily="49" charset="0"/>
+                <a:cs typeface="Courier New" panose="02070309020205020404" pitchFamily="49" charset="0"/>
+              </a:rPr>
+              <a:t> maths(a, b, operator="+"):</a:t>
+            </a:r>
+          </a:p>
+          <a:p>
+            <a:pPr marL="0" indent="0">
+              <a:buNone/>
+            </a:pPr>
+            <a:r>
+              <a:rPr lang="en-GB" sz="1000" dirty="0">
+                <a:latin typeface="Courier New" panose="02070309020205020404" pitchFamily="49" charset="0"/>
+                <a:cs typeface="Courier New" panose="02070309020205020404" pitchFamily="49" charset="0"/>
+              </a:rPr>
+              <a:t>    if operator == "+":</a:t>
+            </a:r>
+          </a:p>
+          <a:p>
+            <a:pPr marL="0" indent="0">
+              <a:buNone/>
+            </a:pPr>
+            <a:r>
+              <a:rPr lang="en-GB" sz="1000" dirty="0">
+                <a:latin typeface="Courier New" panose="02070309020205020404" pitchFamily="49" charset="0"/>
+                <a:cs typeface="Courier New" panose="02070309020205020404" pitchFamily="49" charset="0"/>
+              </a:rPr>
+              <a:t>        return a + b</a:t>
+            </a:r>
+          </a:p>
+          <a:p>
+            <a:pPr marL="0" indent="0">
+              <a:buNone/>
+            </a:pPr>
+            <a:r>
+              <a:rPr lang="en-GB" sz="1000" dirty="0">
+                <a:latin typeface="Courier New" panose="02070309020205020404" pitchFamily="49" charset="0"/>
+                <a:cs typeface="Courier New" panose="02070309020205020404" pitchFamily="49" charset="0"/>
+              </a:rPr>
+              <a:t>    if operator == "-":</a:t>
+            </a:r>
+          </a:p>
+          <a:p>
+            <a:pPr marL="0" indent="0">
+              <a:buNone/>
+            </a:pPr>
+            <a:r>
+              <a:rPr lang="en-GB" sz="1000" dirty="0">
+                <a:latin typeface="Courier New" panose="02070309020205020404" pitchFamily="49" charset="0"/>
+                <a:cs typeface="Courier New" panose="02070309020205020404" pitchFamily="49" charset="0"/>
+              </a:rPr>
+              <a:t>        return a - b</a:t>
+            </a:r>
+          </a:p>
+          <a:p>
+            <a:pPr marL="0" indent="0">
+              <a:buNone/>
+            </a:pPr>
+            <a:r>
+              <a:rPr lang="en-GB" sz="1000" dirty="0">
+                <a:latin typeface="Courier New" panose="02070309020205020404" pitchFamily="49" charset="0"/>
+                <a:cs typeface="Courier New" panose="02070309020205020404" pitchFamily="49" charset="0"/>
+              </a:rPr>
+              <a:t>    if operator == "*":</a:t>
+            </a:r>
+          </a:p>
+          <a:p>
+            <a:pPr marL="0" indent="0">
+              <a:buNone/>
+            </a:pPr>
+            <a:r>
+              <a:rPr lang="en-GB" sz="1000" dirty="0">
+                <a:latin typeface="Courier New" panose="02070309020205020404" pitchFamily="49" charset="0"/>
+                <a:cs typeface="Courier New" panose="02070309020205020404" pitchFamily="49" charset="0"/>
+              </a:rPr>
+              <a:t>        return a * b</a:t>
+            </a:r>
+          </a:p>
+          <a:p>
+            <a:pPr marL="0" indent="0">
+              <a:buNone/>
+            </a:pPr>
+            <a:r>
+              <a:rPr lang="en-GB" sz="1000" dirty="0">
+                <a:latin typeface="Courier New" panose="02070309020205020404" pitchFamily="49" charset="0"/>
+                <a:cs typeface="Courier New" panose="02070309020205020404" pitchFamily="49" charset="0"/>
+              </a:rPr>
+              <a:t>    if operator == "/":</a:t>
+            </a:r>
+          </a:p>
+          <a:p>
+            <a:pPr marL="0" indent="0">
+              <a:buNone/>
+            </a:pPr>
+            <a:r>
+              <a:rPr lang="en-GB" sz="1000" dirty="0">
+                <a:latin typeface="Courier New" panose="02070309020205020404" pitchFamily="49" charset="0"/>
+                <a:cs typeface="Courier New" panose="02070309020205020404" pitchFamily="49" charset="0"/>
+              </a:rPr>
+              <a:t>        return a / b</a:t>
+            </a:r>
+          </a:p>
+          <a:p>
+            <a:pPr marL="0" indent="0">
+              <a:buNone/>
+            </a:pPr>
+            <a:endParaRPr lang="en-GB" sz="1000" dirty="0">
+              <a:latin typeface="Courier New" panose="02070309020205020404" pitchFamily="49" charset="0"/>
+              <a:cs typeface="Courier New" panose="02070309020205020404" pitchFamily="49" charset="0"/>
+            </a:endParaRPr>
+          </a:p>
+          <a:p>
+            <a:pPr marL="0" indent="0">
+              <a:buNone/>
+            </a:pPr>
+            <a:r>
+              <a:rPr lang="en-GB" sz="1000" dirty="0">
+                <a:latin typeface="Courier New" panose="02070309020205020404" pitchFamily="49" charset="0"/>
+                <a:cs typeface="Courier New" panose="02070309020205020404" pitchFamily="49" charset="0"/>
+              </a:rPr>
+              <a:t>print(maths(3,3,"+"))</a:t>
+            </a:r>
+          </a:p>
+          <a:p>
+            <a:pPr marL="0" indent="0">
+              <a:buNone/>
+            </a:pPr>
+            <a:r>
+              <a:rPr lang="en-GB" sz="1000" dirty="0">
+                <a:latin typeface="Courier New" panose="02070309020205020404" pitchFamily="49" charset="0"/>
+                <a:cs typeface="Courier New" panose="02070309020205020404" pitchFamily="49" charset="0"/>
+              </a:rPr>
+              <a:t>print(maths(4,6))</a:t>
+            </a:r>
+          </a:p>
+          <a:p>
+            <a:pPr marL="0" indent="0">
+              <a:buNone/>
+            </a:pPr>
+            <a:r>
+              <a:rPr lang="en-GB" sz="1000" dirty="0">
+                <a:latin typeface="Courier New" panose="02070309020205020404" pitchFamily="49" charset="0"/>
+                <a:cs typeface="Courier New" panose="02070309020205020404" pitchFamily="49" charset="0"/>
+              </a:rPr>
+              <a:t>print(maths(6,3,"*"))</a:t>
+            </a:r>
+          </a:p>
+          <a:p>
+            <a:pPr marL="0" indent="0">
+              <a:buNone/>
+            </a:pPr>
+            <a:r>
+              <a:rPr lang="en-GB" sz="1000" dirty="0">
+                <a:latin typeface="Courier New" panose="02070309020205020404" pitchFamily="49" charset="0"/>
+                <a:cs typeface="Courier New" panose="02070309020205020404" pitchFamily="49" charset="0"/>
+              </a:rPr>
+              <a:t>print(maths(16,4,"/"))</a:t>
+            </a:r>
+          </a:p>
+          <a:p>
+            <a:pPr marL="0" indent="0">
+              <a:buNone/>
+            </a:pPr>
+            <a:r>
+              <a:rPr lang="en-GB" sz="1000" dirty="0">
+                <a:latin typeface="Courier New" panose="02070309020205020404" pitchFamily="49" charset="0"/>
+                <a:cs typeface="Courier New" panose="02070309020205020404" pitchFamily="49" charset="0"/>
+              </a:rPr>
+              <a:t>print(maths(128,128))</a:t>
+            </a:r>
+          </a:p>
+          <a:p>
+            <a:pPr marL="0" indent="0">
+              <a:buNone/>
+            </a:pPr>
+            <a:endParaRPr lang="en-GB" sz="1000" dirty="0">
+              <a:latin typeface="Courier New" panose="02070309020205020404" pitchFamily="49" charset="0"/>
+              <a:cs typeface="Courier New" panose="02070309020205020404" pitchFamily="49" charset="0"/>
+            </a:endParaRPr>
+          </a:p>
+        </p:txBody>
+      </p:sp>
+      <p:sp>
+        <p:nvSpPr>
+          <p:cNvPr id="5" name="Content Placeholder 2"/>
+          <p:cNvSpPr txBox="1">
+            <a:spLocks/>
+          </p:cNvSpPr>
+          <p:nvPr/>
+        </p:nvSpPr>
+        <p:spPr>
+          <a:xfrm>
+            <a:off x="646111" y="1853247"/>
+            <a:ext cx="5243167" cy="4195481"/>
+          </a:xfrm>
+          <a:prstGeom prst="rect">
+            <a:avLst/>
+          </a:prstGeom>
+        </p:spPr>
+        <p:txBody>
+          <a:bodyPr vert="horz" lIns="91440" tIns="45720" rIns="91440" bIns="45720" rtlCol="0">
+            <a:normAutofit/>
+          </a:bodyPr>
+          <a:lstStyle>
+            <a:lvl1pPr marL="342900" indent="-342900" algn="l" defTabSz="457200" rtl="0" eaLnBrk="1" latinLnBrk="0" hangingPunct="1">
+              <a:spcBef>
+                <a:spcPts val="1000"/>
+              </a:spcBef>
+              <a:spcAft>
+                <a:spcPts val="0"/>
+              </a:spcAft>
+              <a:buClr>
+                <a:schemeClr val="bg2">
+                  <a:lumMod val="40000"/>
+                  <a:lumOff val="60000"/>
+                </a:schemeClr>
+              </a:buClr>
+              <a:buSzPct val="80000"/>
+              <a:buFont typeface="Wingdings 3" charset="2"/>
+              <a:buChar char=""/>
+              <a:defRPr sz="2000" b="0" i="0" kern="1200">
+                <a:solidFill>
+                  <a:schemeClr val="tx1"/>
+                </a:solidFill>
+                <a:latin typeface="+mj-lt"/>
+                <a:ea typeface="+mj-ea"/>
+                <a:cs typeface="+mj-cs"/>
+              </a:defRPr>
+            </a:lvl1pPr>
+            <a:lvl2pPr marL="742950" indent="-285750" algn="l" defTabSz="457200" rtl="0" eaLnBrk="1" latinLnBrk="0" hangingPunct="1">
+              <a:spcBef>
+                <a:spcPts val="1000"/>
+              </a:spcBef>
+              <a:spcAft>
+                <a:spcPts val="0"/>
+              </a:spcAft>
+              <a:buClr>
+                <a:schemeClr val="bg2">
+                  <a:lumMod val="40000"/>
+                  <a:lumOff val="60000"/>
+                </a:schemeClr>
+              </a:buClr>
+              <a:buSzPct val="80000"/>
+              <a:buFont typeface="Wingdings 3" charset="2"/>
+              <a:buChar char=""/>
+              <a:defRPr sz="1800" b="0" i="0" kern="1200">
+                <a:solidFill>
+                  <a:schemeClr val="tx1"/>
+                </a:solidFill>
+                <a:latin typeface="+mj-lt"/>
+                <a:ea typeface="+mj-ea"/>
+                <a:cs typeface="+mj-cs"/>
+              </a:defRPr>
+            </a:lvl2pPr>
+            <a:lvl3pPr marL="1143000" indent="-228600" algn="l" defTabSz="457200" rtl="0" eaLnBrk="1" latinLnBrk="0" hangingPunct="1">
+              <a:spcBef>
+                <a:spcPts val="1000"/>
+              </a:spcBef>
+              <a:spcAft>
+                <a:spcPts val="0"/>
+              </a:spcAft>
+              <a:buClr>
+                <a:schemeClr val="bg2">
+                  <a:lumMod val="40000"/>
+                  <a:lumOff val="60000"/>
+                </a:schemeClr>
+              </a:buClr>
+              <a:buSzPct val="80000"/>
+              <a:buFont typeface="Wingdings 3" charset="2"/>
+              <a:buChar char=""/>
+              <a:defRPr sz="1600" b="0" i="0" kern="1200">
+                <a:solidFill>
+                  <a:schemeClr val="tx1"/>
+                </a:solidFill>
+                <a:latin typeface="+mj-lt"/>
+                <a:ea typeface="+mj-ea"/>
+                <a:cs typeface="+mj-cs"/>
+              </a:defRPr>
+            </a:lvl3pPr>
+            <a:lvl4pPr marL="1600200" indent="-228600" algn="l" defTabSz="457200" rtl="0" eaLnBrk="1" latinLnBrk="0" hangingPunct="1">
+              <a:spcBef>
+                <a:spcPts val="1000"/>
+              </a:spcBef>
+              <a:spcAft>
+                <a:spcPts val="0"/>
+              </a:spcAft>
+              <a:buClr>
+                <a:schemeClr val="bg2">
+                  <a:lumMod val="40000"/>
+                  <a:lumOff val="60000"/>
+                </a:schemeClr>
+              </a:buClr>
+              <a:buSzPct val="80000"/>
+              <a:buFont typeface="Wingdings 3" charset="2"/>
+              <a:buChar char=""/>
+              <a:defRPr sz="1400" b="0" i="0" kern="1200">
+                <a:solidFill>
+                  <a:schemeClr val="tx1"/>
+                </a:solidFill>
+                <a:latin typeface="+mj-lt"/>
+                <a:ea typeface="+mj-ea"/>
+                <a:cs typeface="+mj-cs"/>
+              </a:defRPr>
+            </a:lvl4pPr>
+            <a:lvl5pPr marL="2057400" indent="-228600" algn="l" defTabSz="457200" rtl="0" eaLnBrk="1" latinLnBrk="0" hangingPunct="1">
+              <a:spcBef>
+                <a:spcPts val="1000"/>
+              </a:spcBef>
+              <a:spcAft>
+                <a:spcPts val="0"/>
+              </a:spcAft>
+              <a:buClr>
+                <a:schemeClr val="bg2">
+                  <a:lumMod val="40000"/>
+                  <a:lumOff val="60000"/>
+                </a:schemeClr>
+              </a:buClr>
+              <a:buSzPct val="80000"/>
+              <a:buFont typeface="Wingdings 3" charset="2"/>
+              <a:buChar char=""/>
+              <a:defRPr sz="1400" b="0" i="0" kern="1200">
+                <a:solidFill>
+                  <a:schemeClr val="tx1"/>
+                </a:solidFill>
+                <a:latin typeface="+mj-lt"/>
+                <a:ea typeface="+mj-ea"/>
+                <a:cs typeface="+mj-cs"/>
+              </a:defRPr>
+            </a:lvl5pPr>
+            <a:lvl6pPr marL="2506000" indent="-228600" algn="l" defTabSz="457200" rtl="0" eaLnBrk="1" latinLnBrk="0" hangingPunct="1">
+              <a:spcBef>
+                <a:spcPts val="1000"/>
+              </a:spcBef>
+              <a:spcAft>
+                <a:spcPts val="0"/>
+              </a:spcAft>
+              <a:buClr>
+                <a:schemeClr val="bg2">
+                  <a:lumMod val="40000"/>
+                  <a:lumOff val="60000"/>
+                </a:schemeClr>
+              </a:buClr>
+              <a:buSzPct val="80000"/>
+              <a:buFont typeface="Wingdings 3" charset="2"/>
+              <a:buChar char=""/>
+              <a:defRPr sz="1400" b="0" i="0" kern="1200">
+                <a:solidFill>
+                  <a:schemeClr val="tx1"/>
+                </a:solidFill>
+                <a:latin typeface="+mj-lt"/>
+                <a:ea typeface="+mj-ea"/>
+                <a:cs typeface="+mj-cs"/>
+              </a:defRPr>
+            </a:lvl6pPr>
+            <a:lvl7pPr marL="2971800" indent="-228600" algn="l" defTabSz="457200" rtl="0" eaLnBrk="1" latinLnBrk="0" hangingPunct="1">
+              <a:spcBef>
+                <a:spcPts val="1000"/>
+              </a:spcBef>
+              <a:spcAft>
+                <a:spcPts val="0"/>
+              </a:spcAft>
+              <a:buClr>
+                <a:schemeClr val="bg2">
+                  <a:lumMod val="40000"/>
+                  <a:lumOff val="60000"/>
+                </a:schemeClr>
+              </a:buClr>
+              <a:buSzPct val="80000"/>
+              <a:buFont typeface="Wingdings 3" charset="2"/>
+              <a:buChar char=""/>
+              <a:defRPr sz="1400" b="0" i="0" kern="1200">
+                <a:solidFill>
+                  <a:schemeClr val="tx1"/>
+                </a:solidFill>
+                <a:latin typeface="+mj-lt"/>
+                <a:ea typeface="+mj-ea"/>
+                <a:cs typeface="+mj-cs"/>
+              </a:defRPr>
+            </a:lvl7pPr>
+            <a:lvl8pPr marL="3429000" indent="-228600" algn="l" defTabSz="457200" rtl="0" eaLnBrk="1" latinLnBrk="0" hangingPunct="1">
+              <a:spcBef>
+                <a:spcPts val="1000"/>
+              </a:spcBef>
+              <a:spcAft>
+                <a:spcPts val="0"/>
+              </a:spcAft>
+              <a:buClr>
+                <a:schemeClr val="bg2">
+                  <a:lumMod val="40000"/>
+                  <a:lumOff val="60000"/>
+                </a:schemeClr>
+              </a:buClr>
+              <a:buSzPct val="80000"/>
+              <a:buFont typeface="Wingdings 3" charset="2"/>
+              <a:buChar char=""/>
+              <a:defRPr sz="1400" b="0" i="0" kern="1200">
+                <a:solidFill>
+                  <a:schemeClr val="tx1"/>
+                </a:solidFill>
+                <a:latin typeface="+mj-lt"/>
+                <a:ea typeface="+mj-ea"/>
+                <a:cs typeface="+mj-cs"/>
+              </a:defRPr>
+            </a:lvl8pPr>
+            <a:lvl9pPr marL="3886200" indent="-228600" algn="l" defTabSz="457200" rtl="0" eaLnBrk="1" latinLnBrk="0" hangingPunct="1">
+              <a:spcBef>
+                <a:spcPts val="1000"/>
+              </a:spcBef>
+              <a:spcAft>
+                <a:spcPts val="0"/>
+              </a:spcAft>
+              <a:buClr>
+                <a:schemeClr val="bg2">
+                  <a:lumMod val="40000"/>
+                  <a:lumOff val="60000"/>
+                </a:schemeClr>
+              </a:buClr>
+              <a:buSzPct val="80000"/>
+              <a:buFont typeface="Wingdings 3" charset="2"/>
+              <a:buChar char=""/>
+              <a:defRPr sz="1400" b="0" i="0" kern="1200">
+                <a:solidFill>
+                  <a:schemeClr val="tx1"/>
+                </a:solidFill>
+                <a:latin typeface="+mj-lt"/>
+                <a:ea typeface="+mj-ea"/>
+                <a:cs typeface="+mj-cs"/>
+              </a:defRPr>
+            </a:lvl9pPr>
+          </a:lstStyle>
+          <a:p>
+            <a:r>
+              <a:rPr lang="en-GB" dirty="0" smtClean="0">
+                <a:latin typeface="+mn-lt"/>
+              </a:rPr>
+              <a:t>Here is a different example, perhaps a less useful one !</a:t>
+            </a:r>
+            <a:endParaRPr lang="en-GB" dirty="0" smtClean="0"/>
+          </a:p>
+        </p:txBody>
+      </p:sp>
+      <p:sp>
+        <p:nvSpPr>
+          <p:cNvPr id="7" name="Rectangle 6"/>
+          <p:cNvSpPr/>
+          <p:nvPr/>
+        </p:nvSpPr>
+        <p:spPr>
+          <a:xfrm>
+            <a:off x="1083397" y="4848399"/>
+            <a:ext cx="3642511" cy="1200329"/>
+          </a:xfrm>
+          <a:prstGeom prst="rect">
+            <a:avLst/>
+          </a:prstGeom>
+        </p:spPr>
+        <p:txBody>
+          <a:bodyPr wrap="square">
+            <a:spAutoFit/>
+          </a:bodyPr>
+          <a:lstStyle/>
+          <a:p>
+            <a:pPr marL="285750" indent="-285750">
+              <a:buFont typeface="Arial" panose="020B0604020202020204" pitchFamily="34" charset="0"/>
+              <a:buChar char="•"/>
+            </a:pPr>
+            <a:r>
+              <a:rPr lang="en-GB" dirty="0" smtClean="0">
+                <a:solidFill>
+                  <a:srgbClr val="FFFF00"/>
+                </a:solidFill>
+              </a:rPr>
+              <a:t>Type it in.</a:t>
+            </a:r>
+            <a:endParaRPr lang="en-GB" dirty="0">
+              <a:solidFill>
+                <a:srgbClr val="FFFF00"/>
+              </a:solidFill>
+            </a:endParaRPr>
+          </a:p>
+          <a:p>
+            <a:pPr marL="285750" indent="-285750">
+              <a:buFont typeface="Arial" panose="020B0604020202020204" pitchFamily="34" charset="0"/>
+              <a:buChar char="•"/>
+            </a:pPr>
+            <a:r>
+              <a:rPr lang="en-GB" dirty="0" smtClean="0">
+                <a:solidFill>
+                  <a:srgbClr val="FFFF00"/>
+                </a:solidFill>
+              </a:rPr>
+              <a:t>Can you work out what it will do before you run it ?</a:t>
+            </a:r>
+          </a:p>
+          <a:p>
+            <a:pPr marL="285750" indent="-285750">
+              <a:buFont typeface="Arial" panose="020B0604020202020204" pitchFamily="34" charset="0"/>
+              <a:buChar char="•"/>
+            </a:pPr>
+            <a:r>
+              <a:rPr lang="en-GB" dirty="0" smtClean="0">
+                <a:solidFill>
+                  <a:srgbClr val="FFFF00"/>
+                </a:solidFill>
+              </a:rPr>
+              <a:t>Is that what it did ?</a:t>
+            </a:r>
+          </a:p>
+        </p:txBody>
+      </p:sp>
+    </p:spTree>
+    <p:extLst>
+      <p:ext uri="{BB962C8B-B14F-4D97-AF65-F5344CB8AC3E}">
+        <p14:creationId xmlns:p14="http://schemas.microsoft.com/office/powerpoint/2010/main" val="371274115"/>
+      </p:ext>
+    </p:extLst>
+  </p:cSld>
+  <p:clrMapOvr>
+    <a:masterClrMapping/>
+  </p:clrMapOvr>
+</p:sld>
+</file>
+
+<file path=ppt/slides/slide19.xml><?xml version="1.0" encoding="utf-8"?>
+<p:sld xmlns:a="http://schemas.openxmlformats.org/drawingml/2006/main" xmlns:r="http://schemas.openxmlformats.org/officeDocument/2006/relationships" xmlns:p="http://schemas.openxmlformats.org/presentationml/2006/main">
+  <p:cSld>
+    <p:spTree>
+      <p:nvGrpSpPr>
+        <p:cNvPr id="1" name=""/>
+        <p:cNvGrpSpPr/>
+        <p:nvPr/>
+      </p:nvGrpSpPr>
+      <p:grpSpPr>
+        <a:xfrm>
+          <a:off x="0" y="0"/>
+          <a:ext cx="0" cy="0"/>
+          <a:chOff x="0" y="0"/>
+          <a:chExt cx="0" cy="0"/>
+        </a:xfrm>
+      </p:grpSpPr>
+      <p:sp>
+        <p:nvSpPr>
+          <p:cNvPr id="2" name="Title 1"/>
+          <p:cNvSpPr>
+            <a:spLocks noGrp="1"/>
+          </p:cNvSpPr>
+          <p:nvPr>
+            <p:ph type="title"/>
+          </p:nvPr>
+        </p:nvSpPr>
+        <p:spPr/>
+        <p:txBody>
+          <a:bodyPr/>
+          <a:lstStyle/>
+          <a:p>
+            <a:r>
+              <a:rPr lang="en-GB" dirty="0" smtClean="0"/>
+              <a:t>First Class Functions.</a:t>
+            </a:r>
+            <a:endParaRPr lang="en-GB" dirty="0"/>
+          </a:p>
+        </p:txBody>
+      </p:sp>
+      <p:sp>
+        <p:nvSpPr>
+          <p:cNvPr id="4" name="Content Placeholder 3"/>
+          <p:cNvSpPr>
+            <a:spLocks noGrp="1"/>
+          </p:cNvSpPr>
+          <p:nvPr>
+            <p:ph idx="1"/>
+          </p:nvPr>
+        </p:nvSpPr>
+        <p:spPr>
+          <a:xfrm>
+            <a:off x="5889279" y="1853248"/>
+            <a:ext cx="5428060" cy="4819401"/>
+          </a:xfrm>
+        </p:spPr>
+        <p:txBody>
+          <a:bodyPr>
+            <a:noAutofit/>
+          </a:bodyPr>
+          <a:lstStyle/>
+          <a:p>
+            <a:pPr marL="0" indent="0">
+              <a:buNone/>
+            </a:pPr>
+            <a:r>
+              <a:rPr lang="en-GB" sz="900" dirty="0">
+                <a:latin typeface="Courier New" panose="02070309020205020404" pitchFamily="49" charset="0"/>
+                <a:cs typeface="Courier New" panose="02070309020205020404" pitchFamily="49" charset="0"/>
+              </a:rPr>
+              <a:t># Week7, Example10</a:t>
+            </a:r>
+          </a:p>
+          <a:p>
+            <a:pPr marL="0" indent="0">
+              <a:buNone/>
+            </a:pPr>
+            <a:endParaRPr lang="en-GB" sz="900" dirty="0">
+              <a:latin typeface="Courier New" panose="02070309020205020404" pitchFamily="49" charset="0"/>
+              <a:cs typeface="Courier New" panose="02070309020205020404" pitchFamily="49" charset="0"/>
+            </a:endParaRPr>
+          </a:p>
+          <a:p>
+            <a:pPr marL="0" indent="0">
+              <a:buNone/>
+            </a:pPr>
+            <a:r>
+              <a:rPr lang="en-GB" sz="900" dirty="0" err="1">
+                <a:latin typeface="Courier New" panose="02070309020205020404" pitchFamily="49" charset="0"/>
+                <a:cs typeface="Courier New" panose="02070309020205020404" pitchFamily="49" charset="0"/>
+              </a:rPr>
+              <a:t>def</a:t>
+            </a:r>
+            <a:r>
+              <a:rPr lang="en-GB" sz="900" dirty="0">
+                <a:latin typeface="Courier New" panose="02070309020205020404" pitchFamily="49" charset="0"/>
+                <a:cs typeface="Courier New" panose="02070309020205020404" pitchFamily="49" charset="0"/>
+              </a:rPr>
+              <a:t> add(</a:t>
+            </a:r>
+            <a:r>
+              <a:rPr lang="en-GB" sz="900" dirty="0" err="1">
+                <a:latin typeface="Courier New" panose="02070309020205020404" pitchFamily="49" charset="0"/>
+                <a:cs typeface="Courier New" panose="02070309020205020404" pitchFamily="49" charset="0"/>
+              </a:rPr>
+              <a:t>a,b</a:t>
+            </a:r>
+            <a:r>
+              <a:rPr lang="en-GB" sz="900" dirty="0">
+                <a:latin typeface="Courier New" panose="02070309020205020404" pitchFamily="49" charset="0"/>
+                <a:cs typeface="Courier New" panose="02070309020205020404" pitchFamily="49" charset="0"/>
+              </a:rPr>
+              <a:t>):</a:t>
+            </a:r>
+          </a:p>
+          <a:p>
+            <a:pPr marL="0" indent="0">
+              <a:buNone/>
+            </a:pPr>
+            <a:r>
+              <a:rPr lang="en-GB" sz="900" dirty="0">
+                <a:latin typeface="Courier New" panose="02070309020205020404" pitchFamily="49" charset="0"/>
+                <a:cs typeface="Courier New" panose="02070309020205020404" pitchFamily="49" charset="0"/>
+              </a:rPr>
+              <a:t>    return a + b</a:t>
+            </a:r>
+          </a:p>
+          <a:p>
+            <a:pPr marL="0" indent="0">
+              <a:buNone/>
+            </a:pPr>
+            <a:endParaRPr lang="en-GB" sz="900" dirty="0">
+              <a:latin typeface="Courier New" panose="02070309020205020404" pitchFamily="49" charset="0"/>
+              <a:cs typeface="Courier New" panose="02070309020205020404" pitchFamily="49" charset="0"/>
+            </a:endParaRPr>
+          </a:p>
+          <a:p>
+            <a:pPr marL="0" indent="0">
+              <a:buNone/>
+            </a:pPr>
+            <a:r>
+              <a:rPr lang="en-GB" sz="900" dirty="0" err="1">
+                <a:latin typeface="Courier New" panose="02070309020205020404" pitchFamily="49" charset="0"/>
+                <a:cs typeface="Courier New" panose="02070309020205020404" pitchFamily="49" charset="0"/>
+              </a:rPr>
+              <a:t>def</a:t>
+            </a:r>
+            <a:r>
+              <a:rPr lang="en-GB" sz="900" dirty="0">
+                <a:latin typeface="Courier New" panose="02070309020205020404" pitchFamily="49" charset="0"/>
+                <a:cs typeface="Courier New" panose="02070309020205020404" pitchFamily="49" charset="0"/>
+              </a:rPr>
+              <a:t> subtract(</a:t>
+            </a:r>
+            <a:r>
+              <a:rPr lang="en-GB" sz="900" dirty="0" err="1">
+                <a:latin typeface="Courier New" panose="02070309020205020404" pitchFamily="49" charset="0"/>
+                <a:cs typeface="Courier New" panose="02070309020205020404" pitchFamily="49" charset="0"/>
+              </a:rPr>
+              <a:t>a,b</a:t>
+            </a:r>
+            <a:r>
+              <a:rPr lang="en-GB" sz="900" dirty="0">
+                <a:latin typeface="Courier New" panose="02070309020205020404" pitchFamily="49" charset="0"/>
+                <a:cs typeface="Courier New" panose="02070309020205020404" pitchFamily="49" charset="0"/>
+              </a:rPr>
+              <a:t>):</a:t>
+            </a:r>
+          </a:p>
+          <a:p>
+            <a:pPr marL="0" indent="0">
+              <a:buNone/>
+            </a:pPr>
+            <a:r>
+              <a:rPr lang="en-GB" sz="900" dirty="0">
+                <a:latin typeface="Courier New" panose="02070309020205020404" pitchFamily="49" charset="0"/>
+                <a:cs typeface="Courier New" panose="02070309020205020404" pitchFamily="49" charset="0"/>
+              </a:rPr>
+              <a:t>    return a - b</a:t>
+            </a:r>
+          </a:p>
+          <a:p>
+            <a:pPr marL="0" indent="0">
+              <a:buNone/>
+            </a:pPr>
+            <a:endParaRPr lang="en-GB" sz="900" dirty="0">
+              <a:latin typeface="Courier New" panose="02070309020205020404" pitchFamily="49" charset="0"/>
+              <a:cs typeface="Courier New" panose="02070309020205020404" pitchFamily="49" charset="0"/>
+            </a:endParaRPr>
+          </a:p>
+          <a:p>
+            <a:pPr marL="0" indent="0">
+              <a:buNone/>
+            </a:pPr>
+            <a:r>
+              <a:rPr lang="en-GB" sz="900" dirty="0">
+                <a:latin typeface="Courier New" panose="02070309020205020404" pitchFamily="49" charset="0"/>
+                <a:cs typeface="Courier New" panose="02070309020205020404" pitchFamily="49" charset="0"/>
+              </a:rPr>
+              <a:t>maths = add</a:t>
+            </a:r>
+          </a:p>
+          <a:p>
+            <a:pPr marL="0" indent="0">
+              <a:buNone/>
+            </a:pPr>
+            <a:r>
+              <a:rPr lang="en-GB" sz="900" dirty="0">
+                <a:latin typeface="Courier New" panose="02070309020205020404" pitchFamily="49" charset="0"/>
+                <a:cs typeface="Courier New" panose="02070309020205020404" pitchFamily="49" charset="0"/>
+              </a:rPr>
+              <a:t>print(maths(3,3))</a:t>
+            </a:r>
+          </a:p>
+          <a:p>
+            <a:pPr marL="0" indent="0">
+              <a:buNone/>
+            </a:pPr>
+            <a:r>
+              <a:rPr lang="en-GB" sz="900" dirty="0">
+                <a:latin typeface="Courier New" panose="02070309020205020404" pitchFamily="49" charset="0"/>
+                <a:cs typeface="Courier New" panose="02070309020205020404" pitchFamily="49" charset="0"/>
+              </a:rPr>
+              <a:t>print(maths(128,64))</a:t>
+            </a:r>
+          </a:p>
+          <a:p>
+            <a:pPr marL="0" indent="0">
+              <a:buNone/>
+            </a:pPr>
+            <a:endParaRPr lang="en-GB" sz="900" dirty="0">
+              <a:latin typeface="Courier New" panose="02070309020205020404" pitchFamily="49" charset="0"/>
+              <a:cs typeface="Courier New" panose="02070309020205020404" pitchFamily="49" charset="0"/>
+            </a:endParaRPr>
+          </a:p>
+          <a:p>
+            <a:pPr marL="0" indent="0">
+              <a:buNone/>
+            </a:pPr>
+            <a:r>
+              <a:rPr lang="en-GB" sz="900" dirty="0">
+                <a:latin typeface="Courier New" panose="02070309020205020404" pitchFamily="49" charset="0"/>
+                <a:cs typeface="Courier New" panose="02070309020205020404" pitchFamily="49" charset="0"/>
+              </a:rPr>
+              <a:t>maths = subtract</a:t>
+            </a:r>
+          </a:p>
+          <a:p>
+            <a:pPr marL="0" indent="0">
+              <a:buNone/>
+            </a:pPr>
+            <a:r>
+              <a:rPr lang="en-GB" sz="900" dirty="0">
+                <a:latin typeface="Courier New" panose="02070309020205020404" pitchFamily="49" charset="0"/>
+                <a:cs typeface="Courier New" panose="02070309020205020404" pitchFamily="49" charset="0"/>
+              </a:rPr>
+              <a:t>print(maths(3,3))</a:t>
+            </a:r>
+          </a:p>
+          <a:p>
+            <a:pPr marL="0" indent="0">
+              <a:buNone/>
+            </a:pPr>
+            <a:r>
+              <a:rPr lang="en-GB" sz="900" dirty="0">
+                <a:latin typeface="Courier New" panose="02070309020205020404" pitchFamily="49" charset="0"/>
+                <a:cs typeface="Courier New" panose="02070309020205020404" pitchFamily="49" charset="0"/>
+              </a:rPr>
+              <a:t>print(maths(128,64))</a:t>
+            </a:r>
+          </a:p>
+          <a:p>
+            <a:pPr marL="0" indent="0">
+              <a:buNone/>
+            </a:pPr>
+            <a:endParaRPr lang="en-GB" sz="900" dirty="0">
+              <a:latin typeface="Courier New" panose="02070309020205020404" pitchFamily="49" charset="0"/>
+              <a:cs typeface="Courier New" panose="02070309020205020404" pitchFamily="49" charset="0"/>
+            </a:endParaRPr>
+          </a:p>
+          <a:p>
+            <a:pPr marL="0" indent="0">
+              <a:buNone/>
+            </a:pPr>
+            <a:r>
+              <a:rPr lang="en-GB" sz="900" dirty="0">
+                <a:latin typeface="Courier New" panose="02070309020205020404" pitchFamily="49" charset="0"/>
+                <a:cs typeface="Courier New" panose="02070309020205020404" pitchFamily="49" charset="0"/>
+              </a:rPr>
+              <a:t>maths = add</a:t>
+            </a:r>
+          </a:p>
+          <a:p>
+            <a:pPr marL="0" indent="0">
+              <a:buNone/>
+            </a:pPr>
+            <a:r>
+              <a:rPr lang="en-GB" sz="900" dirty="0">
+                <a:latin typeface="Courier New" panose="02070309020205020404" pitchFamily="49" charset="0"/>
+                <a:cs typeface="Courier New" panose="02070309020205020404" pitchFamily="49" charset="0"/>
+              </a:rPr>
+              <a:t>print(maths(9,5))</a:t>
+            </a:r>
+          </a:p>
+          <a:p>
+            <a:pPr marL="0" indent="0">
+              <a:buNone/>
+            </a:pPr>
+            <a:endParaRPr lang="en-GB" sz="900" dirty="0">
+              <a:latin typeface="Courier New" panose="02070309020205020404" pitchFamily="49" charset="0"/>
+              <a:cs typeface="Courier New" panose="02070309020205020404" pitchFamily="49" charset="0"/>
+            </a:endParaRPr>
+          </a:p>
+        </p:txBody>
+      </p:sp>
+      <p:sp>
+        <p:nvSpPr>
+          <p:cNvPr id="5" name="Content Placeholder 2"/>
+          <p:cNvSpPr txBox="1">
+            <a:spLocks/>
+          </p:cNvSpPr>
+          <p:nvPr/>
+        </p:nvSpPr>
+        <p:spPr>
+          <a:xfrm>
+            <a:off x="646111" y="1853247"/>
+            <a:ext cx="5243167" cy="3505898"/>
+          </a:xfrm>
+          <a:prstGeom prst="rect">
+            <a:avLst/>
+          </a:prstGeom>
+        </p:spPr>
+        <p:txBody>
+          <a:bodyPr vert="horz" lIns="91440" tIns="45720" rIns="91440" bIns="45720" rtlCol="0">
+            <a:normAutofit fontScale="85000" lnSpcReduction="10000"/>
+          </a:bodyPr>
+          <a:lstStyle>
+            <a:lvl1pPr marL="342900" indent="-342900" algn="l" defTabSz="457200" rtl="0" eaLnBrk="1" latinLnBrk="0" hangingPunct="1">
+              <a:spcBef>
+                <a:spcPts val="1000"/>
+              </a:spcBef>
+              <a:spcAft>
+                <a:spcPts val="0"/>
+              </a:spcAft>
+              <a:buClr>
+                <a:schemeClr val="bg2">
+                  <a:lumMod val="40000"/>
+                  <a:lumOff val="60000"/>
+                </a:schemeClr>
+              </a:buClr>
+              <a:buSzPct val="80000"/>
+              <a:buFont typeface="Wingdings 3" charset="2"/>
+              <a:buChar char=""/>
+              <a:defRPr sz="2000" b="0" i="0" kern="1200">
+                <a:solidFill>
+                  <a:schemeClr val="tx1"/>
+                </a:solidFill>
+                <a:latin typeface="+mj-lt"/>
+                <a:ea typeface="+mj-ea"/>
+                <a:cs typeface="+mj-cs"/>
+              </a:defRPr>
+            </a:lvl1pPr>
+            <a:lvl2pPr marL="742950" indent="-285750" algn="l" defTabSz="457200" rtl="0" eaLnBrk="1" latinLnBrk="0" hangingPunct="1">
+              <a:spcBef>
+                <a:spcPts val="1000"/>
+              </a:spcBef>
+              <a:spcAft>
+                <a:spcPts val="0"/>
+              </a:spcAft>
+              <a:buClr>
+                <a:schemeClr val="bg2">
+                  <a:lumMod val="40000"/>
+                  <a:lumOff val="60000"/>
+                </a:schemeClr>
+              </a:buClr>
+              <a:buSzPct val="80000"/>
+              <a:buFont typeface="Wingdings 3" charset="2"/>
+              <a:buChar char=""/>
+              <a:defRPr sz="1800" b="0" i="0" kern="1200">
+                <a:solidFill>
+                  <a:schemeClr val="tx1"/>
+                </a:solidFill>
+                <a:latin typeface="+mj-lt"/>
+                <a:ea typeface="+mj-ea"/>
+                <a:cs typeface="+mj-cs"/>
+              </a:defRPr>
+            </a:lvl2pPr>
+            <a:lvl3pPr marL="1143000" indent="-228600" algn="l" defTabSz="457200" rtl="0" eaLnBrk="1" latinLnBrk="0" hangingPunct="1">
+              <a:spcBef>
+                <a:spcPts val="1000"/>
+              </a:spcBef>
+              <a:spcAft>
+                <a:spcPts val="0"/>
+              </a:spcAft>
+              <a:buClr>
+                <a:schemeClr val="bg2">
+                  <a:lumMod val="40000"/>
+                  <a:lumOff val="60000"/>
+                </a:schemeClr>
+              </a:buClr>
+              <a:buSzPct val="80000"/>
+              <a:buFont typeface="Wingdings 3" charset="2"/>
+              <a:buChar char=""/>
+              <a:defRPr sz="1600" b="0" i="0" kern="1200">
+                <a:solidFill>
+                  <a:schemeClr val="tx1"/>
+                </a:solidFill>
+                <a:latin typeface="+mj-lt"/>
+                <a:ea typeface="+mj-ea"/>
+                <a:cs typeface="+mj-cs"/>
+              </a:defRPr>
+            </a:lvl3pPr>
+            <a:lvl4pPr marL="1600200" indent="-228600" algn="l" defTabSz="457200" rtl="0" eaLnBrk="1" latinLnBrk="0" hangingPunct="1">
+              <a:spcBef>
+                <a:spcPts val="1000"/>
+              </a:spcBef>
+              <a:spcAft>
+                <a:spcPts val="0"/>
+              </a:spcAft>
+              <a:buClr>
+                <a:schemeClr val="bg2">
+                  <a:lumMod val="40000"/>
+                  <a:lumOff val="60000"/>
+                </a:schemeClr>
+              </a:buClr>
+              <a:buSzPct val="80000"/>
+              <a:buFont typeface="Wingdings 3" charset="2"/>
+              <a:buChar char=""/>
+              <a:defRPr sz="1400" b="0" i="0" kern="1200">
+                <a:solidFill>
+                  <a:schemeClr val="tx1"/>
+                </a:solidFill>
+                <a:latin typeface="+mj-lt"/>
+                <a:ea typeface="+mj-ea"/>
+                <a:cs typeface="+mj-cs"/>
+              </a:defRPr>
+            </a:lvl4pPr>
+            <a:lvl5pPr marL="2057400" indent="-228600" algn="l" defTabSz="457200" rtl="0" eaLnBrk="1" latinLnBrk="0" hangingPunct="1">
+              <a:spcBef>
+                <a:spcPts val="1000"/>
+              </a:spcBef>
+              <a:spcAft>
+                <a:spcPts val="0"/>
+              </a:spcAft>
+              <a:buClr>
+                <a:schemeClr val="bg2">
+                  <a:lumMod val="40000"/>
+                  <a:lumOff val="60000"/>
+                </a:schemeClr>
+              </a:buClr>
+              <a:buSzPct val="80000"/>
+              <a:buFont typeface="Wingdings 3" charset="2"/>
+              <a:buChar char=""/>
+              <a:defRPr sz="1400" b="0" i="0" kern="1200">
+                <a:solidFill>
+                  <a:schemeClr val="tx1"/>
+                </a:solidFill>
+                <a:latin typeface="+mj-lt"/>
+                <a:ea typeface="+mj-ea"/>
+                <a:cs typeface="+mj-cs"/>
+              </a:defRPr>
+            </a:lvl5pPr>
+            <a:lvl6pPr marL="2506000" indent="-228600" algn="l" defTabSz="457200" rtl="0" eaLnBrk="1" latinLnBrk="0" hangingPunct="1">
+              <a:spcBef>
+                <a:spcPts val="1000"/>
+              </a:spcBef>
+              <a:spcAft>
+                <a:spcPts val="0"/>
+              </a:spcAft>
+              <a:buClr>
+                <a:schemeClr val="bg2">
+                  <a:lumMod val="40000"/>
+                  <a:lumOff val="60000"/>
+                </a:schemeClr>
+              </a:buClr>
+              <a:buSzPct val="80000"/>
+              <a:buFont typeface="Wingdings 3" charset="2"/>
+              <a:buChar char=""/>
+              <a:defRPr sz="1400" b="0" i="0" kern="1200">
+                <a:solidFill>
+                  <a:schemeClr val="tx1"/>
+                </a:solidFill>
+                <a:latin typeface="+mj-lt"/>
+                <a:ea typeface="+mj-ea"/>
+                <a:cs typeface="+mj-cs"/>
+              </a:defRPr>
+            </a:lvl6pPr>
+            <a:lvl7pPr marL="2971800" indent="-228600" algn="l" defTabSz="457200" rtl="0" eaLnBrk="1" latinLnBrk="0" hangingPunct="1">
+              <a:spcBef>
+                <a:spcPts val="1000"/>
+              </a:spcBef>
+              <a:spcAft>
+                <a:spcPts val="0"/>
+              </a:spcAft>
+              <a:buClr>
+                <a:schemeClr val="bg2">
+                  <a:lumMod val="40000"/>
+                  <a:lumOff val="60000"/>
+                </a:schemeClr>
+              </a:buClr>
+              <a:buSzPct val="80000"/>
+              <a:buFont typeface="Wingdings 3" charset="2"/>
+              <a:buChar char=""/>
+              <a:defRPr sz="1400" b="0" i="0" kern="1200">
+                <a:solidFill>
+                  <a:schemeClr val="tx1"/>
+                </a:solidFill>
+                <a:latin typeface="+mj-lt"/>
+                <a:ea typeface="+mj-ea"/>
+                <a:cs typeface="+mj-cs"/>
+              </a:defRPr>
+            </a:lvl7pPr>
+            <a:lvl8pPr marL="3429000" indent="-228600" algn="l" defTabSz="457200" rtl="0" eaLnBrk="1" latinLnBrk="0" hangingPunct="1">
+              <a:spcBef>
+                <a:spcPts val="1000"/>
+              </a:spcBef>
+              <a:spcAft>
+                <a:spcPts val="0"/>
+              </a:spcAft>
+              <a:buClr>
+                <a:schemeClr val="bg2">
+                  <a:lumMod val="40000"/>
+                  <a:lumOff val="60000"/>
+                </a:schemeClr>
+              </a:buClr>
+              <a:buSzPct val="80000"/>
+              <a:buFont typeface="Wingdings 3" charset="2"/>
+              <a:buChar char=""/>
+              <a:defRPr sz="1400" b="0" i="0" kern="1200">
+                <a:solidFill>
+                  <a:schemeClr val="tx1"/>
+                </a:solidFill>
+                <a:latin typeface="+mj-lt"/>
+                <a:ea typeface="+mj-ea"/>
+                <a:cs typeface="+mj-cs"/>
+              </a:defRPr>
+            </a:lvl8pPr>
+            <a:lvl9pPr marL="3886200" indent="-228600" algn="l" defTabSz="457200" rtl="0" eaLnBrk="1" latinLnBrk="0" hangingPunct="1">
+              <a:spcBef>
+                <a:spcPts val="1000"/>
+              </a:spcBef>
+              <a:spcAft>
+                <a:spcPts val="0"/>
+              </a:spcAft>
+              <a:buClr>
+                <a:schemeClr val="bg2">
+                  <a:lumMod val="40000"/>
+                  <a:lumOff val="60000"/>
+                </a:schemeClr>
+              </a:buClr>
+              <a:buSzPct val="80000"/>
+              <a:buFont typeface="Wingdings 3" charset="2"/>
+              <a:buChar char=""/>
+              <a:defRPr sz="1400" b="0" i="0" kern="1200">
+                <a:solidFill>
+                  <a:schemeClr val="tx1"/>
+                </a:solidFill>
+                <a:latin typeface="+mj-lt"/>
+                <a:ea typeface="+mj-ea"/>
+                <a:cs typeface="+mj-cs"/>
+              </a:defRPr>
+            </a:lvl9pPr>
+          </a:lstStyle>
+          <a:p>
+            <a:r>
+              <a:rPr lang="en-GB" dirty="0" smtClean="0">
+                <a:latin typeface="+mn-lt"/>
+              </a:rPr>
+              <a:t>Functions in Python are called "first class objects".</a:t>
+            </a:r>
+          </a:p>
+          <a:p>
+            <a:r>
+              <a:rPr lang="en-GB" dirty="0" smtClean="0">
+                <a:latin typeface="+mn-lt"/>
+              </a:rPr>
+              <a:t>This isn't true in all programming languages.</a:t>
+            </a:r>
+          </a:p>
+          <a:p>
+            <a:r>
+              <a:rPr lang="en-GB" dirty="0" smtClean="0">
+                <a:latin typeface="+mn-lt"/>
+              </a:rPr>
+              <a:t>This means you can assign a function to a variable and then use it.</a:t>
+            </a:r>
+          </a:p>
+          <a:p>
+            <a:r>
+              <a:rPr lang="en-GB" dirty="0" smtClean="0">
+                <a:latin typeface="+mn-lt"/>
+              </a:rPr>
+              <a:t>This might seem a little odd at first, so have a look at this example.</a:t>
+            </a:r>
+            <a:endParaRPr lang="en-GB" dirty="0"/>
+          </a:p>
+          <a:p>
+            <a:pPr lvl="1"/>
+            <a:r>
+              <a:rPr lang="en-GB" i="1" u="sng" dirty="0" smtClean="0">
+                <a:latin typeface="+mn-lt"/>
+              </a:rPr>
+              <a:t>Note: </a:t>
+            </a:r>
+            <a:r>
+              <a:rPr lang="en-GB" i="1" u="sng" dirty="0" err="1" smtClean="0">
+                <a:latin typeface="+mn-lt"/>
+              </a:rPr>
+              <a:t>Pycharm</a:t>
+            </a:r>
+            <a:r>
+              <a:rPr lang="en-GB" i="1" u="sng" dirty="0" smtClean="0">
+                <a:latin typeface="+mn-lt"/>
+              </a:rPr>
+              <a:t> might try and autocomplete brackets because normally you want to use a function rather than assign a function to a variable. Just use backspace to remove the autocompleted brackets.</a:t>
+            </a:r>
+          </a:p>
+        </p:txBody>
+      </p:sp>
+      <p:sp>
+        <p:nvSpPr>
+          <p:cNvPr id="7" name="Rectangle 6"/>
+          <p:cNvSpPr/>
+          <p:nvPr/>
+        </p:nvSpPr>
+        <p:spPr>
+          <a:xfrm>
+            <a:off x="646111" y="5359145"/>
+            <a:ext cx="3642511" cy="1200329"/>
+          </a:xfrm>
+          <a:prstGeom prst="rect">
+            <a:avLst/>
+          </a:prstGeom>
+        </p:spPr>
+        <p:txBody>
+          <a:bodyPr wrap="square">
+            <a:spAutoFit/>
+          </a:bodyPr>
+          <a:lstStyle/>
+          <a:p>
+            <a:pPr marL="285750" indent="-285750">
+              <a:buFont typeface="Arial" panose="020B0604020202020204" pitchFamily="34" charset="0"/>
+              <a:buChar char="•"/>
+            </a:pPr>
+            <a:r>
+              <a:rPr lang="en-GB" dirty="0" smtClean="0">
+                <a:solidFill>
+                  <a:srgbClr val="FFFF00"/>
+                </a:solidFill>
+              </a:rPr>
+              <a:t>Type it in.</a:t>
+            </a:r>
+            <a:endParaRPr lang="en-GB" dirty="0">
+              <a:solidFill>
+                <a:srgbClr val="FFFF00"/>
+              </a:solidFill>
+            </a:endParaRPr>
+          </a:p>
+          <a:p>
+            <a:pPr marL="285750" indent="-285750">
+              <a:buFont typeface="Arial" panose="020B0604020202020204" pitchFamily="34" charset="0"/>
+              <a:buChar char="•"/>
+            </a:pPr>
+            <a:r>
+              <a:rPr lang="en-GB" dirty="0" smtClean="0">
+                <a:solidFill>
+                  <a:srgbClr val="FFFF00"/>
+                </a:solidFill>
+              </a:rPr>
+              <a:t>Can you work out what it will do before you run it ?</a:t>
+            </a:r>
+          </a:p>
+          <a:p>
+            <a:pPr marL="285750" indent="-285750">
+              <a:buFont typeface="Arial" panose="020B0604020202020204" pitchFamily="34" charset="0"/>
+              <a:buChar char="•"/>
+            </a:pPr>
+            <a:r>
+              <a:rPr lang="en-GB" dirty="0" smtClean="0">
+                <a:solidFill>
+                  <a:srgbClr val="FFFF00"/>
+                </a:solidFill>
+              </a:rPr>
+              <a:t>Is that what it did ?</a:t>
+            </a:r>
+          </a:p>
+        </p:txBody>
+      </p:sp>
+    </p:spTree>
+    <p:extLst>
+      <p:ext uri="{BB962C8B-B14F-4D97-AF65-F5344CB8AC3E}">
+        <p14:creationId xmlns:p14="http://schemas.microsoft.com/office/powerpoint/2010/main" val="614362972"/>
+      </p:ext>
+    </p:extLst>
+  </p:cSld>
+  <p:clrMapOvr>
+    <a:masterClrMapping/>
+  </p:clrMapOvr>
+</p:sld>
+</file>
+
 <file path=ppt/slides/slide2.xml><?xml version="1.0" encoding="utf-8"?>
 <p:sld xmlns:a="http://schemas.openxmlformats.org/drawingml/2006/main" xmlns:r="http://schemas.openxmlformats.org/officeDocument/2006/relationships" xmlns:p="http://schemas.openxmlformats.org/presentationml/2006/main">
   <p:cSld>
@@ -9092,6 +10461,3895 @@
 </p:sld>
 </file>
 
+<file path=ppt/slides/slide20.xml><?xml version="1.0" encoding="utf-8"?>
+<p:sld xmlns:a="http://schemas.openxmlformats.org/drawingml/2006/main" xmlns:r="http://schemas.openxmlformats.org/officeDocument/2006/relationships" xmlns:p="http://schemas.openxmlformats.org/presentationml/2006/main">
+  <p:cSld>
+    <p:spTree>
+      <p:nvGrpSpPr>
+        <p:cNvPr id="1" name=""/>
+        <p:cNvGrpSpPr/>
+        <p:nvPr/>
+      </p:nvGrpSpPr>
+      <p:grpSpPr>
+        <a:xfrm>
+          <a:off x="0" y="0"/>
+          <a:ext cx="0" cy="0"/>
+          <a:chOff x="0" y="0"/>
+          <a:chExt cx="0" cy="0"/>
+        </a:xfrm>
+      </p:grpSpPr>
+      <p:sp>
+        <p:nvSpPr>
+          <p:cNvPr id="2" name="Title 1"/>
+          <p:cNvSpPr>
+            <a:spLocks noGrp="1"/>
+          </p:cNvSpPr>
+          <p:nvPr>
+            <p:ph type="title"/>
+          </p:nvPr>
+        </p:nvSpPr>
+        <p:spPr/>
+        <p:txBody>
+          <a:bodyPr/>
+          <a:lstStyle/>
+          <a:p>
+            <a:r>
+              <a:rPr lang="en-GB" dirty="0" smtClean="0"/>
+              <a:t>When to use functions.</a:t>
+            </a:r>
+            <a:endParaRPr lang="en-GB" dirty="0"/>
+          </a:p>
+        </p:txBody>
+      </p:sp>
+      <p:sp>
+        <p:nvSpPr>
+          <p:cNvPr id="5" name="Content Placeholder 2"/>
+          <p:cNvSpPr txBox="1">
+            <a:spLocks/>
+          </p:cNvSpPr>
+          <p:nvPr/>
+        </p:nvSpPr>
+        <p:spPr>
+          <a:xfrm>
+            <a:off x="646111" y="1853247"/>
+            <a:ext cx="10582062" cy="3505898"/>
+          </a:xfrm>
+          <a:prstGeom prst="rect">
+            <a:avLst/>
+          </a:prstGeom>
+        </p:spPr>
+        <p:txBody>
+          <a:bodyPr vert="horz" lIns="91440" tIns="45720" rIns="91440" bIns="45720" rtlCol="0">
+            <a:normAutofit/>
+          </a:bodyPr>
+          <a:lstStyle>
+            <a:lvl1pPr marL="342900" indent="-342900" algn="l" defTabSz="457200" rtl="0" eaLnBrk="1" latinLnBrk="0" hangingPunct="1">
+              <a:spcBef>
+                <a:spcPts val="1000"/>
+              </a:spcBef>
+              <a:spcAft>
+                <a:spcPts val="0"/>
+              </a:spcAft>
+              <a:buClr>
+                <a:schemeClr val="bg2">
+                  <a:lumMod val="40000"/>
+                  <a:lumOff val="60000"/>
+                </a:schemeClr>
+              </a:buClr>
+              <a:buSzPct val="80000"/>
+              <a:buFont typeface="Wingdings 3" charset="2"/>
+              <a:buChar char=""/>
+              <a:defRPr sz="2000" b="0" i="0" kern="1200">
+                <a:solidFill>
+                  <a:schemeClr val="tx1"/>
+                </a:solidFill>
+                <a:latin typeface="+mj-lt"/>
+                <a:ea typeface="+mj-ea"/>
+                <a:cs typeface="+mj-cs"/>
+              </a:defRPr>
+            </a:lvl1pPr>
+            <a:lvl2pPr marL="742950" indent="-285750" algn="l" defTabSz="457200" rtl="0" eaLnBrk="1" latinLnBrk="0" hangingPunct="1">
+              <a:spcBef>
+                <a:spcPts val="1000"/>
+              </a:spcBef>
+              <a:spcAft>
+                <a:spcPts val="0"/>
+              </a:spcAft>
+              <a:buClr>
+                <a:schemeClr val="bg2">
+                  <a:lumMod val="40000"/>
+                  <a:lumOff val="60000"/>
+                </a:schemeClr>
+              </a:buClr>
+              <a:buSzPct val="80000"/>
+              <a:buFont typeface="Wingdings 3" charset="2"/>
+              <a:buChar char=""/>
+              <a:defRPr sz="1800" b="0" i="0" kern="1200">
+                <a:solidFill>
+                  <a:schemeClr val="tx1"/>
+                </a:solidFill>
+                <a:latin typeface="+mj-lt"/>
+                <a:ea typeface="+mj-ea"/>
+                <a:cs typeface="+mj-cs"/>
+              </a:defRPr>
+            </a:lvl2pPr>
+            <a:lvl3pPr marL="1143000" indent="-228600" algn="l" defTabSz="457200" rtl="0" eaLnBrk="1" latinLnBrk="0" hangingPunct="1">
+              <a:spcBef>
+                <a:spcPts val="1000"/>
+              </a:spcBef>
+              <a:spcAft>
+                <a:spcPts val="0"/>
+              </a:spcAft>
+              <a:buClr>
+                <a:schemeClr val="bg2">
+                  <a:lumMod val="40000"/>
+                  <a:lumOff val="60000"/>
+                </a:schemeClr>
+              </a:buClr>
+              <a:buSzPct val="80000"/>
+              <a:buFont typeface="Wingdings 3" charset="2"/>
+              <a:buChar char=""/>
+              <a:defRPr sz="1600" b="0" i="0" kern="1200">
+                <a:solidFill>
+                  <a:schemeClr val="tx1"/>
+                </a:solidFill>
+                <a:latin typeface="+mj-lt"/>
+                <a:ea typeface="+mj-ea"/>
+                <a:cs typeface="+mj-cs"/>
+              </a:defRPr>
+            </a:lvl3pPr>
+            <a:lvl4pPr marL="1600200" indent="-228600" algn="l" defTabSz="457200" rtl="0" eaLnBrk="1" latinLnBrk="0" hangingPunct="1">
+              <a:spcBef>
+                <a:spcPts val="1000"/>
+              </a:spcBef>
+              <a:spcAft>
+                <a:spcPts val="0"/>
+              </a:spcAft>
+              <a:buClr>
+                <a:schemeClr val="bg2">
+                  <a:lumMod val="40000"/>
+                  <a:lumOff val="60000"/>
+                </a:schemeClr>
+              </a:buClr>
+              <a:buSzPct val="80000"/>
+              <a:buFont typeface="Wingdings 3" charset="2"/>
+              <a:buChar char=""/>
+              <a:defRPr sz="1400" b="0" i="0" kern="1200">
+                <a:solidFill>
+                  <a:schemeClr val="tx1"/>
+                </a:solidFill>
+                <a:latin typeface="+mj-lt"/>
+                <a:ea typeface="+mj-ea"/>
+                <a:cs typeface="+mj-cs"/>
+              </a:defRPr>
+            </a:lvl4pPr>
+            <a:lvl5pPr marL="2057400" indent="-228600" algn="l" defTabSz="457200" rtl="0" eaLnBrk="1" latinLnBrk="0" hangingPunct="1">
+              <a:spcBef>
+                <a:spcPts val="1000"/>
+              </a:spcBef>
+              <a:spcAft>
+                <a:spcPts val="0"/>
+              </a:spcAft>
+              <a:buClr>
+                <a:schemeClr val="bg2">
+                  <a:lumMod val="40000"/>
+                  <a:lumOff val="60000"/>
+                </a:schemeClr>
+              </a:buClr>
+              <a:buSzPct val="80000"/>
+              <a:buFont typeface="Wingdings 3" charset="2"/>
+              <a:buChar char=""/>
+              <a:defRPr sz="1400" b="0" i="0" kern="1200">
+                <a:solidFill>
+                  <a:schemeClr val="tx1"/>
+                </a:solidFill>
+                <a:latin typeface="+mj-lt"/>
+                <a:ea typeface="+mj-ea"/>
+                <a:cs typeface="+mj-cs"/>
+              </a:defRPr>
+            </a:lvl5pPr>
+            <a:lvl6pPr marL="2506000" indent="-228600" algn="l" defTabSz="457200" rtl="0" eaLnBrk="1" latinLnBrk="0" hangingPunct="1">
+              <a:spcBef>
+                <a:spcPts val="1000"/>
+              </a:spcBef>
+              <a:spcAft>
+                <a:spcPts val="0"/>
+              </a:spcAft>
+              <a:buClr>
+                <a:schemeClr val="bg2">
+                  <a:lumMod val="40000"/>
+                  <a:lumOff val="60000"/>
+                </a:schemeClr>
+              </a:buClr>
+              <a:buSzPct val="80000"/>
+              <a:buFont typeface="Wingdings 3" charset="2"/>
+              <a:buChar char=""/>
+              <a:defRPr sz="1400" b="0" i="0" kern="1200">
+                <a:solidFill>
+                  <a:schemeClr val="tx1"/>
+                </a:solidFill>
+                <a:latin typeface="+mj-lt"/>
+                <a:ea typeface="+mj-ea"/>
+                <a:cs typeface="+mj-cs"/>
+              </a:defRPr>
+            </a:lvl6pPr>
+            <a:lvl7pPr marL="2971800" indent="-228600" algn="l" defTabSz="457200" rtl="0" eaLnBrk="1" latinLnBrk="0" hangingPunct="1">
+              <a:spcBef>
+                <a:spcPts val="1000"/>
+              </a:spcBef>
+              <a:spcAft>
+                <a:spcPts val="0"/>
+              </a:spcAft>
+              <a:buClr>
+                <a:schemeClr val="bg2">
+                  <a:lumMod val="40000"/>
+                  <a:lumOff val="60000"/>
+                </a:schemeClr>
+              </a:buClr>
+              <a:buSzPct val="80000"/>
+              <a:buFont typeface="Wingdings 3" charset="2"/>
+              <a:buChar char=""/>
+              <a:defRPr sz="1400" b="0" i="0" kern="1200">
+                <a:solidFill>
+                  <a:schemeClr val="tx1"/>
+                </a:solidFill>
+                <a:latin typeface="+mj-lt"/>
+                <a:ea typeface="+mj-ea"/>
+                <a:cs typeface="+mj-cs"/>
+              </a:defRPr>
+            </a:lvl7pPr>
+            <a:lvl8pPr marL="3429000" indent="-228600" algn="l" defTabSz="457200" rtl="0" eaLnBrk="1" latinLnBrk="0" hangingPunct="1">
+              <a:spcBef>
+                <a:spcPts val="1000"/>
+              </a:spcBef>
+              <a:spcAft>
+                <a:spcPts val="0"/>
+              </a:spcAft>
+              <a:buClr>
+                <a:schemeClr val="bg2">
+                  <a:lumMod val="40000"/>
+                  <a:lumOff val="60000"/>
+                </a:schemeClr>
+              </a:buClr>
+              <a:buSzPct val="80000"/>
+              <a:buFont typeface="Wingdings 3" charset="2"/>
+              <a:buChar char=""/>
+              <a:defRPr sz="1400" b="0" i="0" kern="1200">
+                <a:solidFill>
+                  <a:schemeClr val="tx1"/>
+                </a:solidFill>
+                <a:latin typeface="+mj-lt"/>
+                <a:ea typeface="+mj-ea"/>
+                <a:cs typeface="+mj-cs"/>
+              </a:defRPr>
+            </a:lvl8pPr>
+            <a:lvl9pPr marL="3886200" indent="-228600" algn="l" defTabSz="457200" rtl="0" eaLnBrk="1" latinLnBrk="0" hangingPunct="1">
+              <a:spcBef>
+                <a:spcPts val="1000"/>
+              </a:spcBef>
+              <a:spcAft>
+                <a:spcPts val="0"/>
+              </a:spcAft>
+              <a:buClr>
+                <a:schemeClr val="bg2">
+                  <a:lumMod val="40000"/>
+                  <a:lumOff val="60000"/>
+                </a:schemeClr>
+              </a:buClr>
+              <a:buSzPct val="80000"/>
+              <a:buFont typeface="Wingdings 3" charset="2"/>
+              <a:buChar char=""/>
+              <a:defRPr sz="1400" b="0" i="0" kern="1200">
+                <a:solidFill>
+                  <a:schemeClr val="tx1"/>
+                </a:solidFill>
+                <a:latin typeface="+mj-lt"/>
+                <a:ea typeface="+mj-ea"/>
+                <a:cs typeface="+mj-cs"/>
+              </a:defRPr>
+            </a:lvl9pPr>
+          </a:lstStyle>
+          <a:p>
+            <a:r>
+              <a:rPr lang="en-GB" dirty="0" smtClean="0">
+                <a:latin typeface="+mn-lt"/>
+              </a:rPr>
+              <a:t>You should use a function when :-</a:t>
+            </a:r>
+          </a:p>
+          <a:p>
+            <a:pPr lvl="1"/>
+            <a:r>
+              <a:rPr lang="en-GB" dirty="0" smtClean="0">
+                <a:latin typeface="+mn-lt"/>
+              </a:rPr>
+              <a:t>Multiple parts of your program might want to do something.</a:t>
+            </a:r>
+          </a:p>
+          <a:p>
+            <a:pPr lvl="1"/>
+            <a:r>
+              <a:rPr lang="en-GB" dirty="0" smtClean="0">
+                <a:latin typeface="+mn-lt"/>
+              </a:rPr>
+              <a:t>When you want to break your program down into smaller subtasks to make it easier for a human to read and understand.</a:t>
+            </a:r>
+          </a:p>
+          <a:p>
+            <a:pPr lvl="1"/>
+            <a:r>
+              <a:rPr lang="en-GB" dirty="0" smtClean="0">
+                <a:latin typeface="+mn-lt"/>
+              </a:rPr>
+              <a:t>Keeping DRY. Not repeating yourself. If you want to change how something works, you only need to change it once if you have written a function and kept using it.</a:t>
+            </a:r>
+          </a:p>
+        </p:txBody>
+      </p:sp>
+    </p:spTree>
+    <p:extLst>
+      <p:ext uri="{BB962C8B-B14F-4D97-AF65-F5344CB8AC3E}">
+        <p14:creationId xmlns:p14="http://schemas.microsoft.com/office/powerpoint/2010/main" val="108649032"/>
+      </p:ext>
+    </p:extLst>
+  </p:cSld>
+  <p:clrMapOvr>
+    <a:masterClrMapping/>
+  </p:clrMapOvr>
+</p:sld>
+</file>
+
+<file path=ppt/slides/slide21.xml><?xml version="1.0" encoding="utf-8"?>
+<p:sld xmlns:a="http://schemas.openxmlformats.org/drawingml/2006/main" xmlns:r="http://schemas.openxmlformats.org/officeDocument/2006/relationships" xmlns:p="http://schemas.openxmlformats.org/presentationml/2006/main">
+  <p:cSld>
+    <p:spTree>
+      <p:nvGrpSpPr>
+        <p:cNvPr id="1" name=""/>
+        <p:cNvGrpSpPr/>
+        <p:nvPr/>
+      </p:nvGrpSpPr>
+      <p:grpSpPr>
+        <a:xfrm>
+          <a:off x="0" y="0"/>
+          <a:ext cx="0" cy="0"/>
+          <a:chOff x="0" y="0"/>
+          <a:chExt cx="0" cy="0"/>
+        </a:xfrm>
+      </p:grpSpPr>
+      <p:sp>
+        <p:nvSpPr>
+          <p:cNvPr id="2" name="Title 1"/>
+          <p:cNvSpPr>
+            <a:spLocks noGrp="1"/>
+          </p:cNvSpPr>
+          <p:nvPr>
+            <p:ph type="title"/>
+          </p:nvPr>
+        </p:nvSpPr>
+        <p:spPr/>
+        <p:txBody>
+          <a:bodyPr/>
+          <a:lstStyle/>
+          <a:p>
+            <a:r>
+              <a:rPr lang="en-GB" dirty="0" smtClean="0"/>
+              <a:t>Good Use Of Functions.</a:t>
+            </a:r>
+            <a:endParaRPr lang="en-GB" dirty="0"/>
+          </a:p>
+        </p:txBody>
+      </p:sp>
+      <p:sp>
+        <p:nvSpPr>
+          <p:cNvPr id="5" name="Content Placeholder 2"/>
+          <p:cNvSpPr txBox="1">
+            <a:spLocks/>
+          </p:cNvSpPr>
+          <p:nvPr/>
+        </p:nvSpPr>
+        <p:spPr>
+          <a:xfrm>
+            <a:off x="646111" y="1853247"/>
+            <a:ext cx="10582062" cy="3505898"/>
+          </a:xfrm>
+          <a:prstGeom prst="rect">
+            <a:avLst/>
+          </a:prstGeom>
+        </p:spPr>
+        <p:txBody>
+          <a:bodyPr vert="horz" lIns="91440" tIns="45720" rIns="91440" bIns="45720" rtlCol="0">
+            <a:normAutofit/>
+          </a:bodyPr>
+          <a:lstStyle>
+            <a:lvl1pPr marL="342900" indent="-342900" algn="l" defTabSz="457200" rtl="0" eaLnBrk="1" latinLnBrk="0" hangingPunct="1">
+              <a:spcBef>
+                <a:spcPts val="1000"/>
+              </a:spcBef>
+              <a:spcAft>
+                <a:spcPts val="0"/>
+              </a:spcAft>
+              <a:buClr>
+                <a:schemeClr val="bg2">
+                  <a:lumMod val="40000"/>
+                  <a:lumOff val="60000"/>
+                </a:schemeClr>
+              </a:buClr>
+              <a:buSzPct val="80000"/>
+              <a:buFont typeface="Wingdings 3" charset="2"/>
+              <a:buChar char=""/>
+              <a:defRPr sz="2000" b="0" i="0" kern="1200">
+                <a:solidFill>
+                  <a:schemeClr val="tx1"/>
+                </a:solidFill>
+                <a:latin typeface="+mj-lt"/>
+                <a:ea typeface="+mj-ea"/>
+                <a:cs typeface="+mj-cs"/>
+              </a:defRPr>
+            </a:lvl1pPr>
+            <a:lvl2pPr marL="742950" indent="-285750" algn="l" defTabSz="457200" rtl="0" eaLnBrk="1" latinLnBrk="0" hangingPunct="1">
+              <a:spcBef>
+                <a:spcPts val="1000"/>
+              </a:spcBef>
+              <a:spcAft>
+                <a:spcPts val="0"/>
+              </a:spcAft>
+              <a:buClr>
+                <a:schemeClr val="bg2">
+                  <a:lumMod val="40000"/>
+                  <a:lumOff val="60000"/>
+                </a:schemeClr>
+              </a:buClr>
+              <a:buSzPct val="80000"/>
+              <a:buFont typeface="Wingdings 3" charset="2"/>
+              <a:buChar char=""/>
+              <a:defRPr sz="1800" b="0" i="0" kern="1200">
+                <a:solidFill>
+                  <a:schemeClr val="tx1"/>
+                </a:solidFill>
+                <a:latin typeface="+mj-lt"/>
+                <a:ea typeface="+mj-ea"/>
+                <a:cs typeface="+mj-cs"/>
+              </a:defRPr>
+            </a:lvl2pPr>
+            <a:lvl3pPr marL="1143000" indent="-228600" algn="l" defTabSz="457200" rtl="0" eaLnBrk="1" latinLnBrk="0" hangingPunct="1">
+              <a:spcBef>
+                <a:spcPts val="1000"/>
+              </a:spcBef>
+              <a:spcAft>
+                <a:spcPts val="0"/>
+              </a:spcAft>
+              <a:buClr>
+                <a:schemeClr val="bg2">
+                  <a:lumMod val="40000"/>
+                  <a:lumOff val="60000"/>
+                </a:schemeClr>
+              </a:buClr>
+              <a:buSzPct val="80000"/>
+              <a:buFont typeface="Wingdings 3" charset="2"/>
+              <a:buChar char=""/>
+              <a:defRPr sz="1600" b="0" i="0" kern="1200">
+                <a:solidFill>
+                  <a:schemeClr val="tx1"/>
+                </a:solidFill>
+                <a:latin typeface="+mj-lt"/>
+                <a:ea typeface="+mj-ea"/>
+                <a:cs typeface="+mj-cs"/>
+              </a:defRPr>
+            </a:lvl3pPr>
+            <a:lvl4pPr marL="1600200" indent="-228600" algn="l" defTabSz="457200" rtl="0" eaLnBrk="1" latinLnBrk="0" hangingPunct="1">
+              <a:spcBef>
+                <a:spcPts val="1000"/>
+              </a:spcBef>
+              <a:spcAft>
+                <a:spcPts val="0"/>
+              </a:spcAft>
+              <a:buClr>
+                <a:schemeClr val="bg2">
+                  <a:lumMod val="40000"/>
+                  <a:lumOff val="60000"/>
+                </a:schemeClr>
+              </a:buClr>
+              <a:buSzPct val="80000"/>
+              <a:buFont typeface="Wingdings 3" charset="2"/>
+              <a:buChar char=""/>
+              <a:defRPr sz="1400" b="0" i="0" kern="1200">
+                <a:solidFill>
+                  <a:schemeClr val="tx1"/>
+                </a:solidFill>
+                <a:latin typeface="+mj-lt"/>
+                <a:ea typeface="+mj-ea"/>
+                <a:cs typeface="+mj-cs"/>
+              </a:defRPr>
+            </a:lvl4pPr>
+            <a:lvl5pPr marL="2057400" indent="-228600" algn="l" defTabSz="457200" rtl="0" eaLnBrk="1" latinLnBrk="0" hangingPunct="1">
+              <a:spcBef>
+                <a:spcPts val="1000"/>
+              </a:spcBef>
+              <a:spcAft>
+                <a:spcPts val="0"/>
+              </a:spcAft>
+              <a:buClr>
+                <a:schemeClr val="bg2">
+                  <a:lumMod val="40000"/>
+                  <a:lumOff val="60000"/>
+                </a:schemeClr>
+              </a:buClr>
+              <a:buSzPct val="80000"/>
+              <a:buFont typeface="Wingdings 3" charset="2"/>
+              <a:buChar char=""/>
+              <a:defRPr sz="1400" b="0" i="0" kern="1200">
+                <a:solidFill>
+                  <a:schemeClr val="tx1"/>
+                </a:solidFill>
+                <a:latin typeface="+mj-lt"/>
+                <a:ea typeface="+mj-ea"/>
+                <a:cs typeface="+mj-cs"/>
+              </a:defRPr>
+            </a:lvl5pPr>
+            <a:lvl6pPr marL="2506000" indent="-228600" algn="l" defTabSz="457200" rtl="0" eaLnBrk="1" latinLnBrk="0" hangingPunct="1">
+              <a:spcBef>
+                <a:spcPts val="1000"/>
+              </a:spcBef>
+              <a:spcAft>
+                <a:spcPts val="0"/>
+              </a:spcAft>
+              <a:buClr>
+                <a:schemeClr val="bg2">
+                  <a:lumMod val="40000"/>
+                  <a:lumOff val="60000"/>
+                </a:schemeClr>
+              </a:buClr>
+              <a:buSzPct val="80000"/>
+              <a:buFont typeface="Wingdings 3" charset="2"/>
+              <a:buChar char=""/>
+              <a:defRPr sz="1400" b="0" i="0" kern="1200">
+                <a:solidFill>
+                  <a:schemeClr val="tx1"/>
+                </a:solidFill>
+                <a:latin typeface="+mj-lt"/>
+                <a:ea typeface="+mj-ea"/>
+                <a:cs typeface="+mj-cs"/>
+              </a:defRPr>
+            </a:lvl6pPr>
+            <a:lvl7pPr marL="2971800" indent="-228600" algn="l" defTabSz="457200" rtl="0" eaLnBrk="1" latinLnBrk="0" hangingPunct="1">
+              <a:spcBef>
+                <a:spcPts val="1000"/>
+              </a:spcBef>
+              <a:spcAft>
+                <a:spcPts val="0"/>
+              </a:spcAft>
+              <a:buClr>
+                <a:schemeClr val="bg2">
+                  <a:lumMod val="40000"/>
+                  <a:lumOff val="60000"/>
+                </a:schemeClr>
+              </a:buClr>
+              <a:buSzPct val="80000"/>
+              <a:buFont typeface="Wingdings 3" charset="2"/>
+              <a:buChar char=""/>
+              <a:defRPr sz="1400" b="0" i="0" kern="1200">
+                <a:solidFill>
+                  <a:schemeClr val="tx1"/>
+                </a:solidFill>
+                <a:latin typeface="+mj-lt"/>
+                <a:ea typeface="+mj-ea"/>
+                <a:cs typeface="+mj-cs"/>
+              </a:defRPr>
+            </a:lvl7pPr>
+            <a:lvl8pPr marL="3429000" indent="-228600" algn="l" defTabSz="457200" rtl="0" eaLnBrk="1" latinLnBrk="0" hangingPunct="1">
+              <a:spcBef>
+                <a:spcPts val="1000"/>
+              </a:spcBef>
+              <a:spcAft>
+                <a:spcPts val="0"/>
+              </a:spcAft>
+              <a:buClr>
+                <a:schemeClr val="bg2">
+                  <a:lumMod val="40000"/>
+                  <a:lumOff val="60000"/>
+                </a:schemeClr>
+              </a:buClr>
+              <a:buSzPct val="80000"/>
+              <a:buFont typeface="Wingdings 3" charset="2"/>
+              <a:buChar char=""/>
+              <a:defRPr sz="1400" b="0" i="0" kern="1200">
+                <a:solidFill>
+                  <a:schemeClr val="tx1"/>
+                </a:solidFill>
+                <a:latin typeface="+mj-lt"/>
+                <a:ea typeface="+mj-ea"/>
+                <a:cs typeface="+mj-cs"/>
+              </a:defRPr>
+            </a:lvl8pPr>
+            <a:lvl9pPr marL="3886200" indent="-228600" algn="l" defTabSz="457200" rtl="0" eaLnBrk="1" latinLnBrk="0" hangingPunct="1">
+              <a:spcBef>
+                <a:spcPts val="1000"/>
+              </a:spcBef>
+              <a:spcAft>
+                <a:spcPts val="0"/>
+              </a:spcAft>
+              <a:buClr>
+                <a:schemeClr val="bg2">
+                  <a:lumMod val="40000"/>
+                  <a:lumOff val="60000"/>
+                </a:schemeClr>
+              </a:buClr>
+              <a:buSzPct val="80000"/>
+              <a:buFont typeface="Wingdings 3" charset="2"/>
+              <a:buChar char=""/>
+              <a:defRPr sz="1400" b="0" i="0" kern="1200">
+                <a:solidFill>
+                  <a:schemeClr val="tx1"/>
+                </a:solidFill>
+                <a:latin typeface="+mj-lt"/>
+                <a:ea typeface="+mj-ea"/>
+                <a:cs typeface="+mj-cs"/>
+              </a:defRPr>
+            </a:lvl9pPr>
+          </a:lstStyle>
+          <a:p>
+            <a:r>
+              <a:rPr lang="en-GB" dirty="0" smtClean="0">
+                <a:latin typeface="+mn-lt"/>
+              </a:rPr>
+              <a:t>The next examples are code written without functions on the left.</a:t>
+            </a:r>
+          </a:p>
+          <a:p>
+            <a:r>
+              <a:rPr lang="en-GB" dirty="0" smtClean="0">
+                <a:latin typeface="+mn-lt"/>
+              </a:rPr>
+              <a:t>Then versions written with functions on the right.</a:t>
+            </a:r>
+            <a:endParaRPr lang="en-GB" dirty="0">
+              <a:latin typeface="+mn-lt"/>
+            </a:endParaRPr>
+          </a:p>
+          <a:p>
+            <a:endParaRPr lang="en-GB" dirty="0" smtClean="0">
+              <a:latin typeface="+mn-lt"/>
+            </a:endParaRPr>
+          </a:p>
+          <a:p>
+            <a:r>
+              <a:rPr lang="en-GB" dirty="0" smtClean="0">
+                <a:latin typeface="+mn-lt"/>
+              </a:rPr>
+              <a:t>They both do the same thing.</a:t>
+            </a:r>
+          </a:p>
+          <a:p>
+            <a:r>
+              <a:rPr lang="en-GB" dirty="0" smtClean="0">
+                <a:latin typeface="+mn-lt"/>
+              </a:rPr>
+              <a:t>See if you understand why the code with functions is easier to understand and to edit.</a:t>
+            </a:r>
+            <a:endParaRPr lang="en-GB" dirty="0">
+              <a:latin typeface="+mn-lt"/>
+            </a:endParaRPr>
+          </a:p>
+        </p:txBody>
+      </p:sp>
+    </p:spTree>
+    <p:extLst>
+      <p:ext uri="{BB962C8B-B14F-4D97-AF65-F5344CB8AC3E}">
+        <p14:creationId xmlns:p14="http://schemas.microsoft.com/office/powerpoint/2010/main" val="1937274613"/>
+      </p:ext>
+    </p:extLst>
+  </p:cSld>
+  <p:clrMapOvr>
+    <a:masterClrMapping/>
+  </p:clrMapOvr>
+</p:sld>
+</file>
+
+<file path=ppt/slides/slide22.xml><?xml version="1.0" encoding="utf-8"?>
+<p:sld xmlns:a="http://schemas.openxmlformats.org/drawingml/2006/main" xmlns:r="http://schemas.openxmlformats.org/officeDocument/2006/relationships" xmlns:p="http://schemas.openxmlformats.org/presentationml/2006/main">
+  <p:cSld>
+    <p:spTree>
+      <p:nvGrpSpPr>
+        <p:cNvPr id="1" name=""/>
+        <p:cNvGrpSpPr/>
+        <p:nvPr/>
+      </p:nvGrpSpPr>
+      <p:grpSpPr>
+        <a:xfrm>
+          <a:off x="0" y="0"/>
+          <a:ext cx="0" cy="0"/>
+          <a:chOff x="0" y="0"/>
+          <a:chExt cx="0" cy="0"/>
+        </a:xfrm>
+      </p:grpSpPr>
+      <p:sp>
+        <p:nvSpPr>
+          <p:cNvPr id="2" name="Title 1"/>
+          <p:cNvSpPr>
+            <a:spLocks noGrp="1"/>
+          </p:cNvSpPr>
+          <p:nvPr>
+            <p:ph type="title"/>
+          </p:nvPr>
+        </p:nvSpPr>
+        <p:spPr/>
+        <p:txBody>
+          <a:bodyPr/>
+          <a:lstStyle/>
+          <a:p>
+            <a:r>
+              <a:rPr lang="en-GB" dirty="0" smtClean="0"/>
+              <a:t>No Functions vs Functions 1.</a:t>
+            </a:r>
+            <a:endParaRPr lang="en-GB" dirty="0"/>
+          </a:p>
+        </p:txBody>
+      </p:sp>
+      <p:sp>
+        <p:nvSpPr>
+          <p:cNvPr id="3" name="Rectangle 2"/>
+          <p:cNvSpPr/>
+          <p:nvPr/>
+        </p:nvSpPr>
+        <p:spPr>
+          <a:xfrm>
+            <a:off x="646111" y="1517463"/>
+            <a:ext cx="5573457" cy="2516073"/>
+          </a:xfrm>
+          <a:prstGeom prst="rect">
+            <a:avLst/>
+          </a:prstGeom>
+        </p:spPr>
+        <p:txBody>
+          <a:bodyPr wrap="square">
+            <a:spAutoFit/>
+          </a:bodyPr>
+          <a:lstStyle/>
+          <a:p>
+            <a:r>
+              <a:rPr lang="en-GB" sz="1050" dirty="0">
+                <a:latin typeface="Courier New" panose="02070309020205020404" pitchFamily="49" charset="0"/>
+                <a:cs typeface="Courier New" panose="02070309020205020404" pitchFamily="49" charset="0"/>
+              </a:rPr>
+              <a:t># Week7, Example11</a:t>
+            </a:r>
+          </a:p>
+          <a:p>
+            <a:endParaRPr lang="en-GB" sz="1050" dirty="0">
+              <a:latin typeface="Courier New" panose="02070309020205020404" pitchFamily="49" charset="0"/>
+              <a:cs typeface="Courier New" panose="02070309020205020404" pitchFamily="49" charset="0"/>
+            </a:endParaRPr>
+          </a:p>
+          <a:p>
+            <a:r>
+              <a:rPr lang="en-GB" sz="1050" dirty="0">
+                <a:latin typeface="Courier New" panose="02070309020205020404" pitchFamily="49" charset="0"/>
+                <a:cs typeface="Courier New" panose="02070309020205020404" pitchFamily="49" charset="0"/>
+              </a:rPr>
+              <a:t># Calculate the area of a square.</a:t>
+            </a:r>
+          </a:p>
+          <a:p>
+            <a:r>
+              <a:rPr lang="en-GB" sz="1050" dirty="0">
+                <a:latin typeface="Courier New" panose="02070309020205020404" pitchFamily="49" charset="0"/>
+                <a:cs typeface="Courier New" panose="02070309020205020404" pitchFamily="49" charset="0"/>
+              </a:rPr>
+              <a:t>print(</a:t>
+            </a:r>
+            <a:r>
+              <a:rPr lang="en-GB" sz="1050" dirty="0" err="1">
+                <a:latin typeface="Courier New" panose="02070309020205020404" pitchFamily="49" charset="0"/>
+                <a:cs typeface="Courier New" panose="02070309020205020404" pitchFamily="49" charset="0"/>
+              </a:rPr>
+              <a:t>f"A</a:t>
+            </a:r>
+            <a:r>
+              <a:rPr lang="en-GB" sz="1050" dirty="0">
+                <a:latin typeface="Courier New" panose="02070309020205020404" pitchFamily="49" charset="0"/>
+                <a:cs typeface="Courier New" panose="02070309020205020404" pitchFamily="49" charset="0"/>
+              </a:rPr>
+              <a:t> square with sides 3m by 5m has area { 3 * 5 }m squared")</a:t>
+            </a:r>
+          </a:p>
+          <a:p>
+            <a:endParaRPr lang="en-GB" sz="1050" dirty="0">
+              <a:latin typeface="Courier New" panose="02070309020205020404" pitchFamily="49" charset="0"/>
+              <a:cs typeface="Courier New" panose="02070309020205020404" pitchFamily="49" charset="0"/>
+            </a:endParaRPr>
+          </a:p>
+          <a:p>
+            <a:r>
+              <a:rPr lang="en-GB" sz="1050" dirty="0">
+                <a:latin typeface="Courier New" panose="02070309020205020404" pitchFamily="49" charset="0"/>
+                <a:cs typeface="Courier New" panose="02070309020205020404" pitchFamily="49" charset="0"/>
+              </a:rPr>
+              <a:t># Calculate the area of a different square.</a:t>
+            </a:r>
+          </a:p>
+          <a:p>
+            <a:r>
+              <a:rPr lang="en-GB" sz="1050" dirty="0">
+                <a:latin typeface="Courier New" panose="02070309020205020404" pitchFamily="49" charset="0"/>
+                <a:cs typeface="Courier New" panose="02070309020205020404" pitchFamily="49" charset="0"/>
+              </a:rPr>
+              <a:t>print(</a:t>
+            </a:r>
+            <a:r>
+              <a:rPr lang="en-GB" sz="1050" dirty="0" err="1">
+                <a:latin typeface="Courier New" panose="02070309020205020404" pitchFamily="49" charset="0"/>
+                <a:cs typeface="Courier New" panose="02070309020205020404" pitchFamily="49" charset="0"/>
+              </a:rPr>
+              <a:t>f"A</a:t>
+            </a:r>
+            <a:r>
+              <a:rPr lang="en-GB" sz="1050" dirty="0">
+                <a:latin typeface="Courier New" panose="02070309020205020404" pitchFamily="49" charset="0"/>
+                <a:cs typeface="Courier New" panose="02070309020205020404" pitchFamily="49" charset="0"/>
+              </a:rPr>
+              <a:t> square with sides 2m by 6m has area { 2 * 6 }m squared")</a:t>
+            </a:r>
+          </a:p>
+          <a:p>
+            <a:endParaRPr lang="en-GB" sz="1050" dirty="0">
+              <a:latin typeface="Courier New" panose="02070309020205020404" pitchFamily="49" charset="0"/>
+              <a:cs typeface="Courier New" panose="02070309020205020404" pitchFamily="49" charset="0"/>
+            </a:endParaRPr>
+          </a:p>
+          <a:p>
+            <a:r>
+              <a:rPr lang="en-GB" sz="1050" dirty="0">
+                <a:latin typeface="Courier New" panose="02070309020205020404" pitchFamily="49" charset="0"/>
+                <a:cs typeface="Courier New" panose="02070309020205020404" pitchFamily="49" charset="0"/>
+              </a:rPr>
+              <a:t># Calculate the area of yet another different square.</a:t>
+            </a:r>
+          </a:p>
+          <a:p>
+            <a:r>
+              <a:rPr lang="en-GB" sz="1050" dirty="0">
+                <a:latin typeface="Courier New" panose="02070309020205020404" pitchFamily="49" charset="0"/>
+                <a:cs typeface="Courier New" panose="02070309020205020404" pitchFamily="49" charset="0"/>
+              </a:rPr>
+              <a:t>print(</a:t>
+            </a:r>
+            <a:r>
+              <a:rPr lang="en-GB" sz="1050" dirty="0" err="1">
+                <a:latin typeface="Courier New" panose="02070309020205020404" pitchFamily="49" charset="0"/>
+                <a:cs typeface="Courier New" panose="02070309020205020404" pitchFamily="49" charset="0"/>
+              </a:rPr>
+              <a:t>f"A</a:t>
+            </a:r>
+            <a:r>
+              <a:rPr lang="en-GB" sz="1050" dirty="0">
+                <a:latin typeface="Courier New" panose="02070309020205020404" pitchFamily="49" charset="0"/>
+                <a:cs typeface="Courier New" panose="02070309020205020404" pitchFamily="49" charset="0"/>
+              </a:rPr>
+              <a:t> square with sides 5m by 7m has area { 5 * 7 }m squared")</a:t>
+            </a:r>
+          </a:p>
+          <a:p>
+            <a:endParaRPr lang="en-GB" sz="1050" dirty="0">
+              <a:latin typeface="Courier New" panose="02070309020205020404" pitchFamily="49" charset="0"/>
+              <a:cs typeface="Courier New" panose="02070309020205020404" pitchFamily="49" charset="0"/>
+            </a:endParaRPr>
+          </a:p>
+          <a:p>
+            <a:r>
+              <a:rPr lang="en-GB" sz="1050" dirty="0">
+                <a:latin typeface="Courier New" panose="02070309020205020404" pitchFamily="49" charset="0"/>
+                <a:cs typeface="Courier New" panose="02070309020205020404" pitchFamily="49" charset="0"/>
+              </a:rPr>
+              <a:t># Calculate the area of a final square</a:t>
+            </a:r>
+          </a:p>
+          <a:p>
+            <a:r>
+              <a:rPr lang="en-GB" sz="1050" dirty="0">
+                <a:latin typeface="Courier New" panose="02070309020205020404" pitchFamily="49" charset="0"/>
+                <a:cs typeface="Courier New" panose="02070309020205020404" pitchFamily="49" charset="0"/>
+              </a:rPr>
+              <a:t>print(</a:t>
+            </a:r>
+            <a:r>
+              <a:rPr lang="en-GB" sz="1050" dirty="0" err="1">
+                <a:latin typeface="Courier New" panose="02070309020205020404" pitchFamily="49" charset="0"/>
+                <a:cs typeface="Courier New" panose="02070309020205020404" pitchFamily="49" charset="0"/>
+              </a:rPr>
+              <a:t>f"A</a:t>
+            </a:r>
+            <a:r>
+              <a:rPr lang="en-GB" sz="1050" dirty="0">
+                <a:latin typeface="Courier New" panose="02070309020205020404" pitchFamily="49" charset="0"/>
+                <a:cs typeface="Courier New" panose="02070309020205020404" pitchFamily="49" charset="0"/>
+              </a:rPr>
+              <a:t> square with sides 4m by 4m has area { 4 * 4 }m squared")</a:t>
+            </a:r>
+          </a:p>
+          <a:p>
+            <a:endParaRPr lang="en-GB" sz="1050" dirty="0">
+              <a:latin typeface="Courier New" panose="02070309020205020404" pitchFamily="49" charset="0"/>
+              <a:cs typeface="Courier New" panose="02070309020205020404" pitchFamily="49" charset="0"/>
+            </a:endParaRPr>
+          </a:p>
+          <a:p>
+            <a:endParaRPr lang="en-GB" sz="1050" dirty="0">
+              <a:latin typeface="Courier New" panose="02070309020205020404" pitchFamily="49" charset="0"/>
+              <a:cs typeface="Courier New" panose="02070309020205020404" pitchFamily="49" charset="0"/>
+            </a:endParaRPr>
+          </a:p>
+        </p:txBody>
+      </p:sp>
+      <p:sp>
+        <p:nvSpPr>
+          <p:cNvPr id="4" name="Rectangle 3"/>
+          <p:cNvSpPr/>
+          <p:nvPr/>
+        </p:nvSpPr>
+        <p:spPr>
+          <a:xfrm>
+            <a:off x="6096000" y="1517463"/>
+            <a:ext cx="6096000" cy="1546577"/>
+          </a:xfrm>
+          <a:prstGeom prst="rect">
+            <a:avLst/>
+          </a:prstGeom>
+        </p:spPr>
+        <p:txBody>
+          <a:bodyPr>
+            <a:spAutoFit/>
+          </a:bodyPr>
+          <a:lstStyle/>
+          <a:p>
+            <a:r>
+              <a:rPr lang="en-GB" sz="1050" dirty="0">
+                <a:latin typeface="Courier New" panose="02070309020205020404" pitchFamily="49" charset="0"/>
+                <a:cs typeface="Courier New" panose="02070309020205020404" pitchFamily="49" charset="0"/>
+              </a:rPr>
+              <a:t># Week7, Example12</a:t>
+            </a:r>
+          </a:p>
+          <a:p>
+            <a:endParaRPr lang="en-GB" sz="1050" dirty="0">
+              <a:latin typeface="Courier New" panose="02070309020205020404" pitchFamily="49" charset="0"/>
+              <a:cs typeface="Courier New" panose="02070309020205020404" pitchFamily="49" charset="0"/>
+            </a:endParaRPr>
+          </a:p>
+          <a:p>
+            <a:r>
+              <a:rPr lang="en-GB" sz="1050" dirty="0" err="1">
+                <a:latin typeface="Courier New" panose="02070309020205020404" pitchFamily="49" charset="0"/>
+                <a:cs typeface="Courier New" panose="02070309020205020404" pitchFamily="49" charset="0"/>
+              </a:rPr>
+              <a:t>def</a:t>
+            </a:r>
+            <a:r>
+              <a:rPr lang="en-GB" sz="1050" dirty="0">
+                <a:latin typeface="Courier New" panose="02070309020205020404" pitchFamily="49" charset="0"/>
+                <a:cs typeface="Courier New" panose="02070309020205020404" pitchFamily="49" charset="0"/>
+              </a:rPr>
+              <a:t> </a:t>
+            </a:r>
+            <a:r>
+              <a:rPr lang="en-GB" sz="1050" dirty="0" err="1">
+                <a:latin typeface="Courier New" panose="02070309020205020404" pitchFamily="49" charset="0"/>
+                <a:cs typeface="Courier New" panose="02070309020205020404" pitchFamily="49" charset="0"/>
+              </a:rPr>
+              <a:t>print_area_square</a:t>
+            </a:r>
+            <a:r>
+              <a:rPr lang="en-GB" sz="1050" dirty="0">
+                <a:latin typeface="Courier New" panose="02070309020205020404" pitchFamily="49" charset="0"/>
+                <a:cs typeface="Courier New" panose="02070309020205020404" pitchFamily="49" charset="0"/>
+              </a:rPr>
+              <a:t>(</a:t>
+            </a:r>
+            <a:r>
+              <a:rPr lang="en-GB" sz="1050" dirty="0" err="1">
+                <a:latin typeface="Courier New" panose="02070309020205020404" pitchFamily="49" charset="0"/>
+                <a:cs typeface="Courier New" panose="02070309020205020404" pitchFamily="49" charset="0"/>
+              </a:rPr>
+              <a:t>a,b</a:t>
+            </a:r>
+            <a:r>
+              <a:rPr lang="en-GB" sz="1050" dirty="0">
+                <a:latin typeface="Courier New" panose="02070309020205020404" pitchFamily="49" charset="0"/>
+                <a:cs typeface="Courier New" panose="02070309020205020404" pitchFamily="49" charset="0"/>
+              </a:rPr>
+              <a:t>):</a:t>
+            </a:r>
+          </a:p>
+          <a:p>
+            <a:r>
+              <a:rPr lang="en-GB" sz="1050" dirty="0">
+                <a:latin typeface="Courier New" panose="02070309020205020404" pitchFamily="49" charset="0"/>
+                <a:cs typeface="Courier New" panose="02070309020205020404" pitchFamily="49" charset="0"/>
+              </a:rPr>
+              <a:t>    print(</a:t>
+            </a:r>
+            <a:r>
+              <a:rPr lang="en-GB" sz="1050" dirty="0" err="1">
+                <a:latin typeface="Courier New" panose="02070309020205020404" pitchFamily="49" charset="0"/>
+                <a:cs typeface="Courier New" panose="02070309020205020404" pitchFamily="49" charset="0"/>
+              </a:rPr>
+              <a:t>f"A</a:t>
+            </a:r>
+            <a:r>
+              <a:rPr lang="en-GB" sz="1050" dirty="0">
+                <a:latin typeface="Courier New" panose="02070309020205020404" pitchFamily="49" charset="0"/>
+                <a:cs typeface="Courier New" panose="02070309020205020404" pitchFamily="49" charset="0"/>
+              </a:rPr>
+              <a:t> square with sides {a}m by {b}m has area {a * b}m squared")</a:t>
+            </a:r>
+          </a:p>
+          <a:p>
+            <a:endParaRPr lang="en-GB" sz="1050" dirty="0">
+              <a:latin typeface="Courier New" panose="02070309020205020404" pitchFamily="49" charset="0"/>
+              <a:cs typeface="Courier New" panose="02070309020205020404" pitchFamily="49" charset="0"/>
+            </a:endParaRPr>
+          </a:p>
+          <a:p>
+            <a:r>
+              <a:rPr lang="en-GB" sz="1050" dirty="0" err="1">
+                <a:latin typeface="Courier New" panose="02070309020205020404" pitchFamily="49" charset="0"/>
+                <a:cs typeface="Courier New" panose="02070309020205020404" pitchFamily="49" charset="0"/>
+              </a:rPr>
+              <a:t>print_area_square</a:t>
+            </a:r>
+            <a:r>
+              <a:rPr lang="en-GB" sz="1050" dirty="0">
+                <a:latin typeface="Courier New" panose="02070309020205020404" pitchFamily="49" charset="0"/>
+                <a:cs typeface="Courier New" panose="02070309020205020404" pitchFamily="49" charset="0"/>
+              </a:rPr>
+              <a:t>(3,5)</a:t>
+            </a:r>
+          </a:p>
+          <a:p>
+            <a:r>
+              <a:rPr lang="en-GB" sz="1050" dirty="0" err="1">
+                <a:latin typeface="Courier New" panose="02070309020205020404" pitchFamily="49" charset="0"/>
+                <a:cs typeface="Courier New" panose="02070309020205020404" pitchFamily="49" charset="0"/>
+              </a:rPr>
+              <a:t>print_area_square</a:t>
+            </a:r>
+            <a:r>
+              <a:rPr lang="en-GB" sz="1050" dirty="0">
+                <a:latin typeface="Courier New" panose="02070309020205020404" pitchFamily="49" charset="0"/>
+                <a:cs typeface="Courier New" panose="02070309020205020404" pitchFamily="49" charset="0"/>
+              </a:rPr>
+              <a:t>(2,6)</a:t>
+            </a:r>
+          </a:p>
+          <a:p>
+            <a:r>
+              <a:rPr lang="en-GB" sz="1050" dirty="0" err="1">
+                <a:latin typeface="Courier New" panose="02070309020205020404" pitchFamily="49" charset="0"/>
+                <a:cs typeface="Courier New" panose="02070309020205020404" pitchFamily="49" charset="0"/>
+              </a:rPr>
+              <a:t>print_area_square</a:t>
+            </a:r>
+            <a:r>
+              <a:rPr lang="en-GB" sz="1050" dirty="0">
+                <a:latin typeface="Courier New" panose="02070309020205020404" pitchFamily="49" charset="0"/>
+                <a:cs typeface="Courier New" panose="02070309020205020404" pitchFamily="49" charset="0"/>
+              </a:rPr>
+              <a:t>(5,7)</a:t>
+            </a:r>
+          </a:p>
+          <a:p>
+            <a:r>
+              <a:rPr lang="en-GB" sz="1050" dirty="0" err="1">
+                <a:latin typeface="Courier New" panose="02070309020205020404" pitchFamily="49" charset="0"/>
+                <a:cs typeface="Courier New" panose="02070309020205020404" pitchFamily="49" charset="0"/>
+              </a:rPr>
+              <a:t>print_area_square</a:t>
+            </a:r>
+            <a:r>
+              <a:rPr lang="en-GB" sz="1050" dirty="0">
+                <a:latin typeface="Courier New" panose="02070309020205020404" pitchFamily="49" charset="0"/>
+                <a:cs typeface="Courier New" panose="02070309020205020404" pitchFamily="49" charset="0"/>
+              </a:rPr>
+              <a:t>(4,4)</a:t>
+            </a:r>
+          </a:p>
+        </p:txBody>
+      </p:sp>
+    </p:spTree>
+    <p:extLst>
+      <p:ext uri="{BB962C8B-B14F-4D97-AF65-F5344CB8AC3E}">
+        <p14:creationId xmlns:p14="http://schemas.microsoft.com/office/powerpoint/2010/main" val="158698710"/>
+      </p:ext>
+    </p:extLst>
+  </p:cSld>
+  <p:clrMapOvr>
+    <a:masterClrMapping/>
+  </p:clrMapOvr>
+</p:sld>
+</file>
+
+<file path=ppt/slides/slide23.xml><?xml version="1.0" encoding="utf-8"?>
+<p:sld xmlns:a="http://schemas.openxmlformats.org/drawingml/2006/main" xmlns:r="http://schemas.openxmlformats.org/officeDocument/2006/relationships" xmlns:p="http://schemas.openxmlformats.org/presentationml/2006/main">
+  <p:cSld>
+    <p:spTree>
+      <p:nvGrpSpPr>
+        <p:cNvPr id="1" name=""/>
+        <p:cNvGrpSpPr/>
+        <p:nvPr/>
+      </p:nvGrpSpPr>
+      <p:grpSpPr>
+        <a:xfrm>
+          <a:off x="0" y="0"/>
+          <a:ext cx="0" cy="0"/>
+          <a:chOff x="0" y="0"/>
+          <a:chExt cx="0" cy="0"/>
+        </a:xfrm>
+      </p:grpSpPr>
+      <p:sp>
+        <p:nvSpPr>
+          <p:cNvPr id="2" name="Title 1"/>
+          <p:cNvSpPr>
+            <a:spLocks noGrp="1"/>
+          </p:cNvSpPr>
+          <p:nvPr>
+            <p:ph type="title"/>
+          </p:nvPr>
+        </p:nvSpPr>
+        <p:spPr/>
+        <p:txBody>
+          <a:bodyPr/>
+          <a:lstStyle/>
+          <a:p>
+            <a:r>
+              <a:rPr lang="en-GB" dirty="0" smtClean="0"/>
+              <a:t>No Functions vs Functions 2.</a:t>
+            </a:r>
+            <a:endParaRPr lang="en-GB" dirty="0"/>
+          </a:p>
+        </p:txBody>
+      </p:sp>
+      <p:sp>
+        <p:nvSpPr>
+          <p:cNvPr id="3" name="Rectangle 2"/>
+          <p:cNvSpPr/>
+          <p:nvPr/>
+        </p:nvSpPr>
+        <p:spPr>
+          <a:xfrm>
+            <a:off x="646111" y="1517463"/>
+            <a:ext cx="6570235" cy="3631763"/>
+          </a:xfrm>
+          <a:prstGeom prst="rect">
+            <a:avLst/>
+          </a:prstGeom>
+        </p:spPr>
+        <p:txBody>
+          <a:bodyPr wrap="square">
+            <a:spAutoFit/>
+          </a:bodyPr>
+          <a:lstStyle/>
+          <a:p>
+            <a:r>
+              <a:rPr lang="en-GB" sz="1000" dirty="0" smtClean="0">
+                <a:latin typeface="Courier New" panose="02070309020205020404" pitchFamily="49" charset="0"/>
+                <a:cs typeface="Courier New" panose="02070309020205020404" pitchFamily="49" charset="0"/>
+              </a:rPr>
+              <a:t># </a:t>
+            </a:r>
+            <a:r>
+              <a:rPr lang="en-GB" sz="1000" dirty="0">
+                <a:latin typeface="Courier New" panose="02070309020205020404" pitchFamily="49" charset="0"/>
+                <a:cs typeface="Courier New" panose="02070309020205020404" pitchFamily="49" charset="0"/>
+              </a:rPr>
+              <a:t>Week7, Example13</a:t>
+            </a:r>
+          </a:p>
+          <a:p>
+            <a:endParaRPr lang="en-GB" sz="1000" dirty="0">
+              <a:latin typeface="Courier New" panose="02070309020205020404" pitchFamily="49" charset="0"/>
+              <a:cs typeface="Courier New" panose="02070309020205020404" pitchFamily="49" charset="0"/>
+            </a:endParaRPr>
+          </a:p>
+          <a:p>
+            <a:r>
+              <a:rPr lang="en-GB" sz="1000" dirty="0">
+                <a:latin typeface="Courier New" panose="02070309020205020404" pitchFamily="49" charset="0"/>
+                <a:cs typeface="Courier New" panose="02070309020205020404" pitchFamily="49" charset="0"/>
+              </a:rPr>
+              <a:t>import random</a:t>
+            </a:r>
+          </a:p>
+          <a:p>
+            <a:endParaRPr lang="en-GB" sz="1000" dirty="0">
+              <a:latin typeface="Courier New" panose="02070309020205020404" pitchFamily="49" charset="0"/>
+              <a:cs typeface="Courier New" panose="02070309020205020404" pitchFamily="49" charset="0"/>
+            </a:endParaRPr>
+          </a:p>
+          <a:p>
+            <a:r>
+              <a:rPr lang="en-GB" sz="1000" dirty="0">
+                <a:latin typeface="Courier New" panose="02070309020205020404" pitchFamily="49" charset="0"/>
+                <a:cs typeface="Courier New" panose="02070309020205020404" pitchFamily="49" charset="0"/>
+              </a:rPr>
+              <a:t>print(</a:t>
+            </a:r>
+            <a:r>
+              <a:rPr lang="en-GB" sz="1000" dirty="0" err="1">
+                <a:latin typeface="Courier New" panose="02070309020205020404" pitchFamily="49" charset="0"/>
+                <a:cs typeface="Courier New" panose="02070309020205020404" pitchFamily="49" charset="0"/>
+              </a:rPr>
+              <a:t>f"Rolling</a:t>
+            </a:r>
+            <a:r>
+              <a:rPr lang="en-GB" sz="1000" dirty="0">
+                <a:latin typeface="Courier New" panose="02070309020205020404" pitchFamily="49" charset="0"/>
+                <a:cs typeface="Courier New" panose="02070309020205020404" pitchFamily="49" charset="0"/>
+              </a:rPr>
+              <a:t> 2 dice with 6 sides 10 times")</a:t>
+            </a:r>
+          </a:p>
+          <a:p>
+            <a:r>
+              <a:rPr lang="en-GB" sz="1000" dirty="0">
+                <a:latin typeface="Courier New" panose="02070309020205020404" pitchFamily="49" charset="0"/>
+                <a:cs typeface="Courier New" panose="02070309020205020404" pitchFamily="49" charset="0"/>
+              </a:rPr>
+              <a:t>results = []</a:t>
+            </a:r>
+          </a:p>
+          <a:p>
+            <a:r>
+              <a:rPr lang="en-GB" sz="1000" dirty="0">
+                <a:latin typeface="Courier New" panose="02070309020205020404" pitchFamily="49" charset="0"/>
+                <a:cs typeface="Courier New" panose="02070309020205020404" pitchFamily="49" charset="0"/>
+              </a:rPr>
+              <a:t>for </a:t>
+            </a:r>
+            <a:r>
+              <a:rPr lang="en-GB" sz="1000" dirty="0" err="1">
+                <a:latin typeface="Courier New" panose="02070309020205020404" pitchFamily="49" charset="0"/>
+                <a:cs typeface="Courier New" panose="02070309020205020404" pitchFamily="49" charset="0"/>
+              </a:rPr>
+              <a:t>i</a:t>
+            </a:r>
+            <a:r>
+              <a:rPr lang="en-GB" sz="1000" dirty="0">
+                <a:latin typeface="Courier New" panose="02070309020205020404" pitchFamily="49" charset="0"/>
+                <a:cs typeface="Courier New" panose="02070309020205020404" pitchFamily="49" charset="0"/>
+              </a:rPr>
+              <a:t> in range(10):</a:t>
+            </a:r>
+          </a:p>
+          <a:p>
+            <a:r>
+              <a:rPr lang="en-GB" sz="1000" dirty="0">
+                <a:latin typeface="Courier New" panose="02070309020205020404" pitchFamily="49" charset="0"/>
+                <a:cs typeface="Courier New" panose="02070309020205020404" pitchFamily="49" charset="0"/>
+              </a:rPr>
+              <a:t>    </a:t>
+            </a:r>
+            <a:r>
+              <a:rPr lang="en-GB" sz="1000" dirty="0" err="1">
+                <a:latin typeface="Courier New" panose="02070309020205020404" pitchFamily="49" charset="0"/>
+                <a:cs typeface="Courier New" panose="02070309020205020404" pitchFamily="49" charset="0"/>
+              </a:rPr>
+              <a:t>results.append</a:t>
+            </a:r>
+            <a:r>
+              <a:rPr lang="en-GB" sz="1000" dirty="0">
+                <a:latin typeface="Courier New" panose="02070309020205020404" pitchFamily="49" charset="0"/>
+                <a:cs typeface="Courier New" panose="02070309020205020404" pitchFamily="49" charset="0"/>
+              </a:rPr>
+              <a:t>(</a:t>
+            </a:r>
+            <a:r>
+              <a:rPr lang="en-GB" sz="1000" dirty="0" err="1">
+                <a:latin typeface="Courier New" panose="02070309020205020404" pitchFamily="49" charset="0"/>
+                <a:cs typeface="Courier New" panose="02070309020205020404" pitchFamily="49" charset="0"/>
+              </a:rPr>
+              <a:t>random.randint</a:t>
+            </a:r>
+            <a:r>
+              <a:rPr lang="en-GB" sz="1000" dirty="0">
+                <a:latin typeface="Courier New" panose="02070309020205020404" pitchFamily="49" charset="0"/>
+                <a:cs typeface="Courier New" panose="02070309020205020404" pitchFamily="49" charset="0"/>
+              </a:rPr>
+              <a:t>(1,6) + </a:t>
+            </a:r>
+            <a:r>
+              <a:rPr lang="en-GB" sz="1000" dirty="0" err="1">
+                <a:latin typeface="Courier New" panose="02070309020205020404" pitchFamily="49" charset="0"/>
+                <a:cs typeface="Courier New" panose="02070309020205020404" pitchFamily="49" charset="0"/>
+              </a:rPr>
+              <a:t>random.randint</a:t>
+            </a:r>
+            <a:r>
+              <a:rPr lang="en-GB" sz="1000" dirty="0">
+                <a:latin typeface="Courier New" panose="02070309020205020404" pitchFamily="49" charset="0"/>
+                <a:cs typeface="Courier New" panose="02070309020205020404" pitchFamily="49" charset="0"/>
+              </a:rPr>
+              <a:t>(1,6))</a:t>
+            </a:r>
+          </a:p>
+          <a:p>
+            <a:r>
+              <a:rPr lang="en-GB" sz="1000" dirty="0">
+                <a:latin typeface="Courier New" panose="02070309020205020404" pitchFamily="49" charset="0"/>
+                <a:cs typeface="Courier New" panose="02070309020205020404" pitchFamily="49" charset="0"/>
+              </a:rPr>
+              <a:t>print(results)</a:t>
+            </a:r>
+          </a:p>
+          <a:p>
+            <a:endParaRPr lang="en-GB" sz="1000" dirty="0">
+              <a:latin typeface="Courier New" panose="02070309020205020404" pitchFamily="49" charset="0"/>
+              <a:cs typeface="Courier New" panose="02070309020205020404" pitchFamily="49" charset="0"/>
+            </a:endParaRPr>
+          </a:p>
+          <a:p>
+            <a:r>
+              <a:rPr lang="en-GB" sz="1000" dirty="0">
+                <a:latin typeface="Courier New" panose="02070309020205020404" pitchFamily="49" charset="0"/>
+                <a:cs typeface="Courier New" panose="02070309020205020404" pitchFamily="49" charset="0"/>
+              </a:rPr>
+              <a:t>print(</a:t>
+            </a:r>
+            <a:r>
+              <a:rPr lang="en-GB" sz="1000" dirty="0" err="1">
+                <a:latin typeface="Courier New" panose="02070309020205020404" pitchFamily="49" charset="0"/>
+                <a:cs typeface="Courier New" panose="02070309020205020404" pitchFamily="49" charset="0"/>
+              </a:rPr>
+              <a:t>f"Rolling</a:t>
+            </a:r>
+            <a:r>
+              <a:rPr lang="en-GB" sz="1000" dirty="0">
+                <a:latin typeface="Courier New" panose="02070309020205020404" pitchFamily="49" charset="0"/>
+                <a:cs typeface="Courier New" panose="02070309020205020404" pitchFamily="49" charset="0"/>
+              </a:rPr>
+              <a:t> 3 dice with 4 sides 10 times")</a:t>
+            </a:r>
+          </a:p>
+          <a:p>
+            <a:r>
+              <a:rPr lang="en-GB" sz="1000" dirty="0">
+                <a:latin typeface="Courier New" panose="02070309020205020404" pitchFamily="49" charset="0"/>
+                <a:cs typeface="Courier New" panose="02070309020205020404" pitchFamily="49" charset="0"/>
+              </a:rPr>
+              <a:t>results = []</a:t>
+            </a:r>
+          </a:p>
+          <a:p>
+            <a:r>
+              <a:rPr lang="en-GB" sz="1000" dirty="0">
+                <a:latin typeface="Courier New" panose="02070309020205020404" pitchFamily="49" charset="0"/>
+                <a:cs typeface="Courier New" panose="02070309020205020404" pitchFamily="49" charset="0"/>
+              </a:rPr>
+              <a:t>for </a:t>
+            </a:r>
+            <a:r>
+              <a:rPr lang="en-GB" sz="1000" dirty="0" err="1">
+                <a:latin typeface="Courier New" panose="02070309020205020404" pitchFamily="49" charset="0"/>
+                <a:cs typeface="Courier New" panose="02070309020205020404" pitchFamily="49" charset="0"/>
+              </a:rPr>
+              <a:t>i</a:t>
+            </a:r>
+            <a:r>
+              <a:rPr lang="en-GB" sz="1000" dirty="0">
+                <a:latin typeface="Courier New" panose="02070309020205020404" pitchFamily="49" charset="0"/>
+                <a:cs typeface="Courier New" panose="02070309020205020404" pitchFamily="49" charset="0"/>
+              </a:rPr>
+              <a:t> in range(10):</a:t>
+            </a:r>
+          </a:p>
+          <a:p>
+            <a:r>
+              <a:rPr lang="en-GB" sz="1000" dirty="0">
+                <a:latin typeface="Courier New" panose="02070309020205020404" pitchFamily="49" charset="0"/>
+                <a:cs typeface="Courier New" panose="02070309020205020404" pitchFamily="49" charset="0"/>
+              </a:rPr>
+              <a:t>    </a:t>
+            </a:r>
+            <a:r>
+              <a:rPr lang="en-GB" sz="1000" dirty="0" err="1">
+                <a:latin typeface="Courier New" panose="02070309020205020404" pitchFamily="49" charset="0"/>
+                <a:cs typeface="Courier New" panose="02070309020205020404" pitchFamily="49" charset="0"/>
+              </a:rPr>
+              <a:t>results.append</a:t>
+            </a:r>
+            <a:r>
+              <a:rPr lang="en-GB" sz="1000" dirty="0">
+                <a:latin typeface="Courier New" panose="02070309020205020404" pitchFamily="49" charset="0"/>
+                <a:cs typeface="Courier New" panose="02070309020205020404" pitchFamily="49" charset="0"/>
+              </a:rPr>
+              <a:t>(</a:t>
+            </a:r>
+            <a:r>
+              <a:rPr lang="en-GB" sz="1000" dirty="0" err="1">
+                <a:latin typeface="Courier New" panose="02070309020205020404" pitchFamily="49" charset="0"/>
+                <a:cs typeface="Courier New" panose="02070309020205020404" pitchFamily="49" charset="0"/>
+              </a:rPr>
+              <a:t>random.randint</a:t>
+            </a:r>
+            <a:r>
+              <a:rPr lang="en-GB" sz="1000" dirty="0">
+                <a:latin typeface="Courier New" panose="02070309020205020404" pitchFamily="49" charset="0"/>
+                <a:cs typeface="Courier New" panose="02070309020205020404" pitchFamily="49" charset="0"/>
+              </a:rPr>
+              <a:t>(1,4) + </a:t>
+            </a:r>
+            <a:r>
+              <a:rPr lang="en-GB" sz="1000" dirty="0" err="1">
+                <a:latin typeface="Courier New" panose="02070309020205020404" pitchFamily="49" charset="0"/>
+                <a:cs typeface="Courier New" panose="02070309020205020404" pitchFamily="49" charset="0"/>
+              </a:rPr>
+              <a:t>random.randint</a:t>
+            </a:r>
+            <a:r>
+              <a:rPr lang="en-GB" sz="1000" dirty="0">
+                <a:latin typeface="Courier New" panose="02070309020205020404" pitchFamily="49" charset="0"/>
+                <a:cs typeface="Courier New" panose="02070309020205020404" pitchFamily="49" charset="0"/>
+              </a:rPr>
+              <a:t>(1,4) + </a:t>
+            </a:r>
+            <a:r>
+              <a:rPr lang="en-GB" sz="1000" dirty="0" err="1">
+                <a:latin typeface="Courier New" panose="02070309020205020404" pitchFamily="49" charset="0"/>
+                <a:cs typeface="Courier New" panose="02070309020205020404" pitchFamily="49" charset="0"/>
+              </a:rPr>
+              <a:t>random.randint</a:t>
+            </a:r>
+            <a:r>
+              <a:rPr lang="en-GB" sz="1000" dirty="0">
+                <a:latin typeface="Courier New" panose="02070309020205020404" pitchFamily="49" charset="0"/>
+                <a:cs typeface="Courier New" panose="02070309020205020404" pitchFamily="49" charset="0"/>
+              </a:rPr>
+              <a:t>(1,4))</a:t>
+            </a:r>
+          </a:p>
+          <a:p>
+            <a:r>
+              <a:rPr lang="en-GB" sz="1000" dirty="0">
+                <a:latin typeface="Courier New" panose="02070309020205020404" pitchFamily="49" charset="0"/>
+                <a:cs typeface="Courier New" panose="02070309020205020404" pitchFamily="49" charset="0"/>
+              </a:rPr>
+              <a:t>print(results)</a:t>
+            </a:r>
+          </a:p>
+          <a:p>
+            <a:endParaRPr lang="en-GB" sz="1000" dirty="0">
+              <a:latin typeface="Courier New" panose="02070309020205020404" pitchFamily="49" charset="0"/>
+              <a:cs typeface="Courier New" panose="02070309020205020404" pitchFamily="49" charset="0"/>
+            </a:endParaRPr>
+          </a:p>
+          <a:p>
+            <a:r>
+              <a:rPr lang="en-GB" sz="1000" dirty="0">
+                <a:latin typeface="Courier New" panose="02070309020205020404" pitchFamily="49" charset="0"/>
+                <a:cs typeface="Courier New" panose="02070309020205020404" pitchFamily="49" charset="0"/>
+              </a:rPr>
+              <a:t>print(</a:t>
+            </a:r>
+            <a:r>
+              <a:rPr lang="en-GB" sz="1000" dirty="0" err="1">
+                <a:latin typeface="Courier New" panose="02070309020205020404" pitchFamily="49" charset="0"/>
+                <a:cs typeface="Courier New" panose="02070309020205020404" pitchFamily="49" charset="0"/>
+              </a:rPr>
+              <a:t>f"Rolling</a:t>
+            </a:r>
+            <a:r>
+              <a:rPr lang="en-GB" sz="1000" dirty="0">
+                <a:latin typeface="Courier New" panose="02070309020205020404" pitchFamily="49" charset="0"/>
+                <a:cs typeface="Courier New" panose="02070309020205020404" pitchFamily="49" charset="0"/>
+              </a:rPr>
+              <a:t> 1 die with 20 sides </a:t>
+            </a:r>
+            <a:r>
+              <a:rPr lang="en-GB" sz="1000" dirty="0" smtClean="0">
+                <a:latin typeface="Courier New" panose="02070309020205020404" pitchFamily="49" charset="0"/>
+                <a:cs typeface="Courier New" panose="02070309020205020404" pitchFamily="49" charset="0"/>
+              </a:rPr>
+              <a:t>5 times</a:t>
+            </a:r>
+            <a:r>
+              <a:rPr lang="en-GB" sz="1000" dirty="0">
+                <a:latin typeface="Courier New" panose="02070309020205020404" pitchFamily="49" charset="0"/>
+                <a:cs typeface="Courier New" panose="02070309020205020404" pitchFamily="49" charset="0"/>
+              </a:rPr>
+              <a:t>")</a:t>
+            </a:r>
+          </a:p>
+          <a:p>
+            <a:r>
+              <a:rPr lang="en-GB" sz="1000" dirty="0">
+                <a:latin typeface="Courier New" panose="02070309020205020404" pitchFamily="49" charset="0"/>
+                <a:cs typeface="Courier New" panose="02070309020205020404" pitchFamily="49" charset="0"/>
+              </a:rPr>
+              <a:t>results = []</a:t>
+            </a:r>
+          </a:p>
+          <a:p>
+            <a:r>
+              <a:rPr lang="en-GB" sz="1000" dirty="0">
+                <a:latin typeface="Courier New" panose="02070309020205020404" pitchFamily="49" charset="0"/>
+                <a:cs typeface="Courier New" panose="02070309020205020404" pitchFamily="49" charset="0"/>
+              </a:rPr>
+              <a:t>for </a:t>
+            </a:r>
+            <a:r>
+              <a:rPr lang="en-GB" sz="1000" dirty="0" err="1">
+                <a:latin typeface="Courier New" panose="02070309020205020404" pitchFamily="49" charset="0"/>
+                <a:cs typeface="Courier New" panose="02070309020205020404" pitchFamily="49" charset="0"/>
+              </a:rPr>
+              <a:t>i</a:t>
+            </a:r>
+            <a:r>
+              <a:rPr lang="en-GB" sz="1000" dirty="0">
+                <a:latin typeface="Courier New" panose="02070309020205020404" pitchFamily="49" charset="0"/>
+                <a:cs typeface="Courier New" panose="02070309020205020404" pitchFamily="49" charset="0"/>
+              </a:rPr>
+              <a:t> in range(10):</a:t>
+            </a:r>
+          </a:p>
+          <a:p>
+            <a:r>
+              <a:rPr lang="en-GB" sz="1000" dirty="0">
+                <a:latin typeface="Courier New" panose="02070309020205020404" pitchFamily="49" charset="0"/>
+                <a:cs typeface="Courier New" panose="02070309020205020404" pitchFamily="49" charset="0"/>
+              </a:rPr>
+              <a:t>    </a:t>
+            </a:r>
+            <a:r>
+              <a:rPr lang="en-GB" sz="1000" dirty="0" err="1" smtClean="0">
+                <a:latin typeface="Courier New" panose="02070309020205020404" pitchFamily="49" charset="0"/>
+                <a:cs typeface="Courier New" panose="02070309020205020404" pitchFamily="49" charset="0"/>
+              </a:rPr>
+              <a:t>results.append</a:t>
+            </a:r>
+            <a:r>
+              <a:rPr lang="en-GB" sz="1000" dirty="0" smtClean="0">
+                <a:latin typeface="Courier New" panose="02070309020205020404" pitchFamily="49" charset="0"/>
+                <a:cs typeface="Courier New" panose="02070309020205020404" pitchFamily="49" charset="0"/>
+              </a:rPr>
+              <a:t>(</a:t>
+            </a:r>
+            <a:r>
+              <a:rPr lang="en-GB" sz="1000" dirty="0" err="1" smtClean="0">
+                <a:latin typeface="Courier New" panose="02070309020205020404" pitchFamily="49" charset="0"/>
+                <a:cs typeface="Courier New" panose="02070309020205020404" pitchFamily="49" charset="0"/>
+              </a:rPr>
+              <a:t>random.randint</a:t>
+            </a:r>
+            <a:r>
+              <a:rPr lang="en-GB" sz="1000" dirty="0" smtClean="0">
+                <a:latin typeface="Courier New" panose="02070309020205020404" pitchFamily="49" charset="0"/>
+                <a:cs typeface="Courier New" panose="02070309020205020404" pitchFamily="49" charset="0"/>
+              </a:rPr>
+              <a:t>(1,5))</a:t>
+            </a:r>
+            <a:endParaRPr lang="en-GB" sz="1000" dirty="0">
+              <a:latin typeface="Courier New" panose="02070309020205020404" pitchFamily="49" charset="0"/>
+              <a:cs typeface="Courier New" panose="02070309020205020404" pitchFamily="49" charset="0"/>
+            </a:endParaRPr>
+          </a:p>
+          <a:p>
+            <a:r>
+              <a:rPr lang="en-GB" sz="1000" dirty="0">
+                <a:latin typeface="Courier New" panose="02070309020205020404" pitchFamily="49" charset="0"/>
+                <a:cs typeface="Courier New" panose="02070309020205020404" pitchFamily="49" charset="0"/>
+              </a:rPr>
+              <a:t>print(results)</a:t>
+            </a:r>
+          </a:p>
+          <a:p>
+            <a:endParaRPr lang="en-GB" sz="1000" dirty="0">
+              <a:latin typeface="Courier New" panose="02070309020205020404" pitchFamily="49" charset="0"/>
+              <a:cs typeface="Courier New" panose="02070309020205020404" pitchFamily="49" charset="0"/>
+            </a:endParaRPr>
+          </a:p>
+          <a:p>
+            <a:endParaRPr lang="en-GB" sz="1000" dirty="0">
+              <a:latin typeface="Courier New" panose="02070309020205020404" pitchFamily="49" charset="0"/>
+              <a:cs typeface="Courier New" panose="02070309020205020404" pitchFamily="49" charset="0"/>
+            </a:endParaRPr>
+          </a:p>
+        </p:txBody>
+      </p:sp>
+      <p:sp>
+        <p:nvSpPr>
+          <p:cNvPr id="6" name="Rectangle 5"/>
+          <p:cNvSpPr/>
+          <p:nvPr/>
+        </p:nvSpPr>
+        <p:spPr>
+          <a:xfrm>
+            <a:off x="7092778" y="1517463"/>
+            <a:ext cx="4629665" cy="4401205"/>
+          </a:xfrm>
+          <a:prstGeom prst="rect">
+            <a:avLst/>
+          </a:prstGeom>
+        </p:spPr>
+        <p:txBody>
+          <a:bodyPr wrap="square">
+            <a:spAutoFit/>
+          </a:bodyPr>
+          <a:lstStyle/>
+          <a:p>
+            <a:r>
+              <a:rPr lang="en-GB" sz="1000" dirty="0" smtClean="0">
+                <a:latin typeface="Courier New" panose="02070309020205020404" pitchFamily="49" charset="0"/>
+                <a:cs typeface="Courier New" panose="02070309020205020404" pitchFamily="49" charset="0"/>
+              </a:rPr>
+              <a:t># </a:t>
+            </a:r>
+            <a:r>
+              <a:rPr lang="en-GB" sz="1000" dirty="0">
+                <a:latin typeface="Courier New" panose="02070309020205020404" pitchFamily="49" charset="0"/>
+                <a:cs typeface="Courier New" panose="02070309020205020404" pitchFamily="49" charset="0"/>
+              </a:rPr>
+              <a:t>Week7, Example14</a:t>
+            </a:r>
+          </a:p>
+          <a:p>
+            <a:endParaRPr lang="en-GB" sz="1000" dirty="0">
+              <a:latin typeface="Courier New" panose="02070309020205020404" pitchFamily="49" charset="0"/>
+              <a:cs typeface="Courier New" panose="02070309020205020404" pitchFamily="49" charset="0"/>
+            </a:endParaRPr>
+          </a:p>
+          <a:p>
+            <a:r>
+              <a:rPr lang="en-GB" sz="1000" dirty="0">
+                <a:latin typeface="Courier New" panose="02070309020205020404" pitchFamily="49" charset="0"/>
+                <a:cs typeface="Courier New" panose="02070309020205020404" pitchFamily="49" charset="0"/>
+              </a:rPr>
+              <a:t>import random</a:t>
+            </a:r>
+          </a:p>
+          <a:p>
+            <a:endParaRPr lang="en-GB" sz="1000" dirty="0">
+              <a:latin typeface="Courier New" panose="02070309020205020404" pitchFamily="49" charset="0"/>
+              <a:cs typeface="Courier New" panose="02070309020205020404" pitchFamily="49" charset="0"/>
+            </a:endParaRPr>
+          </a:p>
+          <a:p>
+            <a:r>
+              <a:rPr lang="en-GB" sz="1000" dirty="0" err="1">
+                <a:latin typeface="Courier New" panose="02070309020205020404" pitchFamily="49" charset="0"/>
+                <a:cs typeface="Courier New" panose="02070309020205020404" pitchFamily="49" charset="0"/>
+              </a:rPr>
+              <a:t>def</a:t>
+            </a:r>
+            <a:r>
+              <a:rPr lang="en-GB" sz="1000" dirty="0">
+                <a:latin typeface="Courier New" panose="02070309020205020404" pitchFamily="49" charset="0"/>
+                <a:cs typeface="Courier New" panose="02070309020205020404" pitchFamily="49" charset="0"/>
+              </a:rPr>
+              <a:t> rolls(dice, sides, times):</a:t>
+            </a:r>
+          </a:p>
+          <a:p>
+            <a:r>
+              <a:rPr lang="en-GB" sz="1000" dirty="0">
+                <a:latin typeface="Courier New" panose="02070309020205020404" pitchFamily="49" charset="0"/>
+                <a:cs typeface="Courier New" panose="02070309020205020404" pitchFamily="49" charset="0"/>
+              </a:rPr>
+              <a:t>    results = []</a:t>
+            </a:r>
+          </a:p>
+          <a:p>
+            <a:endParaRPr lang="en-GB" sz="1000" dirty="0">
+              <a:latin typeface="Courier New" panose="02070309020205020404" pitchFamily="49" charset="0"/>
+              <a:cs typeface="Courier New" panose="02070309020205020404" pitchFamily="49" charset="0"/>
+            </a:endParaRPr>
+          </a:p>
+          <a:p>
+            <a:r>
+              <a:rPr lang="en-GB" sz="1000" dirty="0">
+                <a:latin typeface="Courier New" panose="02070309020205020404" pitchFamily="49" charset="0"/>
+                <a:cs typeface="Courier New" panose="02070309020205020404" pitchFamily="49" charset="0"/>
+              </a:rPr>
+              <a:t>    for </a:t>
+            </a:r>
+            <a:r>
+              <a:rPr lang="en-GB" sz="1000" dirty="0" err="1">
+                <a:latin typeface="Courier New" panose="02070309020205020404" pitchFamily="49" charset="0"/>
+                <a:cs typeface="Courier New" panose="02070309020205020404" pitchFamily="49" charset="0"/>
+              </a:rPr>
+              <a:t>i</a:t>
+            </a:r>
+            <a:r>
+              <a:rPr lang="en-GB" sz="1000" dirty="0">
+                <a:latin typeface="Courier New" panose="02070309020205020404" pitchFamily="49" charset="0"/>
+                <a:cs typeface="Courier New" panose="02070309020205020404" pitchFamily="49" charset="0"/>
+              </a:rPr>
+              <a:t> in range(times):</a:t>
+            </a:r>
+          </a:p>
+          <a:p>
+            <a:r>
+              <a:rPr lang="en-GB" sz="1000" dirty="0">
+                <a:latin typeface="Courier New" panose="02070309020205020404" pitchFamily="49" charset="0"/>
+                <a:cs typeface="Courier New" panose="02070309020205020404" pitchFamily="49" charset="0"/>
+              </a:rPr>
+              <a:t>        result = 0</a:t>
+            </a:r>
+          </a:p>
+          <a:p>
+            <a:r>
+              <a:rPr lang="en-GB" sz="1000" dirty="0">
+                <a:latin typeface="Courier New" panose="02070309020205020404" pitchFamily="49" charset="0"/>
+                <a:cs typeface="Courier New" panose="02070309020205020404" pitchFamily="49" charset="0"/>
+              </a:rPr>
+              <a:t>        for j in range(dice):</a:t>
+            </a:r>
+          </a:p>
+          <a:p>
+            <a:r>
+              <a:rPr lang="en-GB" sz="1000" dirty="0">
+                <a:latin typeface="Courier New" panose="02070309020205020404" pitchFamily="49" charset="0"/>
+                <a:cs typeface="Courier New" panose="02070309020205020404" pitchFamily="49" charset="0"/>
+              </a:rPr>
+              <a:t>            result += </a:t>
+            </a:r>
+            <a:r>
+              <a:rPr lang="en-GB" sz="1000" dirty="0" err="1">
+                <a:latin typeface="Courier New" panose="02070309020205020404" pitchFamily="49" charset="0"/>
+                <a:cs typeface="Courier New" panose="02070309020205020404" pitchFamily="49" charset="0"/>
+              </a:rPr>
+              <a:t>random.randint</a:t>
+            </a:r>
+            <a:r>
+              <a:rPr lang="en-GB" sz="1000" dirty="0">
+                <a:latin typeface="Courier New" panose="02070309020205020404" pitchFamily="49" charset="0"/>
+                <a:cs typeface="Courier New" panose="02070309020205020404" pitchFamily="49" charset="0"/>
+              </a:rPr>
+              <a:t>(1,sides)</a:t>
+            </a:r>
+          </a:p>
+          <a:p>
+            <a:r>
+              <a:rPr lang="en-GB" sz="1000" dirty="0">
+                <a:latin typeface="Courier New" panose="02070309020205020404" pitchFamily="49" charset="0"/>
+                <a:cs typeface="Courier New" panose="02070309020205020404" pitchFamily="49" charset="0"/>
+              </a:rPr>
+              <a:t>        </a:t>
+            </a:r>
+            <a:r>
+              <a:rPr lang="en-GB" sz="1000" dirty="0" err="1">
+                <a:latin typeface="Courier New" panose="02070309020205020404" pitchFamily="49" charset="0"/>
+                <a:cs typeface="Courier New" panose="02070309020205020404" pitchFamily="49" charset="0"/>
+              </a:rPr>
+              <a:t>results.append</a:t>
+            </a:r>
+            <a:r>
+              <a:rPr lang="en-GB" sz="1000" dirty="0">
+                <a:latin typeface="Courier New" panose="02070309020205020404" pitchFamily="49" charset="0"/>
+                <a:cs typeface="Courier New" panose="02070309020205020404" pitchFamily="49" charset="0"/>
+              </a:rPr>
+              <a:t>(result)</a:t>
+            </a:r>
+          </a:p>
+          <a:p>
+            <a:endParaRPr lang="en-GB" sz="1000" dirty="0">
+              <a:latin typeface="Courier New" panose="02070309020205020404" pitchFamily="49" charset="0"/>
+              <a:cs typeface="Courier New" panose="02070309020205020404" pitchFamily="49" charset="0"/>
+            </a:endParaRPr>
+          </a:p>
+          <a:p>
+            <a:r>
+              <a:rPr lang="en-GB" sz="1000" dirty="0">
+                <a:latin typeface="Courier New" panose="02070309020205020404" pitchFamily="49" charset="0"/>
+                <a:cs typeface="Courier New" panose="02070309020205020404" pitchFamily="49" charset="0"/>
+              </a:rPr>
+              <a:t>    return(results)</a:t>
+            </a:r>
+          </a:p>
+          <a:p>
+            <a:endParaRPr lang="en-GB" sz="1000" dirty="0">
+              <a:latin typeface="Courier New" panose="02070309020205020404" pitchFamily="49" charset="0"/>
+              <a:cs typeface="Courier New" panose="02070309020205020404" pitchFamily="49" charset="0"/>
+            </a:endParaRPr>
+          </a:p>
+          <a:p>
+            <a:r>
+              <a:rPr lang="en-GB" sz="1000" dirty="0">
+                <a:latin typeface="Courier New" panose="02070309020205020404" pitchFamily="49" charset="0"/>
+                <a:cs typeface="Courier New" panose="02070309020205020404" pitchFamily="49" charset="0"/>
+              </a:rPr>
+              <a:t>print(</a:t>
+            </a:r>
+            <a:r>
+              <a:rPr lang="en-GB" sz="1000" dirty="0" err="1">
+                <a:latin typeface="Courier New" panose="02070309020205020404" pitchFamily="49" charset="0"/>
+                <a:cs typeface="Courier New" panose="02070309020205020404" pitchFamily="49" charset="0"/>
+              </a:rPr>
+              <a:t>f"Rolling</a:t>
+            </a:r>
+            <a:r>
+              <a:rPr lang="en-GB" sz="1000" dirty="0">
+                <a:latin typeface="Courier New" panose="02070309020205020404" pitchFamily="49" charset="0"/>
+                <a:cs typeface="Courier New" panose="02070309020205020404" pitchFamily="49" charset="0"/>
+              </a:rPr>
+              <a:t> 2 dice with 6 sides 10 times")</a:t>
+            </a:r>
+          </a:p>
+          <a:p>
+            <a:r>
+              <a:rPr lang="en-GB" sz="1000" dirty="0">
+                <a:latin typeface="Courier New" panose="02070309020205020404" pitchFamily="49" charset="0"/>
+                <a:cs typeface="Courier New" panose="02070309020205020404" pitchFamily="49" charset="0"/>
+              </a:rPr>
+              <a:t>print(rolls(2,6,10))</a:t>
+            </a:r>
+          </a:p>
+          <a:p>
+            <a:endParaRPr lang="en-GB" sz="1000" dirty="0">
+              <a:latin typeface="Courier New" panose="02070309020205020404" pitchFamily="49" charset="0"/>
+              <a:cs typeface="Courier New" panose="02070309020205020404" pitchFamily="49" charset="0"/>
+            </a:endParaRPr>
+          </a:p>
+          <a:p>
+            <a:r>
+              <a:rPr lang="en-GB" sz="1000" dirty="0">
+                <a:latin typeface="Courier New" panose="02070309020205020404" pitchFamily="49" charset="0"/>
+                <a:cs typeface="Courier New" panose="02070309020205020404" pitchFamily="49" charset="0"/>
+              </a:rPr>
+              <a:t>print(</a:t>
+            </a:r>
+            <a:r>
+              <a:rPr lang="en-GB" sz="1000" dirty="0" err="1">
+                <a:latin typeface="Courier New" panose="02070309020205020404" pitchFamily="49" charset="0"/>
+                <a:cs typeface="Courier New" panose="02070309020205020404" pitchFamily="49" charset="0"/>
+              </a:rPr>
+              <a:t>f"Rolling</a:t>
+            </a:r>
+            <a:r>
+              <a:rPr lang="en-GB" sz="1000" dirty="0">
+                <a:latin typeface="Courier New" panose="02070309020205020404" pitchFamily="49" charset="0"/>
+                <a:cs typeface="Courier New" panose="02070309020205020404" pitchFamily="49" charset="0"/>
+              </a:rPr>
+              <a:t> 3 dice with 4 sides 10 times")</a:t>
+            </a:r>
+          </a:p>
+          <a:p>
+            <a:r>
+              <a:rPr lang="en-GB" sz="1000" dirty="0">
+                <a:latin typeface="Courier New" panose="02070309020205020404" pitchFamily="49" charset="0"/>
+                <a:cs typeface="Courier New" panose="02070309020205020404" pitchFamily="49" charset="0"/>
+              </a:rPr>
+              <a:t>print(rolls(3,4,10))</a:t>
+            </a:r>
+          </a:p>
+          <a:p>
+            <a:endParaRPr lang="en-GB" sz="1000" dirty="0">
+              <a:latin typeface="Courier New" panose="02070309020205020404" pitchFamily="49" charset="0"/>
+              <a:cs typeface="Courier New" panose="02070309020205020404" pitchFamily="49" charset="0"/>
+            </a:endParaRPr>
+          </a:p>
+          <a:p>
+            <a:r>
+              <a:rPr lang="en-GB" sz="1000" dirty="0">
+                <a:latin typeface="Courier New" panose="02070309020205020404" pitchFamily="49" charset="0"/>
+                <a:cs typeface="Courier New" panose="02070309020205020404" pitchFamily="49" charset="0"/>
+              </a:rPr>
+              <a:t>print(</a:t>
+            </a:r>
+            <a:r>
+              <a:rPr lang="en-GB" sz="1000" dirty="0" err="1">
+                <a:latin typeface="Courier New" panose="02070309020205020404" pitchFamily="49" charset="0"/>
+                <a:cs typeface="Courier New" panose="02070309020205020404" pitchFamily="49" charset="0"/>
+              </a:rPr>
+              <a:t>f"Rolling</a:t>
+            </a:r>
+            <a:r>
+              <a:rPr lang="en-GB" sz="1000" dirty="0">
+                <a:latin typeface="Courier New" panose="02070309020205020404" pitchFamily="49" charset="0"/>
+                <a:cs typeface="Courier New" panose="02070309020205020404" pitchFamily="49" charset="0"/>
+              </a:rPr>
+              <a:t> 1 die with 20 sides 5 times")</a:t>
+            </a:r>
+          </a:p>
+          <a:p>
+            <a:r>
+              <a:rPr lang="en-GB" sz="1000" dirty="0">
+                <a:latin typeface="Courier New" panose="02070309020205020404" pitchFamily="49" charset="0"/>
+                <a:cs typeface="Courier New" panose="02070309020205020404" pitchFamily="49" charset="0"/>
+              </a:rPr>
+              <a:t>print(rolls(1,20,5))</a:t>
+            </a:r>
+          </a:p>
+          <a:p>
+            <a:endParaRPr lang="en-GB" sz="1000" dirty="0">
+              <a:latin typeface="Courier New" panose="02070309020205020404" pitchFamily="49" charset="0"/>
+              <a:cs typeface="Courier New" panose="02070309020205020404" pitchFamily="49" charset="0"/>
+            </a:endParaRPr>
+          </a:p>
+          <a:p>
+            <a:endParaRPr lang="en-GB" sz="1000" dirty="0">
+              <a:latin typeface="Courier New" panose="02070309020205020404" pitchFamily="49" charset="0"/>
+              <a:cs typeface="Courier New" panose="02070309020205020404" pitchFamily="49" charset="0"/>
+            </a:endParaRPr>
+          </a:p>
+          <a:p>
+            <a:endParaRPr lang="en-GB" sz="1000" dirty="0">
+              <a:latin typeface="Courier New" panose="02070309020205020404" pitchFamily="49" charset="0"/>
+              <a:cs typeface="Courier New" panose="02070309020205020404" pitchFamily="49" charset="0"/>
+            </a:endParaRPr>
+          </a:p>
+          <a:p>
+            <a:endParaRPr lang="en-GB" sz="1000" dirty="0">
+              <a:latin typeface="Courier New" panose="02070309020205020404" pitchFamily="49" charset="0"/>
+              <a:cs typeface="Courier New" panose="02070309020205020404" pitchFamily="49" charset="0"/>
+            </a:endParaRPr>
+          </a:p>
+        </p:txBody>
+      </p:sp>
+    </p:spTree>
+    <p:extLst>
+      <p:ext uri="{BB962C8B-B14F-4D97-AF65-F5344CB8AC3E}">
+        <p14:creationId xmlns:p14="http://schemas.microsoft.com/office/powerpoint/2010/main" val="1490675786"/>
+      </p:ext>
+    </p:extLst>
+  </p:cSld>
+  <p:clrMapOvr>
+    <a:masterClrMapping/>
+  </p:clrMapOvr>
+</p:sld>
+</file>
+
+<file path=ppt/slides/slide24.xml><?xml version="1.0" encoding="utf-8"?>
+<p:sld xmlns:a="http://schemas.openxmlformats.org/drawingml/2006/main" xmlns:r="http://schemas.openxmlformats.org/officeDocument/2006/relationships" xmlns:p="http://schemas.openxmlformats.org/presentationml/2006/main">
+  <p:cSld>
+    <p:spTree>
+      <p:nvGrpSpPr>
+        <p:cNvPr id="1" name=""/>
+        <p:cNvGrpSpPr/>
+        <p:nvPr/>
+      </p:nvGrpSpPr>
+      <p:grpSpPr>
+        <a:xfrm>
+          <a:off x="0" y="0"/>
+          <a:ext cx="0" cy="0"/>
+          <a:chOff x="0" y="0"/>
+          <a:chExt cx="0" cy="0"/>
+        </a:xfrm>
+      </p:grpSpPr>
+      <p:sp>
+        <p:nvSpPr>
+          <p:cNvPr id="2" name="Title 1"/>
+          <p:cNvSpPr>
+            <a:spLocks noGrp="1"/>
+          </p:cNvSpPr>
+          <p:nvPr>
+            <p:ph type="title"/>
+          </p:nvPr>
+        </p:nvSpPr>
+        <p:spPr/>
+        <p:txBody>
+          <a:bodyPr/>
+          <a:lstStyle/>
+          <a:p>
+            <a:r>
+              <a:rPr lang="en-GB" dirty="0" smtClean="0"/>
+              <a:t>Homework !</a:t>
+            </a:r>
+            <a:endParaRPr lang="en-GB" dirty="0"/>
+          </a:p>
+        </p:txBody>
+      </p:sp>
+      <p:pic>
+        <p:nvPicPr>
+          <p:cNvPr id="3074" name="Picture 2" descr="Image result for homework bart simpson"/>
+          <p:cNvPicPr>
+            <a:picLocks noChangeAspect="1" noChangeArrowheads="1"/>
+          </p:cNvPicPr>
+          <p:nvPr/>
+        </p:nvPicPr>
+        <p:blipFill>
+          <a:blip r:embed="rId2">
+            <a:extLst>
+              <a:ext uri="{28A0092B-C50C-407E-A947-70E740481C1C}">
+                <a14:useLocalDpi xmlns:a14="http://schemas.microsoft.com/office/drawing/2010/main" val="0"/>
+              </a:ext>
+            </a:extLst>
+          </a:blip>
+          <a:srcRect/>
+          <a:stretch>
+            <a:fillRect/>
+          </a:stretch>
+        </p:blipFill>
+        <p:spPr bwMode="auto">
+          <a:xfrm>
+            <a:off x="1778429" y="1623155"/>
+            <a:ext cx="8930759" cy="4986342"/>
+          </a:xfrm>
+          <a:prstGeom prst="rect">
+            <a:avLst/>
+          </a:prstGeom>
+          <a:noFill/>
+          <a:extLst>
+            <a:ext uri="{909E8E84-426E-40DD-AFC4-6F175D3DCCD1}">
+              <a14:hiddenFill xmlns:a14="http://schemas.microsoft.com/office/drawing/2010/main">
+                <a:solidFill>
+                  <a:srgbClr val="FFFFFF"/>
+                </a:solidFill>
+              </a14:hiddenFill>
+            </a:ext>
+          </a:extLst>
+        </p:spPr>
+      </p:pic>
+    </p:spTree>
+    <p:extLst>
+      <p:ext uri="{BB962C8B-B14F-4D97-AF65-F5344CB8AC3E}">
+        <p14:creationId xmlns:p14="http://schemas.microsoft.com/office/powerpoint/2010/main" val="3519546212"/>
+      </p:ext>
+    </p:extLst>
+  </p:cSld>
+  <p:clrMapOvr>
+    <a:masterClrMapping/>
+  </p:clrMapOvr>
+</p:sld>
+</file>
+
+<file path=ppt/slides/slide25.xml><?xml version="1.0" encoding="utf-8"?>
+<p:sld xmlns:a="http://schemas.openxmlformats.org/drawingml/2006/main" xmlns:r="http://schemas.openxmlformats.org/officeDocument/2006/relationships" xmlns:p="http://schemas.openxmlformats.org/presentationml/2006/main">
+  <p:cSld>
+    <p:spTree>
+      <p:nvGrpSpPr>
+        <p:cNvPr id="1" name=""/>
+        <p:cNvGrpSpPr/>
+        <p:nvPr/>
+      </p:nvGrpSpPr>
+      <p:grpSpPr>
+        <a:xfrm>
+          <a:off x="0" y="0"/>
+          <a:ext cx="0" cy="0"/>
+          <a:chOff x="0" y="0"/>
+          <a:chExt cx="0" cy="0"/>
+        </a:xfrm>
+      </p:grpSpPr>
+      <p:sp>
+        <p:nvSpPr>
+          <p:cNvPr id="2" name="Title 1"/>
+          <p:cNvSpPr>
+            <a:spLocks noGrp="1"/>
+          </p:cNvSpPr>
+          <p:nvPr>
+            <p:ph type="title"/>
+          </p:nvPr>
+        </p:nvSpPr>
+        <p:spPr/>
+        <p:txBody>
+          <a:bodyPr/>
+          <a:lstStyle/>
+          <a:p>
+            <a:r>
+              <a:rPr lang="en-GB" dirty="0" smtClean="0"/>
+              <a:t>Homework 1</a:t>
+            </a:r>
+            <a:endParaRPr lang="en-GB" dirty="0"/>
+          </a:p>
+        </p:txBody>
+      </p:sp>
+      <p:sp>
+        <p:nvSpPr>
+          <p:cNvPr id="4" name="TextBox 3"/>
+          <p:cNvSpPr txBox="1"/>
+          <p:nvPr/>
+        </p:nvSpPr>
+        <p:spPr>
+          <a:xfrm>
+            <a:off x="889686" y="1507524"/>
+            <a:ext cx="7496434" cy="369332"/>
+          </a:xfrm>
+          <a:prstGeom prst="rect">
+            <a:avLst/>
+          </a:prstGeom>
+          <a:noFill/>
+        </p:spPr>
+        <p:txBody>
+          <a:bodyPr wrap="square" rtlCol="0">
+            <a:spAutoFit/>
+          </a:bodyPr>
+          <a:lstStyle/>
+          <a:p>
+            <a:r>
+              <a:rPr lang="en-GB" dirty="0" smtClean="0"/>
+              <a:t>Complete the function so the program has the expected output.</a:t>
+            </a:r>
+            <a:endParaRPr lang="en-GB" dirty="0"/>
+          </a:p>
+        </p:txBody>
+      </p:sp>
+      <p:sp>
+        <p:nvSpPr>
+          <p:cNvPr id="5" name="TextBox 4"/>
+          <p:cNvSpPr txBox="1"/>
+          <p:nvPr/>
+        </p:nvSpPr>
+        <p:spPr>
+          <a:xfrm>
+            <a:off x="1029730" y="2059459"/>
+            <a:ext cx="3937686" cy="2862322"/>
+          </a:xfrm>
+          <a:prstGeom prst="rect">
+            <a:avLst/>
+          </a:prstGeom>
+          <a:noFill/>
+        </p:spPr>
+        <p:txBody>
+          <a:bodyPr wrap="square" rtlCol="0">
+            <a:spAutoFit/>
+          </a:bodyPr>
+          <a:lstStyle/>
+          <a:p>
+            <a:r>
+              <a:rPr lang="fr-FR" dirty="0">
+                <a:latin typeface="Courier New" panose="02070309020205020404" pitchFamily="49" charset="0"/>
+                <a:cs typeface="Courier New" panose="02070309020205020404" pitchFamily="49" charset="0"/>
+              </a:rPr>
+              <a:t># Week7, Homework1</a:t>
+            </a:r>
+          </a:p>
+          <a:p>
+            <a:endParaRPr lang="fr-FR" dirty="0">
+              <a:latin typeface="Courier New" panose="02070309020205020404" pitchFamily="49" charset="0"/>
+              <a:cs typeface="Courier New" panose="02070309020205020404" pitchFamily="49" charset="0"/>
+            </a:endParaRPr>
+          </a:p>
+          <a:p>
+            <a:r>
+              <a:rPr lang="fr-FR" dirty="0" err="1">
+                <a:latin typeface="Courier New" panose="02070309020205020404" pitchFamily="49" charset="0"/>
+                <a:cs typeface="Courier New" panose="02070309020205020404" pitchFamily="49" charset="0"/>
+              </a:rPr>
+              <a:t>def</a:t>
+            </a:r>
+            <a:r>
+              <a:rPr lang="fr-FR" dirty="0">
+                <a:latin typeface="Courier New" panose="02070309020205020404" pitchFamily="49" charset="0"/>
+                <a:cs typeface="Courier New" panose="02070309020205020404" pitchFamily="49" charset="0"/>
+              </a:rPr>
+              <a:t> double():</a:t>
+            </a:r>
+          </a:p>
+          <a:p>
+            <a:r>
+              <a:rPr lang="fr-FR" dirty="0">
+                <a:latin typeface="Courier New" panose="02070309020205020404" pitchFamily="49" charset="0"/>
+                <a:cs typeface="Courier New" panose="02070309020205020404" pitchFamily="49" charset="0"/>
+              </a:rPr>
+              <a:t>    </a:t>
+            </a:r>
+            <a:r>
+              <a:rPr lang="fr-FR" dirty="0" err="1">
+                <a:latin typeface="Courier New" panose="02070309020205020404" pitchFamily="49" charset="0"/>
+                <a:cs typeface="Courier New" panose="02070309020205020404" pitchFamily="49" charset="0"/>
+              </a:rPr>
+              <a:t>pass</a:t>
+            </a:r>
+            <a:endParaRPr lang="fr-FR" dirty="0">
+              <a:latin typeface="Courier New" panose="02070309020205020404" pitchFamily="49" charset="0"/>
+              <a:cs typeface="Courier New" panose="02070309020205020404" pitchFamily="49" charset="0"/>
+            </a:endParaRPr>
+          </a:p>
+          <a:p>
+            <a:endParaRPr lang="fr-FR" dirty="0">
+              <a:latin typeface="Courier New" panose="02070309020205020404" pitchFamily="49" charset="0"/>
+              <a:cs typeface="Courier New" panose="02070309020205020404" pitchFamily="49" charset="0"/>
+            </a:endParaRPr>
+          </a:p>
+          <a:p>
+            <a:r>
+              <a:rPr lang="fr-FR" dirty="0" err="1">
+                <a:latin typeface="Courier New" panose="02070309020205020404" pitchFamily="49" charset="0"/>
+                <a:cs typeface="Courier New" panose="02070309020205020404" pitchFamily="49" charset="0"/>
+              </a:rPr>
+              <a:t>print</a:t>
+            </a:r>
+            <a:r>
+              <a:rPr lang="fr-FR" dirty="0">
+                <a:latin typeface="Courier New" panose="02070309020205020404" pitchFamily="49" charset="0"/>
+                <a:cs typeface="Courier New" panose="02070309020205020404" pitchFamily="49" charset="0"/>
+              </a:rPr>
+              <a:t>(double(8))</a:t>
+            </a:r>
+          </a:p>
+          <a:p>
+            <a:r>
+              <a:rPr lang="fr-FR" dirty="0" err="1">
+                <a:latin typeface="Courier New" panose="02070309020205020404" pitchFamily="49" charset="0"/>
+                <a:cs typeface="Courier New" panose="02070309020205020404" pitchFamily="49" charset="0"/>
+              </a:rPr>
+              <a:t>print</a:t>
+            </a:r>
+            <a:r>
+              <a:rPr lang="fr-FR" dirty="0">
+                <a:latin typeface="Courier New" panose="02070309020205020404" pitchFamily="49" charset="0"/>
+                <a:cs typeface="Courier New" panose="02070309020205020404" pitchFamily="49" charset="0"/>
+              </a:rPr>
+              <a:t>(double(16))</a:t>
+            </a:r>
+          </a:p>
+          <a:p>
+            <a:r>
+              <a:rPr lang="fr-FR" dirty="0" err="1">
+                <a:latin typeface="Courier New" panose="02070309020205020404" pitchFamily="49" charset="0"/>
+                <a:cs typeface="Courier New" panose="02070309020205020404" pitchFamily="49" charset="0"/>
+              </a:rPr>
+              <a:t>print</a:t>
+            </a:r>
+            <a:r>
+              <a:rPr lang="fr-FR" dirty="0">
+                <a:latin typeface="Courier New" panose="02070309020205020404" pitchFamily="49" charset="0"/>
+                <a:cs typeface="Courier New" panose="02070309020205020404" pitchFamily="49" charset="0"/>
+              </a:rPr>
+              <a:t>(double(32))</a:t>
+            </a:r>
+          </a:p>
+          <a:p>
+            <a:r>
+              <a:rPr lang="fr-FR" dirty="0" err="1">
+                <a:latin typeface="Courier New" panose="02070309020205020404" pitchFamily="49" charset="0"/>
+                <a:cs typeface="Courier New" panose="02070309020205020404" pitchFamily="49" charset="0"/>
+              </a:rPr>
+              <a:t>print</a:t>
+            </a:r>
+            <a:r>
+              <a:rPr lang="fr-FR" dirty="0">
+                <a:latin typeface="Courier New" panose="02070309020205020404" pitchFamily="49" charset="0"/>
+                <a:cs typeface="Courier New" panose="02070309020205020404" pitchFamily="49" charset="0"/>
+              </a:rPr>
+              <a:t>(double(14))</a:t>
+            </a:r>
+          </a:p>
+          <a:p>
+            <a:r>
+              <a:rPr lang="fr-FR" dirty="0" err="1">
+                <a:latin typeface="Courier New" panose="02070309020205020404" pitchFamily="49" charset="0"/>
+                <a:cs typeface="Courier New" panose="02070309020205020404" pitchFamily="49" charset="0"/>
+              </a:rPr>
+              <a:t>print</a:t>
+            </a:r>
+            <a:r>
+              <a:rPr lang="fr-FR" dirty="0">
+                <a:latin typeface="Courier New" panose="02070309020205020404" pitchFamily="49" charset="0"/>
+                <a:cs typeface="Courier New" panose="02070309020205020404" pitchFamily="49" charset="0"/>
+              </a:rPr>
+              <a:t>(double(11))</a:t>
+            </a:r>
+          </a:p>
+        </p:txBody>
+      </p:sp>
+      <p:sp>
+        <p:nvSpPr>
+          <p:cNvPr id="7" name="TextBox 6"/>
+          <p:cNvSpPr txBox="1"/>
+          <p:nvPr/>
+        </p:nvSpPr>
+        <p:spPr>
+          <a:xfrm>
+            <a:off x="5669748" y="2059459"/>
+            <a:ext cx="3937686" cy="2031325"/>
+          </a:xfrm>
+          <a:prstGeom prst="rect">
+            <a:avLst/>
+          </a:prstGeom>
+          <a:noFill/>
+        </p:spPr>
+        <p:txBody>
+          <a:bodyPr wrap="square" rtlCol="0">
+            <a:spAutoFit/>
+          </a:bodyPr>
+          <a:lstStyle/>
+          <a:p>
+            <a:r>
+              <a:rPr lang="fr-FR" dirty="0" smtClean="0">
+                <a:latin typeface="Courier New" panose="02070309020205020404" pitchFamily="49" charset="0"/>
+                <a:cs typeface="Courier New" panose="02070309020205020404" pitchFamily="49" charset="0"/>
+              </a:rPr>
+              <a:t># </a:t>
+            </a:r>
+            <a:r>
+              <a:rPr lang="fr-FR" dirty="0" err="1" smtClean="0">
+                <a:latin typeface="Courier New" panose="02070309020205020404" pitchFamily="49" charset="0"/>
+                <a:cs typeface="Courier New" panose="02070309020205020404" pitchFamily="49" charset="0"/>
+              </a:rPr>
+              <a:t>Expected</a:t>
+            </a:r>
+            <a:r>
+              <a:rPr lang="fr-FR" dirty="0" smtClean="0">
+                <a:latin typeface="Courier New" panose="02070309020205020404" pitchFamily="49" charset="0"/>
+                <a:cs typeface="Courier New" panose="02070309020205020404" pitchFamily="49" charset="0"/>
+              </a:rPr>
+              <a:t> Output</a:t>
+            </a:r>
+            <a:endParaRPr lang="fr-FR" dirty="0">
+              <a:latin typeface="Courier New" panose="02070309020205020404" pitchFamily="49" charset="0"/>
+              <a:cs typeface="Courier New" panose="02070309020205020404" pitchFamily="49" charset="0"/>
+            </a:endParaRPr>
+          </a:p>
+          <a:p>
+            <a:endParaRPr lang="fr-FR" dirty="0" smtClean="0">
+              <a:latin typeface="Courier New" panose="02070309020205020404" pitchFamily="49" charset="0"/>
+              <a:cs typeface="Courier New" panose="02070309020205020404" pitchFamily="49" charset="0"/>
+            </a:endParaRPr>
+          </a:p>
+          <a:p>
+            <a:r>
+              <a:rPr lang="fr-FR" dirty="0">
+                <a:latin typeface="Courier New" panose="02070309020205020404" pitchFamily="49" charset="0"/>
+                <a:cs typeface="Courier New" panose="02070309020205020404" pitchFamily="49" charset="0"/>
+              </a:rPr>
+              <a:t>16</a:t>
+            </a:r>
+          </a:p>
+          <a:p>
+            <a:r>
+              <a:rPr lang="fr-FR" dirty="0">
+                <a:latin typeface="Courier New" panose="02070309020205020404" pitchFamily="49" charset="0"/>
+                <a:cs typeface="Courier New" panose="02070309020205020404" pitchFamily="49" charset="0"/>
+              </a:rPr>
+              <a:t>32</a:t>
+            </a:r>
+          </a:p>
+          <a:p>
+            <a:r>
+              <a:rPr lang="fr-FR" dirty="0">
+                <a:latin typeface="Courier New" panose="02070309020205020404" pitchFamily="49" charset="0"/>
+                <a:cs typeface="Courier New" panose="02070309020205020404" pitchFamily="49" charset="0"/>
+              </a:rPr>
+              <a:t>64</a:t>
+            </a:r>
+          </a:p>
+          <a:p>
+            <a:r>
+              <a:rPr lang="fr-FR" dirty="0">
+                <a:latin typeface="Courier New" panose="02070309020205020404" pitchFamily="49" charset="0"/>
+                <a:cs typeface="Courier New" panose="02070309020205020404" pitchFamily="49" charset="0"/>
+              </a:rPr>
+              <a:t>28</a:t>
+            </a:r>
+          </a:p>
+          <a:p>
+            <a:r>
+              <a:rPr lang="fr-FR" dirty="0">
+                <a:latin typeface="Courier New" panose="02070309020205020404" pitchFamily="49" charset="0"/>
+                <a:cs typeface="Courier New" panose="02070309020205020404" pitchFamily="49" charset="0"/>
+              </a:rPr>
+              <a:t>22</a:t>
+            </a:r>
+          </a:p>
+        </p:txBody>
+      </p:sp>
+    </p:spTree>
+    <p:extLst>
+      <p:ext uri="{BB962C8B-B14F-4D97-AF65-F5344CB8AC3E}">
+        <p14:creationId xmlns:p14="http://schemas.microsoft.com/office/powerpoint/2010/main" val="3385241265"/>
+      </p:ext>
+    </p:extLst>
+  </p:cSld>
+  <p:clrMapOvr>
+    <a:masterClrMapping/>
+  </p:clrMapOvr>
+</p:sld>
+</file>
+
+<file path=ppt/slides/slide26.xml><?xml version="1.0" encoding="utf-8"?>
+<p:sld xmlns:a="http://schemas.openxmlformats.org/drawingml/2006/main" xmlns:r="http://schemas.openxmlformats.org/officeDocument/2006/relationships" xmlns:p="http://schemas.openxmlformats.org/presentationml/2006/main">
+  <p:cSld>
+    <p:spTree>
+      <p:nvGrpSpPr>
+        <p:cNvPr id="1" name=""/>
+        <p:cNvGrpSpPr/>
+        <p:nvPr/>
+      </p:nvGrpSpPr>
+      <p:grpSpPr>
+        <a:xfrm>
+          <a:off x="0" y="0"/>
+          <a:ext cx="0" cy="0"/>
+          <a:chOff x="0" y="0"/>
+          <a:chExt cx="0" cy="0"/>
+        </a:xfrm>
+      </p:grpSpPr>
+      <p:sp>
+        <p:nvSpPr>
+          <p:cNvPr id="2" name="Title 1"/>
+          <p:cNvSpPr>
+            <a:spLocks noGrp="1"/>
+          </p:cNvSpPr>
+          <p:nvPr>
+            <p:ph type="title"/>
+          </p:nvPr>
+        </p:nvSpPr>
+        <p:spPr/>
+        <p:txBody>
+          <a:bodyPr/>
+          <a:lstStyle/>
+          <a:p>
+            <a:r>
+              <a:rPr lang="en-GB" dirty="0" smtClean="0"/>
+              <a:t>Homework 2</a:t>
+            </a:r>
+            <a:endParaRPr lang="en-GB" dirty="0"/>
+          </a:p>
+        </p:txBody>
+      </p:sp>
+      <p:sp>
+        <p:nvSpPr>
+          <p:cNvPr id="4" name="TextBox 3"/>
+          <p:cNvSpPr txBox="1"/>
+          <p:nvPr/>
+        </p:nvSpPr>
+        <p:spPr>
+          <a:xfrm>
+            <a:off x="889686" y="1507524"/>
+            <a:ext cx="7496434" cy="369332"/>
+          </a:xfrm>
+          <a:prstGeom prst="rect">
+            <a:avLst/>
+          </a:prstGeom>
+          <a:noFill/>
+        </p:spPr>
+        <p:txBody>
+          <a:bodyPr wrap="square" rtlCol="0">
+            <a:spAutoFit/>
+          </a:bodyPr>
+          <a:lstStyle/>
+          <a:p>
+            <a:r>
+              <a:rPr lang="en-GB" dirty="0" smtClean="0"/>
+              <a:t>Complete the function so the program has the expected output.</a:t>
+            </a:r>
+            <a:endParaRPr lang="en-GB" dirty="0"/>
+          </a:p>
+        </p:txBody>
+      </p:sp>
+      <p:sp>
+        <p:nvSpPr>
+          <p:cNvPr id="5" name="TextBox 4"/>
+          <p:cNvSpPr txBox="1"/>
+          <p:nvPr/>
+        </p:nvSpPr>
+        <p:spPr>
+          <a:xfrm>
+            <a:off x="1029730" y="2059459"/>
+            <a:ext cx="6260756" cy="3139321"/>
+          </a:xfrm>
+          <a:prstGeom prst="rect">
+            <a:avLst/>
+          </a:prstGeom>
+          <a:noFill/>
+        </p:spPr>
+        <p:txBody>
+          <a:bodyPr wrap="square" rtlCol="0">
+            <a:spAutoFit/>
+          </a:bodyPr>
+          <a:lstStyle/>
+          <a:p>
+            <a:r>
+              <a:rPr lang="en-GB" dirty="0" smtClean="0">
+                <a:latin typeface="Courier New" panose="02070309020205020404" pitchFamily="49" charset="0"/>
+                <a:cs typeface="Courier New" panose="02070309020205020404" pitchFamily="49" charset="0"/>
+              </a:rPr>
+              <a:t># </a:t>
+            </a:r>
+            <a:r>
+              <a:rPr lang="en-GB" dirty="0">
+                <a:latin typeface="Courier New" panose="02070309020205020404" pitchFamily="49" charset="0"/>
+                <a:cs typeface="Courier New" panose="02070309020205020404" pitchFamily="49" charset="0"/>
+              </a:rPr>
+              <a:t>Week7, Homework2</a:t>
+            </a:r>
+          </a:p>
+          <a:p>
+            <a:endParaRPr lang="en-GB" dirty="0">
+              <a:latin typeface="Courier New" panose="02070309020205020404" pitchFamily="49" charset="0"/>
+              <a:cs typeface="Courier New" panose="02070309020205020404" pitchFamily="49" charset="0"/>
+            </a:endParaRPr>
+          </a:p>
+          <a:p>
+            <a:r>
+              <a:rPr lang="en-GB" dirty="0" err="1">
+                <a:latin typeface="Courier New" panose="02070309020205020404" pitchFamily="49" charset="0"/>
+                <a:cs typeface="Courier New" panose="02070309020205020404" pitchFamily="49" charset="0"/>
+              </a:rPr>
+              <a:t>def</a:t>
+            </a:r>
+            <a:r>
+              <a:rPr lang="en-GB" dirty="0">
+                <a:latin typeface="Courier New" panose="02070309020205020404" pitchFamily="49" charset="0"/>
+                <a:cs typeface="Courier New" panose="02070309020205020404" pitchFamily="49" charset="0"/>
+              </a:rPr>
+              <a:t> </a:t>
+            </a:r>
+            <a:r>
+              <a:rPr lang="en-GB" dirty="0" err="1">
+                <a:latin typeface="Courier New" panose="02070309020205020404" pitchFamily="49" charset="0"/>
+                <a:cs typeface="Courier New" panose="02070309020205020404" pitchFamily="49" charset="0"/>
+              </a:rPr>
+              <a:t>multiply_together</a:t>
+            </a:r>
+            <a:r>
+              <a:rPr lang="en-GB" dirty="0">
+                <a:latin typeface="Courier New" panose="02070309020205020404" pitchFamily="49" charset="0"/>
+                <a:cs typeface="Courier New" panose="02070309020205020404" pitchFamily="49" charset="0"/>
+              </a:rPr>
+              <a:t>(numbers):</a:t>
+            </a:r>
+          </a:p>
+          <a:p>
+            <a:r>
+              <a:rPr lang="en-GB" dirty="0">
+                <a:latin typeface="Courier New" panose="02070309020205020404" pitchFamily="49" charset="0"/>
+                <a:cs typeface="Courier New" panose="02070309020205020404" pitchFamily="49" charset="0"/>
+              </a:rPr>
+              <a:t>    </a:t>
+            </a:r>
+            <a:r>
+              <a:rPr lang="en-GB" dirty="0" smtClean="0">
+                <a:latin typeface="Courier New" panose="02070309020205020404" pitchFamily="49" charset="0"/>
+                <a:cs typeface="Courier New" panose="02070309020205020404" pitchFamily="49" charset="0"/>
+              </a:rPr>
+              <a:t>pass</a:t>
+            </a:r>
+            <a:endParaRPr lang="en-GB" dirty="0">
+              <a:latin typeface="Courier New" panose="02070309020205020404" pitchFamily="49" charset="0"/>
+              <a:cs typeface="Courier New" panose="02070309020205020404" pitchFamily="49" charset="0"/>
+            </a:endParaRPr>
+          </a:p>
+          <a:p>
+            <a:endParaRPr lang="en-GB" dirty="0">
+              <a:latin typeface="Courier New" panose="02070309020205020404" pitchFamily="49" charset="0"/>
+              <a:cs typeface="Courier New" panose="02070309020205020404" pitchFamily="49" charset="0"/>
+            </a:endParaRPr>
+          </a:p>
+          <a:p>
+            <a:r>
+              <a:rPr lang="en-GB" dirty="0">
+                <a:latin typeface="Courier New" panose="02070309020205020404" pitchFamily="49" charset="0"/>
+                <a:cs typeface="Courier New" panose="02070309020205020404" pitchFamily="49" charset="0"/>
+              </a:rPr>
+              <a:t>print(</a:t>
+            </a:r>
+            <a:r>
+              <a:rPr lang="en-GB" dirty="0" err="1">
+                <a:latin typeface="Courier New" panose="02070309020205020404" pitchFamily="49" charset="0"/>
+                <a:cs typeface="Courier New" panose="02070309020205020404" pitchFamily="49" charset="0"/>
+              </a:rPr>
+              <a:t>multiply_together</a:t>
+            </a:r>
+            <a:r>
+              <a:rPr lang="en-GB" dirty="0">
+                <a:latin typeface="Courier New" panose="02070309020205020404" pitchFamily="49" charset="0"/>
+                <a:cs typeface="Courier New" panose="02070309020205020404" pitchFamily="49" charset="0"/>
+              </a:rPr>
+              <a:t>([3,4]))</a:t>
+            </a:r>
+          </a:p>
+          <a:p>
+            <a:r>
+              <a:rPr lang="en-GB" dirty="0">
+                <a:latin typeface="Courier New" panose="02070309020205020404" pitchFamily="49" charset="0"/>
+                <a:cs typeface="Courier New" panose="02070309020205020404" pitchFamily="49" charset="0"/>
+              </a:rPr>
+              <a:t>print(</a:t>
+            </a:r>
+            <a:r>
+              <a:rPr lang="en-GB" dirty="0" err="1">
+                <a:latin typeface="Courier New" panose="02070309020205020404" pitchFamily="49" charset="0"/>
+                <a:cs typeface="Courier New" panose="02070309020205020404" pitchFamily="49" charset="0"/>
+              </a:rPr>
+              <a:t>multiply_together</a:t>
+            </a:r>
+            <a:r>
+              <a:rPr lang="en-GB" dirty="0">
+                <a:latin typeface="Courier New" panose="02070309020205020404" pitchFamily="49" charset="0"/>
+                <a:cs typeface="Courier New" panose="02070309020205020404" pitchFamily="49" charset="0"/>
+              </a:rPr>
+              <a:t>([3,4,5]))</a:t>
+            </a:r>
+          </a:p>
+          <a:p>
+            <a:r>
+              <a:rPr lang="en-GB" dirty="0">
+                <a:latin typeface="Courier New" panose="02070309020205020404" pitchFamily="49" charset="0"/>
+                <a:cs typeface="Courier New" panose="02070309020205020404" pitchFamily="49" charset="0"/>
+              </a:rPr>
+              <a:t>print(</a:t>
+            </a:r>
+            <a:r>
+              <a:rPr lang="en-GB" dirty="0" err="1">
+                <a:latin typeface="Courier New" panose="02070309020205020404" pitchFamily="49" charset="0"/>
+                <a:cs typeface="Courier New" panose="02070309020205020404" pitchFamily="49" charset="0"/>
+              </a:rPr>
+              <a:t>multiply_together</a:t>
+            </a:r>
+            <a:r>
+              <a:rPr lang="en-GB" dirty="0">
+                <a:latin typeface="Courier New" panose="02070309020205020404" pitchFamily="49" charset="0"/>
+                <a:cs typeface="Courier New" panose="02070309020205020404" pitchFamily="49" charset="0"/>
+              </a:rPr>
+              <a:t>([2,3,4]))</a:t>
+            </a:r>
+          </a:p>
+          <a:p>
+            <a:r>
+              <a:rPr lang="en-GB" dirty="0">
+                <a:latin typeface="Courier New" panose="02070309020205020404" pitchFamily="49" charset="0"/>
+                <a:cs typeface="Courier New" panose="02070309020205020404" pitchFamily="49" charset="0"/>
+              </a:rPr>
+              <a:t>print(</a:t>
+            </a:r>
+            <a:r>
+              <a:rPr lang="en-GB" dirty="0" err="1">
+                <a:latin typeface="Courier New" panose="02070309020205020404" pitchFamily="49" charset="0"/>
+                <a:cs typeface="Courier New" panose="02070309020205020404" pitchFamily="49" charset="0"/>
+              </a:rPr>
+              <a:t>multiply_together</a:t>
+            </a:r>
+            <a:r>
+              <a:rPr lang="en-GB" dirty="0">
+                <a:latin typeface="Courier New" panose="02070309020205020404" pitchFamily="49" charset="0"/>
+                <a:cs typeface="Courier New" panose="02070309020205020404" pitchFamily="49" charset="0"/>
+              </a:rPr>
+              <a:t>([2,2,2,2]))</a:t>
+            </a:r>
+          </a:p>
+          <a:p>
+            <a:endParaRPr lang="fr-FR" dirty="0" smtClean="0">
+              <a:latin typeface="Courier New" panose="02070309020205020404" pitchFamily="49" charset="0"/>
+              <a:cs typeface="Courier New" panose="02070309020205020404" pitchFamily="49" charset="0"/>
+            </a:endParaRPr>
+          </a:p>
+          <a:p>
+            <a:endParaRPr lang="fr-FR" dirty="0">
+              <a:latin typeface="Courier New" panose="02070309020205020404" pitchFamily="49" charset="0"/>
+              <a:cs typeface="Courier New" panose="02070309020205020404" pitchFamily="49" charset="0"/>
+            </a:endParaRPr>
+          </a:p>
+        </p:txBody>
+      </p:sp>
+      <p:sp>
+        <p:nvSpPr>
+          <p:cNvPr id="7" name="TextBox 6"/>
+          <p:cNvSpPr txBox="1"/>
+          <p:nvPr/>
+        </p:nvSpPr>
+        <p:spPr>
+          <a:xfrm>
+            <a:off x="7356388" y="2059459"/>
+            <a:ext cx="4160109" cy="1754326"/>
+          </a:xfrm>
+          <a:prstGeom prst="rect">
+            <a:avLst/>
+          </a:prstGeom>
+          <a:noFill/>
+        </p:spPr>
+        <p:txBody>
+          <a:bodyPr wrap="square" rtlCol="0">
+            <a:spAutoFit/>
+          </a:bodyPr>
+          <a:lstStyle/>
+          <a:p>
+            <a:r>
+              <a:rPr lang="fr-FR" dirty="0" smtClean="0">
+                <a:latin typeface="Courier New" panose="02070309020205020404" pitchFamily="49" charset="0"/>
+                <a:cs typeface="Courier New" panose="02070309020205020404" pitchFamily="49" charset="0"/>
+              </a:rPr>
+              <a:t># </a:t>
+            </a:r>
+            <a:r>
+              <a:rPr lang="fr-FR" dirty="0" err="1" smtClean="0">
+                <a:latin typeface="Courier New" panose="02070309020205020404" pitchFamily="49" charset="0"/>
+                <a:cs typeface="Courier New" panose="02070309020205020404" pitchFamily="49" charset="0"/>
+              </a:rPr>
+              <a:t>Expected</a:t>
+            </a:r>
+            <a:r>
+              <a:rPr lang="fr-FR" dirty="0" smtClean="0">
+                <a:latin typeface="Courier New" panose="02070309020205020404" pitchFamily="49" charset="0"/>
+                <a:cs typeface="Courier New" panose="02070309020205020404" pitchFamily="49" charset="0"/>
+              </a:rPr>
+              <a:t> Output</a:t>
+            </a:r>
+            <a:endParaRPr lang="fr-FR" dirty="0">
+              <a:latin typeface="Courier New" panose="02070309020205020404" pitchFamily="49" charset="0"/>
+              <a:cs typeface="Courier New" panose="02070309020205020404" pitchFamily="49" charset="0"/>
+            </a:endParaRPr>
+          </a:p>
+          <a:p>
+            <a:endParaRPr lang="fr-FR" dirty="0" smtClean="0">
+              <a:latin typeface="Courier New" panose="02070309020205020404" pitchFamily="49" charset="0"/>
+              <a:cs typeface="Courier New" panose="02070309020205020404" pitchFamily="49" charset="0"/>
+            </a:endParaRPr>
+          </a:p>
+          <a:p>
+            <a:r>
+              <a:rPr lang="fr-FR" dirty="0">
+                <a:latin typeface="Courier New" panose="02070309020205020404" pitchFamily="49" charset="0"/>
+                <a:cs typeface="Courier New" panose="02070309020205020404" pitchFamily="49" charset="0"/>
+              </a:rPr>
+              <a:t>12</a:t>
+            </a:r>
+          </a:p>
+          <a:p>
+            <a:r>
+              <a:rPr lang="fr-FR" dirty="0">
+                <a:latin typeface="Courier New" panose="02070309020205020404" pitchFamily="49" charset="0"/>
+                <a:cs typeface="Courier New" panose="02070309020205020404" pitchFamily="49" charset="0"/>
+              </a:rPr>
+              <a:t>60</a:t>
+            </a:r>
+          </a:p>
+          <a:p>
+            <a:r>
+              <a:rPr lang="fr-FR" dirty="0">
+                <a:latin typeface="Courier New" panose="02070309020205020404" pitchFamily="49" charset="0"/>
+                <a:cs typeface="Courier New" panose="02070309020205020404" pitchFamily="49" charset="0"/>
+              </a:rPr>
+              <a:t>24</a:t>
+            </a:r>
+          </a:p>
+          <a:p>
+            <a:r>
+              <a:rPr lang="fr-FR" dirty="0">
+                <a:latin typeface="Courier New" panose="02070309020205020404" pitchFamily="49" charset="0"/>
+                <a:cs typeface="Courier New" panose="02070309020205020404" pitchFamily="49" charset="0"/>
+              </a:rPr>
+              <a:t>16</a:t>
+            </a:r>
+          </a:p>
+        </p:txBody>
+      </p:sp>
+    </p:spTree>
+    <p:extLst>
+      <p:ext uri="{BB962C8B-B14F-4D97-AF65-F5344CB8AC3E}">
+        <p14:creationId xmlns:p14="http://schemas.microsoft.com/office/powerpoint/2010/main" val="3332138344"/>
+      </p:ext>
+    </p:extLst>
+  </p:cSld>
+  <p:clrMapOvr>
+    <a:masterClrMapping/>
+  </p:clrMapOvr>
+</p:sld>
+</file>
+
+<file path=ppt/slides/slide27.xml><?xml version="1.0" encoding="utf-8"?>
+<p:sld xmlns:a="http://schemas.openxmlformats.org/drawingml/2006/main" xmlns:r="http://schemas.openxmlformats.org/officeDocument/2006/relationships" xmlns:p="http://schemas.openxmlformats.org/presentationml/2006/main">
+  <p:cSld>
+    <p:spTree>
+      <p:nvGrpSpPr>
+        <p:cNvPr id="1" name=""/>
+        <p:cNvGrpSpPr/>
+        <p:nvPr/>
+      </p:nvGrpSpPr>
+      <p:grpSpPr>
+        <a:xfrm>
+          <a:off x="0" y="0"/>
+          <a:ext cx="0" cy="0"/>
+          <a:chOff x="0" y="0"/>
+          <a:chExt cx="0" cy="0"/>
+        </a:xfrm>
+      </p:grpSpPr>
+      <p:sp>
+        <p:nvSpPr>
+          <p:cNvPr id="2" name="Title 1"/>
+          <p:cNvSpPr>
+            <a:spLocks noGrp="1"/>
+          </p:cNvSpPr>
+          <p:nvPr>
+            <p:ph type="title"/>
+          </p:nvPr>
+        </p:nvSpPr>
+        <p:spPr/>
+        <p:txBody>
+          <a:bodyPr/>
+          <a:lstStyle/>
+          <a:p>
+            <a:r>
+              <a:rPr lang="en-GB" dirty="0" smtClean="0"/>
+              <a:t>Homework 3</a:t>
+            </a:r>
+            <a:endParaRPr lang="en-GB" dirty="0"/>
+          </a:p>
+        </p:txBody>
+      </p:sp>
+      <p:sp>
+        <p:nvSpPr>
+          <p:cNvPr id="4" name="TextBox 3"/>
+          <p:cNvSpPr txBox="1"/>
+          <p:nvPr/>
+        </p:nvSpPr>
+        <p:spPr>
+          <a:xfrm>
+            <a:off x="889686" y="1507524"/>
+            <a:ext cx="7496434" cy="1200329"/>
+          </a:xfrm>
+          <a:prstGeom prst="rect">
+            <a:avLst/>
+          </a:prstGeom>
+          <a:noFill/>
+        </p:spPr>
+        <p:txBody>
+          <a:bodyPr wrap="square" rtlCol="0">
+            <a:spAutoFit/>
+          </a:bodyPr>
+          <a:lstStyle/>
+          <a:p>
+            <a:r>
+              <a:rPr lang="en-GB" dirty="0" smtClean="0"/>
+              <a:t>Complete the function so the program has the expected output.</a:t>
+            </a:r>
+          </a:p>
+          <a:p>
+            <a:endParaRPr lang="en-GB" dirty="0"/>
+          </a:p>
+          <a:p>
+            <a:r>
+              <a:rPr lang="en-GB" dirty="0" smtClean="0"/>
+              <a:t>It should return the capital city of the countries in the UK, and "I don't know" for other countries.</a:t>
+            </a:r>
+            <a:endParaRPr lang="en-GB" dirty="0"/>
+          </a:p>
+        </p:txBody>
+      </p:sp>
+      <p:sp>
+        <p:nvSpPr>
+          <p:cNvPr id="5" name="TextBox 4"/>
+          <p:cNvSpPr txBox="1"/>
+          <p:nvPr/>
+        </p:nvSpPr>
+        <p:spPr>
+          <a:xfrm>
+            <a:off x="889686" y="2927864"/>
+            <a:ext cx="6260756" cy="3354765"/>
+          </a:xfrm>
+          <a:prstGeom prst="rect">
+            <a:avLst/>
+          </a:prstGeom>
+          <a:noFill/>
+        </p:spPr>
+        <p:txBody>
+          <a:bodyPr wrap="square" rtlCol="0">
+            <a:spAutoFit/>
+          </a:bodyPr>
+          <a:lstStyle/>
+          <a:p>
+            <a:r>
+              <a:rPr lang="fr-FR" sz="1600" dirty="0" smtClean="0">
+                <a:latin typeface="Courier New" panose="02070309020205020404" pitchFamily="49" charset="0"/>
+                <a:cs typeface="Courier New" panose="02070309020205020404" pitchFamily="49" charset="0"/>
+              </a:rPr>
+              <a:t># </a:t>
+            </a:r>
+            <a:r>
+              <a:rPr lang="fr-FR" sz="1600" dirty="0">
+                <a:latin typeface="Courier New" panose="02070309020205020404" pitchFamily="49" charset="0"/>
+                <a:cs typeface="Courier New" panose="02070309020205020404" pitchFamily="49" charset="0"/>
+              </a:rPr>
+              <a:t>Week7, Homework3</a:t>
+            </a:r>
+          </a:p>
+          <a:p>
+            <a:endParaRPr lang="fr-FR" sz="1600" dirty="0">
+              <a:latin typeface="Courier New" panose="02070309020205020404" pitchFamily="49" charset="0"/>
+              <a:cs typeface="Courier New" panose="02070309020205020404" pitchFamily="49" charset="0"/>
+            </a:endParaRPr>
+          </a:p>
+          <a:p>
+            <a:r>
+              <a:rPr lang="fr-FR" sz="1600" dirty="0" err="1">
+                <a:latin typeface="Courier New" panose="02070309020205020404" pitchFamily="49" charset="0"/>
+                <a:cs typeface="Courier New" panose="02070309020205020404" pitchFamily="49" charset="0"/>
+              </a:rPr>
+              <a:t>def</a:t>
+            </a:r>
+            <a:r>
+              <a:rPr lang="fr-FR" sz="1600" dirty="0">
+                <a:latin typeface="Courier New" panose="02070309020205020404" pitchFamily="49" charset="0"/>
+                <a:cs typeface="Courier New" panose="02070309020205020404" pitchFamily="49" charset="0"/>
+              </a:rPr>
+              <a:t> </a:t>
+            </a:r>
+            <a:r>
+              <a:rPr lang="fr-FR" sz="1600" dirty="0" err="1">
+                <a:latin typeface="Courier New" panose="02070309020205020404" pitchFamily="49" charset="0"/>
+                <a:cs typeface="Courier New" panose="02070309020205020404" pitchFamily="49" charset="0"/>
+              </a:rPr>
+              <a:t>baby_name</a:t>
+            </a:r>
+            <a:r>
+              <a:rPr lang="fr-FR" sz="1600" dirty="0">
+                <a:latin typeface="Courier New" panose="02070309020205020404" pitchFamily="49" charset="0"/>
+                <a:cs typeface="Courier New" panose="02070309020205020404" pitchFamily="49" charset="0"/>
+              </a:rPr>
+              <a:t>(animal):</a:t>
+            </a:r>
+          </a:p>
+          <a:p>
+            <a:r>
+              <a:rPr lang="fr-FR" sz="1600" dirty="0">
+                <a:latin typeface="Courier New" panose="02070309020205020404" pitchFamily="49" charset="0"/>
+                <a:cs typeface="Courier New" panose="02070309020205020404" pitchFamily="49" charset="0"/>
+              </a:rPr>
+              <a:t>    </a:t>
+            </a:r>
+            <a:r>
+              <a:rPr lang="fr-FR" sz="1600" dirty="0" err="1" smtClean="0">
+                <a:latin typeface="Courier New" panose="02070309020205020404" pitchFamily="49" charset="0"/>
+                <a:cs typeface="Courier New" panose="02070309020205020404" pitchFamily="49" charset="0"/>
+              </a:rPr>
+              <a:t>pass</a:t>
+            </a:r>
+            <a:endParaRPr lang="fr-FR" sz="1600" dirty="0">
+              <a:latin typeface="Courier New" panose="02070309020205020404" pitchFamily="49" charset="0"/>
+              <a:cs typeface="Courier New" panose="02070309020205020404" pitchFamily="49" charset="0"/>
+            </a:endParaRPr>
+          </a:p>
+          <a:p>
+            <a:endParaRPr lang="fr-FR" sz="1600" dirty="0">
+              <a:latin typeface="Courier New" panose="02070309020205020404" pitchFamily="49" charset="0"/>
+              <a:cs typeface="Courier New" panose="02070309020205020404" pitchFamily="49" charset="0"/>
+            </a:endParaRPr>
+          </a:p>
+          <a:p>
+            <a:r>
+              <a:rPr lang="fr-FR" sz="1600" dirty="0" err="1">
+                <a:latin typeface="Courier New" panose="02070309020205020404" pitchFamily="49" charset="0"/>
+                <a:cs typeface="Courier New" panose="02070309020205020404" pitchFamily="49" charset="0"/>
+              </a:rPr>
+              <a:t>print</a:t>
+            </a:r>
+            <a:r>
+              <a:rPr lang="fr-FR" sz="1600" dirty="0">
+                <a:latin typeface="Courier New" panose="02070309020205020404" pitchFamily="49" charset="0"/>
+                <a:cs typeface="Courier New" panose="02070309020205020404" pitchFamily="49" charset="0"/>
+              </a:rPr>
+              <a:t>(</a:t>
+            </a:r>
+            <a:r>
+              <a:rPr lang="fr-FR" sz="1600" dirty="0" err="1">
+                <a:latin typeface="Courier New" panose="02070309020205020404" pitchFamily="49" charset="0"/>
+                <a:cs typeface="Courier New" panose="02070309020205020404" pitchFamily="49" charset="0"/>
+              </a:rPr>
+              <a:t>baby_name</a:t>
+            </a:r>
+            <a:r>
+              <a:rPr lang="fr-FR" sz="1600" dirty="0">
+                <a:latin typeface="Courier New" panose="02070309020205020404" pitchFamily="49" charset="0"/>
+                <a:cs typeface="Courier New" panose="02070309020205020404" pitchFamily="49" charset="0"/>
+              </a:rPr>
+              <a:t>("Dog"))</a:t>
+            </a:r>
+          </a:p>
+          <a:p>
+            <a:r>
+              <a:rPr lang="fr-FR" sz="1600" dirty="0" err="1">
+                <a:latin typeface="Courier New" panose="02070309020205020404" pitchFamily="49" charset="0"/>
+                <a:cs typeface="Courier New" panose="02070309020205020404" pitchFamily="49" charset="0"/>
+              </a:rPr>
+              <a:t>print</a:t>
+            </a:r>
+            <a:r>
+              <a:rPr lang="fr-FR" sz="1600" dirty="0">
+                <a:latin typeface="Courier New" panose="02070309020205020404" pitchFamily="49" charset="0"/>
+                <a:cs typeface="Courier New" panose="02070309020205020404" pitchFamily="49" charset="0"/>
+              </a:rPr>
+              <a:t>(</a:t>
+            </a:r>
+            <a:r>
+              <a:rPr lang="fr-FR" sz="1600" dirty="0" err="1">
+                <a:latin typeface="Courier New" panose="02070309020205020404" pitchFamily="49" charset="0"/>
+                <a:cs typeface="Courier New" panose="02070309020205020404" pitchFamily="49" charset="0"/>
+              </a:rPr>
+              <a:t>baby_name</a:t>
+            </a:r>
+            <a:r>
+              <a:rPr lang="fr-FR" sz="1600" dirty="0">
+                <a:latin typeface="Courier New" panose="02070309020205020404" pitchFamily="49" charset="0"/>
+                <a:cs typeface="Courier New" panose="02070309020205020404" pitchFamily="49" charset="0"/>
+              </a:rPr>
+              <a:t>("Cat"))</a:t>
+            </a:r>
+          </a:p>
+          <a:p>
+            <a:r>
+              <a:rPr lang="fr-FR" sz="1600" dirty="0" err="1">
+                <a:latin typeface="Courier New" panose="02070309020205020404" pitchFamily="49" charset="0"/>
+                <a:cs typeface="Courier New" panose="02070309020205020404" pitchFamily="49" charset="0"/>
+              </a:rPr>
+              <a:t>print</a:t>
+            </a:r>
+            <a:r>
+              <a:rPr lang="fr-FR" sz="1600" dirty="0">
+                <a:latin typeface="Courier New" panose="02070309020205020404" pitchFamily="49" charset="0"/>
+                <a:cs typeface="Courier New" panose="02070309020205020404" pitchFamily="49" charset="0"/>
+              </a:rPr>
+              <a:t>(</a:t>
+            </a:r>
+            <a:r>
+              <a:rPr lang="fr-FR" sz="1600" dirty="0" err="1">
+                <a:latin typeface="Courier New" panose="02070309020205020404" pitchFamily="49" charset="0"/>
+                <a:cs typeface="Courier New" panose="02070309020205020404" pitchFamily="49" charset="0"/>
+              </a:rPr>
+              <a:t>baby_name</a:t>
+            </a:r>
+            <a:r>
+              <a:rPr lang="fr-FR" sz="1600" dirty="0">
+                <a:latin typeface="Courier New" panose="02070309020205020404" pitchFamily="49" charset="0"/>
+                <a:cs typeface="Courier New" panose="02070309020205020404" pitchFamily="49" charset="0"/>
+              </a:rPr>
+              <a:t>("</a:t>
+            </a:r>
+            <a:r>
+              <a:rPr lang="fr-FR" sz="1600" dirty="0" err="1">
+                <a:latin typeface="Courier New" panose="02070309020205020404" pitchFamily="49" charset="0"/>
+                <a:cs typeface="Courier New" panose="02070309020205020404" pitchFamily="49" charset="0"/>
+              </a:rPr>
+              <a:t>Bird</a:t>
+            </a:r>
+            <a:r>
+              <a:rPr lang="fr-FR" sz="1600" dirty="0">
+                <a:latin typeface="Courier New" panose="02070309020205020404" pitchFamily="49" charset="0"/>
+                <a:cs typeface="Courier New" panose="02070309020205020404" pitchFamily="49" charset="0"/>
+              </a:rPr>
+              <a:t>"))</a:t>
+            </a:r>
+          </a:p>
+          <a:p>
+            <a:r>
+              <a:rPr lang="fr-FR" sz="1600" dirty="0" err="1">
+                <a:latin typeface="Courier New" panose="02070309020205020404" pitchFamily="49" charset="0"/>
+                <a:cs typeface="Courier New" panose="02070309020205020404" pitchFamily="49" charset="0"/>
+              </a:rPr>
+              <a:t>print</a:t>
+            </a:r>
+            <a:r>
+              <a:rPr lang="fr-FR" sz="1600" dirty="0">
+                <a:latin typeface="Courier New" panose="02070309020205020404" pitchFamily="49" charset="0"/>
+                <a:cs typeface="Courier New" panose="02070309020205020404" pitchFamily="49" charset="0"/>
+              </a:rPr>
+              <a:t>(</a:t>
+            </a:r>
+            <a:r>
+              <a:rPr lang="fr-FR" sz="1600" dirty="0" err="1">
+                <a:latin typeface="Courier New" panose="02070309020205020404" pitchFamily="49" charset="0"/>
+                <a:cs typeface="Courier New" panose="02070309020205020404" pitchFamily="49" charset="0"/>
+              </a:rPr>
+              <a:t>baby_name</a:t>
+            </a:r>
+            <a:r>
+              <a:rPr lang="fr-FR" sz="1600" dirty="0">
+                <a:latin typeface="Courier New" panose="02070309020205020404" pitchFamily="49" charset="0"/>
+                <a:cs typeface="Courier New" panose="02070309020205020404" pitchFamily="49" charset="0"/>
+              </a:rPr>
+              <a:t>("</a:t>
+            </a:r>
+            <a:r>
+              <a:rPr lang="fr-FR" sz="1600" dirty="0" err="1">
+                <a:latin typeface="Courier New" panose="02070309020205020404" pitchFamily="49" charset="0"/>
+                <a:cs typeface="Courier New" panose="02070309020205020404" pitchFamily="49" charset="0"/>
+              </a:rPr>
+              <a:t>Kangaroo</a:t>
+            </a:r>
+            <a:r>
+              <a:rPr lang="fr-FR" sz="1600" dirty="0">
+                <a:latin typeface="Courier New" panose="02070309020205020404" pitchFamily="49" charset="0"/>
+                <a:cs typeface="Courier New" panose="02070309020205020404" pitchFamily="49" charset="0"/>
+              </a:rPr>
+              <a:t>"))</a:t>
+            </a:r>
+          </a:p>
+          <a:p>
+            <a:r>
+              <a:rPr lang="fr-FR" sz="1600" dirty="0" err="1">
+                <a:latin typeface="Courier New" panose="02070309020205020404" pitchFamily="49" charset="0"/>
+                <a:cs typeface="Courier New" panose="02070309020205020404" pitchFamily="49" charset="0"/>
+              </a:rPr>
+              <a:t>print</a:t>
+            </a:r>
+            <a:r>
+              <a:rPr lang="fr-FR" sz="1600" dirty="0">
+                <a:latin typeface="Courier New" panose="02070309020205020404" pitchFamily="49" charset="0"/>
+                <a:cs typeface="Courier New" panose="02070309020205020404" pitchFamily="49" charset="0"/>
+              </a:rPr>
+              <a:t>(</a:t>
+            </a:r>
+            <a:r>
+              <a:rPr lang="fr-FR" sz="1600" dirty="0" err="1">
+                <a:latin typeface="Courier New" panose="02070309020205020404" pitchFamily="49" charset="0"/>
+                <a:cs typeface="Courier New" panose="02070309020205020404" pitchFamily="49" charset="0"/>
+              </a:rPr>
+              <a:t>baby_name</a:t>
+            </a:r>
+            <a:r>
+              <a:rPr lang="fr-FR" sz="1600" dirty="0">
+                <a:latin typeface="Courier New" panose="02070309020205020404" pitchFamily="49" charset="0"/>
+                <a:cs typeface="Courier New" panose="02070309020205020404" pitchFamily="49" charset="0"/>
+              </a:rPr>
+              <a:t>("</a:t>
+            </a:r>
+            <a:r>
+              <a:rPr lang="fr-FR" sz="1600" dirty="0" err="1">
+                <a:latin typeface="Courier New" panose="02070309020205020404" pitchFamily="49" charset="0"/>
+                <a:cs typeface="Courier New" panose="02070309020205020404" pitchFamily="49" charset="0"/>
+              </a:rPr>
+              <a:t>Cow</a:t>
+            </a:r>
+            <a:r>
+              <a:rPr lang="fr-FR" sz="1600" dirty="0">
+                <a:latin typeface="Courier New" panose="02070309020205020404" pitchFamily="49" charset="0"/>
+                <a:cs typeface="Courier New" panose="02070309020205020404" pitchFamily="49" charset="0"/>
+              </a:rPr>
+              <a:t>"))</a:t>
+            </a:r>
+          </a:p>
+          <a:p>
+            <a:r>
+              <a:rPr lang="fr-FR" sz="1600" dirty="0" err="1">
+                <a:latin typeface="Courier New" panose="02070309020205020404" pitchFamily="49" charset="0"/>
+                <a:cs typeface="Courier New" panose="02070309020205020404" pitchFamily="49" charset="0"/>
+              </a:rPr>
+              <a:t>print</a:t>
+            </a:r>
+            <a:r>
+              <a:rPr lang="fr-FR" sz="1600" dirty="0">
+                <a:latin typeface="Courier New" panose="02070309020205020404" pitchFamily="49" charset="0"/>
+                <a:cs typeface="Courier New" panose="02070309020205020404" pitchFamily="49" charset="0"/>
+              </a:rPr>
+              <a:t>(</a:t>
+            </a:r>
+            <a:r>
+              <a:rPr lang="fr-FR" sz="1600" dirty="0" err="1">
+                <a:latin typeface="Courier New" panose="02070309020205020404" pitchFamily="49" charset="0"/>
+                <a:cs typeface="Courier New" panose="02070309020205020404" pitchFamily="49" charset="0"/>
+              </a:rPr>
+              <a:t>baby_name</a:t>
+            </a:r>
+            <a:r>
+              <a:rPr lang="fr-FR" sz="1600" dirty="0">
+                <a:latin typeface="Courier New" panose="02070309020205020404" pitchFamily="49" charset="0"/>
+                <a:cs typeface="Courier New" panose="02070309020205020404" pitchFamily="49" charset="0"/>
+              </a:rPr>
+              <a:t>("</a:t>
+            </a:r>
+            <a:r>
+              <a:rPr lang="fr-FR" sz="1600" dirty="0" err="1">
+                <a:latin typeface="Courier New" panose="02070309020205020404" pitchFamily="49" charset="0"/>
+                <a:cs typeface="Courier New" panose="02070309020205020404" pitchFamily="49" charset="0"/>
+              </a:rPr>
+              <a:t>Llama</a:t>
+            </a:r>
+            <a:r>
+              <a:rPr lang="fr-FR" sz="1600" dirty="0">
+                <a:latin typeface="Courier New" panose="02070309020205020404" pitchFamily="49" charset="0"/>
+                <a:cs typeface="Courier New" panose="02070309020205020404" pitchFamily="49" charset="0"/>
+              </a:rPr>
+              <a:t>"))</a:t>
+            </a:r>
+          </a:p>
+          <a:p>
+            <a:endParaRPr lang="fr-FR" dirty="0" smtClean="0">
+              <a:latin typeface="Courier New" panose="02070309020205020404" pitchFamily="49" charset="0"/>
+              <a:cs typeface="Courier New" panose="02070309020205020404" pitchFamily="49" charset="0"/>
+            </a:endParaRPr>
+          </a:p>
+          <a:p>
+            <a:endParaRPr lang="fr-FR" dirty="0">
+              <a:latin typeface="Courier New" panose="02070309020205020404" pitchFamily="49" charset="0"/>
+              <a:cs typeface="Courier New" panose="02070309020205020404" pitchFamily="49" charset="0"/>
+            </a:endParaRPr>
+          </a:p>
+        </p:txBody>
+      </p:sp>
+      <p:sp>
+        <p:nvSpPr>
+          <p:cNvPr id="7" name="TextBox 6"/>
+          <p:cNvSpPr txBox="1"/>
+          <p:nvPr/>
+        </p:nvSpPr>
+        <p:spPr>
+          <a:xfrm>
+            <a:off x="7138423" y="2707853"/>
+            <a:ext cx="4160109" cy="2308324"/>
+          </a:xfrm>
+          <a:prstGeom prst="rect">
+            <a:avLst/>
+          </a:prstGeom>
+          <a:noFill/>
+        </p:spPr>
+        <p:txBody>
+          <a:bodyPr wrap="square" rtlCol="0">
+            <a:spAutoFit/>
+          </a:bodyPr>
+          <a:lstStyle/>
+          <a:p>
+            <a:r>
+              <a:rPr lang="fr-FR" dirty="0" smtClean="0">
+                <a:latin typeface="Courier New" panose="02070309020205020404" pitchFamily="49" charset="0"/>
+                <a:cs typeface="Courier New" panose="02070309020205020404" pitchFamily="49" charset="0"/>
+              </a:rPr>
+              <a:t># </a:t>
+            </a:r>
+            <a:r>
+              <a:rPr lang="fr-FR" dirty="0" err="1" smtClean="0">
+                <a:latin typeface="Courier New" panose="02070309020205020404" pitchFamily="49" charset="0"/>
+                <a:cs typeface="Courier New" panose="02070309020205020404" pitchFamily="49" charset="0"/>
+              </a:rPr>
+              <a:t>Expected</a:t>
+            </a:r>
+            <a:r>
+              <a:rPr lang="fr-FR" dirty="0" smtClean="0">
+                <a:latin typeface="Courier New" panose="02070309020205020404" pitchFamily="49" charset="0"/>
+                <a:cs typeface="Courier New" panose="02070309020205020404" pitchFamily="49" charset="0"/>
+              </a:rPr>
+              <a:t> Output</a:t>
+            </a:r>
+            <a:endParaRPr lang="fr-FR" dirty="0">
+              <a:latin typeface="Courier New" panose="02070309020205020404" pitchFamily="49" charset="0"/>
+              <a:cs typeface="Courier New" panose="02070309020205020404" pitchFamily="49" charset="0"/>
+            </a:endParaRPr>
+          </a:p>
+          <a:p>
+            <a:endParaRPr lang="fr-FR" dirty="0" smtClean="0">
+              <a:latin typeface="Courier New" panose="02070309020205020404" pitchFamily="49" charset="0"/>
+              <a:cs typeface="Courier New" panose="02070309020205020404" pitchFamily="49" charset="0"/>
+            </a:endParaRPr>
+          </a:p>
+          <a:p>
+            <a:r>
+              <a:rPr lang="en-GB" dirty="0">
+                <a:latin typeface="Courier New" panose="02070309020205020404" pitchFamily="49" charset="0"/>
+                <a:cs typeface="Courier New" panose="02070309020205020404" pitchFamily="49" charset="0"/>
+              </a:rPr>
+              <a:t>Pup</a:t>
+            </a:r>
+          </a:p>
+          <a:p>
+            <a:r>
+              <a:rPr lang="en-GB" dirty="0">
+                <a:latin typeface="Courier New" panose="02070309020205020404" pitchFamily="49" charset="0"/>
+                <a:cs typeface="Courier New" panose="02070309020205020404" pitchFamily="49" charset="0"/>
+              </a:rPr>
+              <a:t>Kitten</a:t>
+            </a:r>
+          </a:p>
+          <a:p>
+            <a:r>
+              <a:rPr lang="en-GB" dirty="0">
+                <a:latin typeface="Courier New" panose="02070309020205020404" pitchFamily="49" charset="0"/>
+                <a:cs typeface="Courier New" panose="02070309020205020404" pitchFamily="49" charset="0"/>
+              </a:rPr>
+              <a:t>Chick</a:t>
+            </a:r>
+          </a:p>
+          <a:p>
+            <a:r>
+              <a:rPr lang="en-GB" dirty="0">
+                <a:latin typeface="Courier New" panose="02070309020205020404" pitchFamily="49" charset="0"/>
+                <a:cs typeface="Courier New" panose="02070309020205020404" pitchFamily="49" charset="0"/>
+              </a:rPr>
+              <a:t>Joey</a:t>
+            </a:r>
+          </a:p>
+          <a:p>
+            <a:r>
+              <a:rPr lang="en-GB" dirty="0">
+                <a:latin typeface="Courier New" panose="02070309020205020404" pitchFamily="49" charset="0"/>
+                <a:cs typeface="Courier New" panose="02070309020205020404" pitchFamily="49" charset="0"/>
+              </a:rPr>
+              <a:t>Calf</a:t>
+            </a:r>
+          </a:p>
+          <a:p>
+            <a:r>
+              <a:rPr lang="en-GB" dirty="0">
+                <a:latin typeface="Courier New" panose="02070309020205020404" pitchFamily="49" charset="0"/>
+                <a:cs typeface="Courier New" panose="02070309020205020404" pitchFamily="49" charset="0"/>
+              </a:rPr>
+              <a:t>Don't know :(</a:t>
+            </a:r>
+            <a:endParaRPr lang="fr-FR" dirty="0" smtClean="0">
+              <a:latin typeface="Courier New" panose="02070309020205020404" pitchFamily="49" charset="0"/>
+              <a:cs typeface="Courier New" panose="02070309020205020404" pitchFamily="49" charset="0"/>
+            </a:endParaRPr>
+          </a:p>
+        </p:txBody>
+      </p:sp>
+    </p:spTree>
+    <p:extLst>
+      <p:ext uri="{BB962C8B-B14F-4D97-AF65-F5344CB8AC3E}">
+        <p14:creationId xmlns:p14="http://schemas.microsoft.com/office/powerpoint/2010/main" val="891678756"/>
+      </p:ext>
+    </p:extLst>
+  </p:cSld>
+  <p:clrMapOvr>
+    <a:masterClrMapping/>
+  </p:clrMapOvr>
+</p:sld>
+</file>
+
+<file path=ppt/slides/slide28.xml><?xml version="1.0" encoding="utf-8"?>
+<p:sld xmlns:a="http://schemas.openxmlformats.org/drawingml/2006/main" xmlns:r="http://schemas.openxmlformats.org/officeDocument/2006/relationships" xmlns:p="http://schemas.openxmlformats.org/presentationml/2006/main">
+  <p:cSld>
+    <p:spTree>
+      <p:nvGrpSpPr>
+        <p:cNvPr id="1" name=""/>
+        <p:cNvGrpSpPr/>
+        <p:nvPr/>
+      </p:nvGrpSpPr>
+      <p:grpSpPr>
+        <a:xfrm>
+          <a:off x="0" y="0"/>
+          <a:ext cx="0" cy="0"/>
+          <a:chOff x="0" y="0"/>
+          <a:chExt cx="0" cy="0"/>
+        </a:xfrm>
+      </p:grpSpPr>
+      <p:sp>
+        <p:nvSpPr>
+          <p:cNvPr id="2" name="Title 1"/>
+          <p:cNvSpPr>
+            <a:spLocks noGrp="1"/>
+          </p:cNvSpPr>
+          <p:nvPr>
+            <p:ph type="title"/>
+          </p:nvPr>
+        </p:nvSpPr>
+        <p:spPr/>
+        <p:txBody>
+          <a:bodyPr/>
+          <a:lstStyle/>
+          <a:p>
+            <a:r>
+              <a:rPr lang="en-GB" dirty="0" smtClean="0"/>
+              <a:t>Homework 4</a:t>
+            </a:r>
+            <a:endParaRPr lang="en-GB" dirty="0"/>
+          </a:p>
+        </p:txBody>
+      </p:sp>
+      <p:sp>
+        <p:nvSpPr>
+          <p:cNvPr id="4" name="TextBox 3"/>
+          <p:cNvSpPr txBox="1"/>
+          <p:nvPr/>
+        </p:nvSpPr>
+        <p:spPr>
+          <a:xfrm>
+            <a:off x="889686" y="1507524"/>
+            <a:ext cx="7496434" cy="1200329"/>
+          </a:xfrm>
+          <a:prstGeom prst="rect">
+            <a:avLst/>
+          </a:prstGeom>
+          <a:noFill/>
+        </p:spPr>
+        <p:txBody>
+          <a:bodyPr wrap="square" rtlCol="0">
+            <a:spAutoFit/>
+          </a:bodyPr>
+          <a:lstStyle/>
+          <a:p>
+            <a:r>
+              <a:rPr lang="en-GB" dirty="0" smtClean="0"/>
+              <a:t>Complete the function so the program has the expected output.</a:t>
+            </a:r>
+          </a:p>
+          <a:p>
+            <a:endParaRPr lang="en-GB" dirty="0"/>
+          </a:p>
+          <a:p>
+            <a:r>
+              <a:rPr lang="en-GB" dirty="0" smtClean="0"/>
+              <a:t>It should return the capital city of the countries in the UK, and "I don't know" for other countries.</a:t>
+            </a:r>
+            <a:endParaRPr lang="en-GB" dirty="0"/>
+          </a:p>
+        </p:txBody>
+      </p:sp>
+      <p:sp>
+        <p:nvSpPr>
+          <p:cNvPr id="5" name="TextBox 4"/>
+          <p:cNvSpPr txBox="1"/>
+          <p:nvPr/>
+        </p:nvSpPr>
+        <p:spPr>
+          <a:xfrm>
+            <a:off x="889685" y="2927864"/>
+            <a:ext cx="10408847" cy="1785104"/>
+          </a:xfrm>
+          <a:prstGeom prst="rect">
+            <a:avLst/>
+          </a:prstGeom>
+          <a:noFill/>
+        </p:spPr>
+        <p:txBody>
+          <a:bodyPr wrap="square" rtlCol="0">
+            <a:spAutoFit/>
+          </a:bodyPr>
+          <a:lstStyle/>
+          <a:p>
+            <a:r>
+              <a:rPr lang="fr-FR" sz="1100" dirty="0" smtClean="0">
+                <a:latin typeface="Courier New" panose="02070309020205020404" pitchFamily="49" charset="0"/>
+                <a:cs typeface="Courier New" panose="02070309020205020404" pitchFamily="49" charset="0"/>
+              </a:rPr>
+              <a:t># </a:t>
+            </a:r>
+            <a:r>
+              <a:rPr lang="fr-FR" sz="1100" dirty="0">
+                <a:latin typeface="Courier New" panose="02070309020205020404" pitchFamily="49" charset="0"/>
+                <a:cs typeface="Courier New" panose="02070309020205020404" pitchFamily="49" charset="0"/>
+              </a:rPr>
+              <a:t>Week7, Homework4</a:t>
+            </a:r>
+          </a:p>
+          <a:p>
+            <a:endParaRPr lang="fr-FR" sz="1100" dirty="0">
+              <a:latin typeface="Courier New" panose="02070309020205020404" pitchFamily="49" charset="0"/>
+              <a:cs typeface="Courier New" panose="02070309020205020404" pitchFamily="49" charset="0"/>
+            </a:endParaRPr>
+          </a:p>
+          <a:p>
+            <a:r>
+              <a:rPr lang="fr-FR" sz="1100" dirty="0">
+                <a:latin typeface="Courier New" panose="02070309020205020404" pitchFamily="49" charset="0"/>
+                <a:cs typeface="Courier New" panose="02070309020205020404" pitchFamily="49" charset="0"/>
+              </a:rPr>
+              <a:t>pi = 3.14159</a:t>
+            </a:r>
+          </a:p>
+          <a:p>
+            <a:endParaRPr lang="fr-FR" sz="1100" dirty="0">
+              <a:latin typeface="Courier New" panose="02070309020205020404" pitchFamily="49" charset="0"/>
+              <a:cs typeface="Courier New" panose="02070309020205020404" pitchFamily="49" charset="0"/>
+            </a:endParaRPr>
+          </a:p>
+          <a:p>
+            <a:r>
+              <a:rPr lang="fr-FR" sz="1100" dirty="0" err="1">
+                <a:latin typeface="Courier New" panose="02070309020205020404" pitchFamily="49" charset="0"/>
+                <a:cs typeface="Courier New" panose="02070309020205020404" pitchFamily="49" charset="0"/>
+              </a:rPr>
+              <a:t>def</a:t>
+            </a:r>
+            <a:r>
+              <a:rPr lang="fr-FR" sz="1100" dirty="0">
+                <a:latin typeface="Courier New" panose="02070309020205020404" pitchFamily="49" charset="0"/>
+                <a:cs typeface="Courier New" panose="02070309020205020404" pitchFamily="49" charset="0"/>
+              </a:rPr>
+              <a:t> </a:t>
+            </a:r>
+            <a:r>
+              <a:rPr lang="fr-FR" sz="1100" dirty="0" err="1">
+                <a:latin typeface="Courier New" panose="02070309020205020404" pitchFamily="49" charset="0"/>
+                <a:cs typeface="Courier New" panose="02070309020205020404" pitchFamily="49" charset="0"/>
+              </a:rPr>
+              <a:t>circleArea</a:t>
+            </a:r>
+            <a:r>
+              <a:rPr lang="fr-FR" sz="1100" dirty="0">
+                <a:latin typeface="Courier New" panose="02070309020205020404" pitchFamily="49" charset="0"/>
+                <a:cs typeface="Courier New" panose="02070309020205020404" pitchFamily="49" charset="0"/>
+              </a:rPr>
+              <a:t>(radius):</a:t>
+            </a:r>
+          </a:p>
+          <a:p>
+            <a:r>
+              <a:rPr lang="fr-FR" sz="1100" dirty="0">
+                <a:latin typeface="Courier New" panose="02070309020205020404" pitchFamily="49" charset="0"/>
+                <a:cs typeface="Courier New" panose="02070309020205020404" pitchFamily="49" charset="0"/>
+              </a:rPr>
+              <a:t>    </a:t>
+            </a:r>
+            <a:r>
+              <a:rPr lang="fr-FR" sz="1100" dirty="0" err="1" smtClean="0">
+                <a:latin typeface="Courier New" panose="02070309020205020404" pitchFamily="49" charset="0"/>
+                <a:cs typeface="Courier New" panose="02070309020205020404" pitchFamily="49" charset="0"/>
+              </a:rPr>
+              <a:t>pass</a:t>
+            </a:r>
+            <a:endParaRPr lang="fr-FR" sz="1100" dirty="0">
+              <a:latin typeface="Courier New" panose="02070309020205020404" pitchFamily="49" charset="0"/>
+              <a:cs typeface="Courier New" panose="02070309020205020404" pitchFamily="49" charset="0"/>
+            </a:endParaRPr>
+          </a:p>
+          <a:p>
+            <a:endParaRPr lang="fr-FR" sz="1100" dirty="0">
+              <a:latin typeface="Courier New" panose="02070309020205020404" pitchFamily="49" charset="0"/>
+              <a:cs typeface="Courier New" panose="02070309020205020404" pitchFamily="49" charset="0"/>
+            </a:endParaRPr>
+          </a:p>
+          <a:p>
+            <a:r>
+              <a:rPr lang="fr-FR" sz="1100" dirty="0">
+                <a:latin typeface="Courier New" panose="02070309020205020404" pitchFamily="49" charset="0"/>
+                <a:cs typeface="Courier New" panose="02070309020205020404" pitchFamily="49" charset="0"/>
+              </a:rPr>
+              <a:t>for radius in [3, 5, 9, 12, 44]:</a:t>
+            </a:r>
+          </a:p>
+          <a:p>
+            <a:r>
+              <a:rPr lang="fr-FR" sz="1100" dirty="0">
+                <a:latin typeface="Courier New" panose="02070309020205020404" pitchFamily="49" charset="0"/>
+                <a:cs typeface="Courier New" panose="02070309020205020404" pitchFamily="49" charset="0"/>
+              </a:rPr>
+              <a:t>    </a:t>
+            </a:r>
+            <a:r>
+              <a:rPr lang="fr-FR" sz="1100" dirty="0" err="1">
+                <a:latin typeface="Courier New" panose="02070309020205020404" pitchFamily="49" charset="0"/>
+                <a:cs typeface="Courier New" panose="02070309020205020404" pitchFamily="49" charset="0"/>
+              </a:rPr>
+              <a:t>print</a:t>
+            </a:r>
+            <a:r>
+              <a:rPr lang="fr-FR" sz="1100" dirty="0">
+                <a:latin typeface="Courier New" panose="02070309020205020404" pitchFamily="49" charset="0"/>
+                <a:cs typeface="Courier New" panose="02070309020205020404" pitchFamily="49" charset="0"/>
+              </a:rPr>
+              <a:t>(</a:t>
+            </a:r>
+            <a:r>
+              <a:rPr lang="fr-FR" sz="1100" dirty="0" err="1">
+                <a:latin typeface="Courier New" panose="02070309020205020404" pitchFamily="49" charset="0"/>
+                <a:cs typeface="Courier New" panose="02070309020205020404" pitchFamily="49" charset="0"/>
+              </a:rPr>
+              <a:t>f"Area</a:t>
+            </a:r>
+            <a:r>
+              <a:rPr lang="fr-FR" sz="1100" dirty="0">
+                <a:latin typeface="Courier New" panose="02070309020205020404" pitchFamily="49" charset="0"/>
+                <a:cs typeface="Courier New" panose="02070309020205020404" pitchFamily="49" charset="0"/>
+              </a:rPr>
+              <a:t> of </a:t>
+            </a:r>
+            <a:r>
+              <a:rPr lang="fr-FR" sz="1100" dirty="0" err="1">
+                <a:latin typeface="Courier New" panose="02070309020205020404" pitchFamily="49" charset="0"/>
+                <a:cs typeface="Courier New" panose="02070309020205020404" pitchFamily="49" charset="0"/>
+              </a:rPr>
+              <a:t>circle</a:t>
+            </a:r>
+            <a:r>
+              <a:rPr lang="fr-FR" sz="1100" dirty="0">
+                <a:latin typeface="Courier New" panose="02070309020205020404" pitchFamily="49" charset="0"/>
+                <a:cs typeface="Courier New" panose="02070309020205020404" pitchFamily="49" charset="0"/>
+              </a:rPr>
+              <a:t> of radius {radius} cm </a:t>
+            </a:r>
+            <a:r>
+              <a:rPr lang="fr-FR" sz="1100" dirty="0" err="1">
+                <a:latin typeface="Courier New" panose="02070309020205020404" pitchFamily="49" charset="0"/>
+                <a:cs typeface="Courier New" panose="02070309020205020404" pitchFamily="49" charset="0"/>
+              </a:rPr>
+              <a:t>is</a:t>
+            </a:r>
+            <a:r>
+              <a:rPr lang="fr-FR" sz="1100" dirty="0">
+                <a:latin typeface="Courier New" panose="02070309020205020404" pitchFamily="49" charset="0"/>
+                <a:cs typeface="Courier New" panose="02070309020205020404" pitchFamily="49" charset="0"/>
+              </a:rPr>
+              <a:t> {</a:t>
+            </a:r>
+            <a:r>
+              <a:rPr lang="fr-FR" sz="1100" dirty="0" err="1">
+                <a:latin typeface="Courier New" panose="02070309020205020404" pitchFamily="49" charset="0"/>
+                <a:cs typeface="Courier New" panose="02070309020205020404" pitchFamily="49" charset="0"/>
+              </a:rPr>
+              <a:t>circleArea</a:t>
+            </a:r>
+            <a:r>
+              <a:rPr lang="fr-FR" sz="1100" dirty="0">
+                <a:latin typeface="Courier New" panose="02070309020205020404" pitchFamily="49" charset="0"/>
+                <a:cs typeface="Courier New" panose="02070309020205020404" pitchFamily="49" charset="0"/>
+              </a:rPr>
+              <a:t>(radius)} cm </a:t>
+            </a:r>
+            <a:r>
+              <a:rPr lang="fr-FR" sz="1100" dirty="0" err="1">
+                <a:latin typeface="Courier New" panose="02070309020205020404" pitchFamily="49" charset="0"/>
+                <a:cs typeface="Courier New" panose="02070309020205020404" pitchFamily="49" charset="0"/>
+              </a:rPr>
+              <a:t>squared</a:t>
+            </a:r>
+            <a:r>
+              <a:rPr lang="fr-FR" sz="1100" dirty="0">
+                <a:latin typeface="Courier New" panose="02070309020205020404" pitchFamily="49" charset="0"/>
+                <a:cs typeface="Courier New" panose="02070309020205020404" pitchFamily="49" charset="0"/>
+              </a:rPr>
+              <a:t>")</a:t>
+            </a:r>
+          </a:p>
+          <a:p>
+            <a:endParaRPr lang="fr-FR" sz="1100" dirty="0">
+              <a:latin typeface="Courier New" panose="02070309020205020404" pitchFamily="49" charset="0"/>
+              <a:cs typeface="Courier New" panose="02070309020205020404" pitchFamily="49" charset="0"/>
+            </a:endParaRPr>
+          </a:p>
+        </p:txBody>
+      </p:sp>
+      <p:sp>
+        <p:nvSpPr>
+          <p:cNvPr id="7" name="TextBox 6"/>
+          <p:cNvSpPr txBox="1"/>
+          <p:nvPr/>
+        </p:nvSpPr>
+        <p:spPr>
+          <a:xfrm>
+            <a:off x="889686" y="4882245"/>
+            <a:ext cx="10408846" cy="1384995"/>
+          </a:xfrm>
+          <a:prstGeom prst="rect">
+            <a:avLst/>
+          </a:prstGeom>
+          <a:noFill/>
+        </p:spPr>
+        <p:txBody>
+          <a:bodyPr wrap="square" rtlCol="0">
+            <a:spAutoFit/>
+          </a:bodyPr>
+          <a:lstStyle/>
+          <a:p>
+            <a:r>
+              <a:rPr lang="fr-FR" sz="1200" dirty="0" smtClean="0">
+                <a:latin typeface="Courier New" panose="02070309020205020404" pitchFamily="49" charset="0"/>
+                <a:cs typeface="Courier New" panose="02070309020205020404" pitchFamily="49" charset="0"/>
+              </a:rPr>
+              <a:t># </a:t>
+            </a:r>
+            <a:r>
+              <a:rPr lang="fr-FR" sz="1200" dirty="0" err="1" smtClean="0">
+                <a:latin typeface="Courier New" panose="02070309020205020404" pitchFamily="49" charset="0"/>
+                <a:cs typeface="Courier New" panose="02070309020205020404" pitchFamily="49" charset="0"/>
+              </a:rPr>
+              <a:t>Expected</a:t>
+            </a:r>
+            <a:r>
+              <a:rPr lang="fr-FR" sz="1200" dirty="0" smtClean="0">
+                <a:latin typeface="Courier New" panose="02070309020205020404" pitchFamily="49" charset="0"/>
+                <a:cs typeface="Courier New" panose="02070309020205020404" pitchFamily="49" charset="0"/>
+              </a:rPr>
+              <a:t> Output</a:t>
+            </a:r>
+            <a:endParaRPr lang="fr-FR" sz="1200" dirty="0">
+              <a:latin typeface="Courier New" panose="02070309020205020404" pitchFamily="49" charset="0"/>
+              <a:cs typeface="Courier New" panose="02070309020205020404" pitchFamily="49" charset="0"/>
+            </a:endParaRPr>
+          </a:p>
+          <a:p>
+            <a:endParaRPr lang="fr-FR" sz="1200" dirty="0" smtClean="0">
+              <a:latin typeface="Courier New" panose="02070309020205020404" pitchFamily="49" charset="0"/>
+              <a:cs typeface="Courier New" panose="02070309020205020404" pitchFamily="49" charset="0"/>
+            </a:endParaRPr>
+          </a:p>
+          <a:p>
+            <a:r>
+              <a:rPr lang="en-GB" sz="1200" dirty="0">
+                <a:latin typeface="Courier New" panose="02070309020205020404" pitchFamily="49" charset="0"/>
+                <a:cs typeface="Courier New" panose="02070309020205020404" pitchFamily="49" charset="0"/>
+              </a:rPr>
+              <a:t>Area of circle of radius 3 cm is 28.27431 cm squared</a:t>
+            </a:r>
+          </a:p>
+          <a:p>
+            <a:r>
+              <a:rPr lang="en-GB" sz="1200" dirty="0">
+                <a:latin typeface="Courier New" panose="02070309020205020404" pitchFamily="49" charset="0"/>
+                <a:cs typeface="Courier New" panose="02070309020205020404" pitchFamily="49" charset="0"/>
+              </a:rPr>
+              <a:t>Area of circle of radius 5 cm is 78.53975 cm squared</a:t>
+            </a:r>
+          </a:p>
+          <a:p>
+            <a:r>
+              <a:rPr lang="en-GB" sz="1200" dirty="0">
+                <a:latin typeface="Courier New" panose="02070309020205020404" pitchFamily="49" charset="0"/>
+                <a:cs typeface="Courier New" panose="02070309020205020404" pitchFamily="49" charset="0"/>
+              </a:rPr>
+              <a:t>Area of circle of radius 9 cm is 254.46878999999998 cm squared</a:t>
+            </a:r>
+          </a:p>
+          <a:p>
+            <a:r>
+              <a:rPr lang="en-GB" sz="1200" dirty="0">
+                <a:latin typeface="Courier New" panose="02070309020205020404" pitchFamily="49" charset="0"/>
+                <a:cs typeface="Courier New" panose="02070309020205020404" pitchFamily="49" charset="0"/>
+              </a:rPr>
+              <a:t>Area of circle of radius 12 cm is 452.38896 cm squared</a:t>
+            </a:r>
+          </a:p>
+          <a:p>
+            <a:r>
+              <a:rPr lang="en-GB" sz="1200" dirty="0">
+                <a:latin typeface="Courier New" panose="02070309020205020404" pitchFamily="49" charset="0"/>
+                <a:cs typeface="Courier New" panose="02070309020205020404" pitchFamily="49" charset="0"/>
+              </a:rPr>
+              <a:t>Area of circle of radius 44 cm is 6082.11824 cm squared</a:t>
+            </a:r>
+            <a:endParaRPr lang="fr-FR" sz="1200" dirty="0" smtClean="0">
+              <a:latin typeface="Courier New" panose="02070309020205020404" pitchFamily="49" charset="0"/>
+              <a:cs typeface="Courier New" panose="02070309020205020404" pitchFamily="49" charset="0"/>
+            </a:endParaRPr>
+          </a:p>
+        </p:txBody>
+      </p:sp>
+    </p:spTree>
+    <p:extLst>
+      <p:ext uri="{BB962C8B-B14F-4D97-AF65-F5344CB8AC3E}">
+        <p14:creationId xmlns:p14="http://schemas.microsoft.com/office/powerpoint/2010/main" val="1868916624"/>
+      </p:ext>
+    </p:extLst>
+  </p:cSld>
+  <p:clrMapOvr>
+    <a:masterClrMapping/>
+  </p:clrMapOvr>
+</p:sld>
+</file>
+
+<file path=ppt/slides/slide29.xml><?xml version="1.0" encoding="utf-8"?>
+<p:sld xmlns:a="http://schemas.openxmlformats.org/drawingml/2006/main" xmlns:r="http://schemas.openxmlformats.org/officeDocument/2006/relationships" xmlns:p="http://schemas.openxmlformats.org/presentationml/2006/main">
+  <p:cSld>
+    <p:spTree>
+      <p:nvGrpSpPr>
+        <p:cNvPr id="1" name=""/>
+        <p:cNvGrpSpPr/>
+        <p:nvPr/>
+      </p:nvGrpSpPr>
+      <p:grpSpPr>
+        <a:xfrm>
+          <a:off x="0" y="0"/>
+          <a:ext cx="0" cy="0"/>
+          <a:chOff x="0" y="0"/>
+          <a:chExt cx="0" cy="0"/>
+        </a:xfrm>
+      </p:grpSpPr>
+      <p:sp>
+        <p:nvSpPr>
+          <p:cNvPr id="2" name="Title 1"/>
+          <p:cNvSpPr>
+            <a:spLocks noGrp="1"/>
+          </p:cNvSpPr>
+          <p:nvPr>
+            <p:ph type="title"/>
+          </p:nvPr>
+        </p:nvSpPr>
+        <p:spPr/>
+        <p:txBody>
+          <a:bodyPr/>
+          <a:lstStyle/>
+          <a:p>
+            <a:r>
+              <a:rPr lang="en-GB" dirty="0" smtClean="0"/>
+              <a:t>Homework 5 (part 1)</a:t>
+            </a:r>
+            <a:endParaRPr lang="en-GB" dirty="0"/>
+          </a:p>
+        </p:txBody>
+      </p:sp>
+      <p:sp>
+        <p:nvSpPr>
+          <p:cNvPr id="4" name="TextBox 3"/>
+          <p:cNvSpPr txBox="1"/>
+          <p:nvPr/>
+        </p:nvSpPr>
+        <p:spPr>
+          <a:xfrm>
+            <a:off x="889686" y="1507524"/>
+            <a:ext cx="10099590" cy="3693319"/>
+          </a:xfrm>
+          <a:prstGeom prst="rect">
+            <a:avLst/>
+          </a:prstGeom>
+          <a:noFill/>
+        </p:spPr>
+        <p:txBody>
+          <a:bodyPr wrap="square" rtlCol="0">
+            <a:spAutoFit/>
+          </a:bodyPr>
+          <a:lstStyle/>
+          <a:p>
+            <a:r>
+              <a:rPr lang="en-GB" dirty="0" smtClean="0"/>
+              <a:t>You should note the following rules for international phone numbers.</a:t>
+            </a:r>
+          </a:p>
+          <a:p>
+            <a:endParaRPr lang="en-GB" dirty="0"/>
+          </a:p>
+          <a:p>
+            <a:r>
+              <a:rPr lang="en-GB" dirty="0" smtClean="0"/>
+              <a:t>To convert a UK phone number to an international number (that you could call from any country), you should :-</a:t>
+            </a:r>
+          </a:p>
+          <a:p>
+            <a:r>
+              <a:rPr lang="en-GB" dirty="0"/>
+              <a:t>	</a:t>
+            </a:r>
+            <a:r>
+              <a:rPr lang="en-GB" dirty="0" smtClean="0"/>
+              <a:t>1.) Remove the 0 from the front of it.</a:t>
+            </a:r>
+          </a:p>
+          <a:p>
+            <a:r>
+              <a:rPr lang="en-GB" dirty="0"/>
+              <a:t>	</a:t>
+            </a:r>
+            <a:r>
+              <a:rPr lang="en-GB" dirty="0" smtClean="0"/>
+              <a:t>2.) Add the country code +44 to the front of it.</a:t>
+            </a:r>
+          </a:p>
+          <a:p>
+            <a:endParaRPr lang="en-GB" dirty="0"/>
+          </a:p>
+          <a:p>
+            <a:r>
+              <a:rPr lang="en-GB" dirty="0" smtClean="0"/>
+              <a:t>To convert a US phone number to an international number.</a:t>
+            </a:r>
+          </a:p>
+          <a:p>
+            <a:r>
+              <a:rPr lang="en-GB" dirty="0"/>
+              <a:t>	</a:t>
+            </a:r>
+            <a:r>
+              <a:rPr lang="en-GB" dirty="0" smtClean="0"/>
+              <a:t>1.) Add the country code +1 to the front of it.</a:t>
+            </a:r>
+          </a:p>
+          <a:p>
+            <a:endParaRPr lang="en-GB" dirty="0"/>
+          </a:p>
+          <a:p>
+            <a:r>
+              <a:rPr lang="en-GB" dirty="0" smtClean="0"/>
+              <a:t>To convert a German phone to an international number, you should :-</a:t>
+            </a:r>
+          </a:p>
+          <a:p>
+            <a:r>
+              <a:rPr lang="en-GB" dirty="0"/>
+              <a:t>	</a:t>
+            </a:r>
+            <a:r>
+              <a:rPr lang="en-GB" dirty="0" smtClean="0"/>
+              <a:t>1.) Remove any number of 0's that are at the front of it.</a:t>
+            </a:r>
+          </a:p>
+          <a:p>
+            <a:r>
+              <a:rPr lang="en-GB" dirty="0"/>
+              <a:t>	</a:t>
+            </a:r>
+            <a:r>
+              <a:rPr lang="en-GB" dirty="0" smtClean="0"/>
+              <a:t>2.) Add the country code +49 to the front of it.</a:t>
+            </a:r>
+            <a:endParaRPr lang="en-GB" dirty="0"/>
+          </a:p>
+        </p:txBody>
+      </p:sp>
+    </p:spTree>
+    <p:extLst>
+      <p:ext uri="{BB962C8B-B14F-4D97-AF65-F5344CB8AC3E}">
+        <p14:creationId xmlns:p14="http://schemas.microsoft.com/office/powerpoint/2010/main" val="1216164893"/>
+      </p:ext>
+    </p:extLst>
+  </p:cSld>
+  <p:clrMapOvr>
+    <a:masterClrMapping/>
+  </p:clrMapOvr>
+</p:sld>
+</file>
+
 <file path=ppt/slides/slide3.xml><?xml version="1.0" encoding="utf-8"?>
 <p:sld xmlns:a="http://schemas.openxmlformats.org/drawingml/2006/main" xmlns:r="http://schemas.openxmlformats.org/officeDocument/2006/relationships" xmlns:p="http://schemas.openxmlformats.org/presentationml/2006/main">
   <p:cSld>
@@ -9238,6 +14496,1577 @@
     <p:extLst>
       <p:ext uri="{BB962C8B-B14F-4D97-AF65-F5344CB8AC3E}">
         <p14:creationId xmlns:p14="http://schemas.microsoft.com/office/powerpoint/2010/main" val="628403396"/>
+      </p:ext>
+    </p:extLst>
+  </p:cSld>
+  <p:clrMapOvr>
+    <a:masterClrMapping/>
+  </p:clrMapOvr>
+</p:sld>
+</file>
+
+<file path=ppt/slides/slide30.xml><?xml version="1.0" encoding="utf-8"?>
+<p:sld xmlns:a="http://schemas.openxmlformats.org/drawingml/2006/main" xmlns:r="http://schemas.openxmlformats.org/officeDocument/2006/relationships" xmlns:p="http://schemas.openxmlformats.org/presentationml/2006/main">
+  <p:cSld>
+    <p:spTree>
+      <p:nvGrpSpPr>
+        <p:cNvPr id="1" name=""/>
+        <p:cNvGrpSpPr/>
+        <p:nvPr/>
+      </p:nvGrpSpPr>
+      <p:grpSpPr>
+        <a:xfrm>
+          <a:off x="0" y="0"/>
+          <a:ext cx="0" cy="0"/>
+          <a:chOff x="0" y="0"/>
+          <a:chExt cx="0" cy="0"/>
+        </a:xfrm>
+      </p:grpSpPr>
+      <p:sp>
+        <p:nvSpPr>
+          <p:cNvPr id="2" name="Title 1"/>
+          <p:cNvSpPr>
+            <a:spLocks noGrp="1"/>
+          </p:cNvSpPr>
+          <p:nvPr>
+            <p:ph type="title"/>
+          </p:nvPr>
+        </p:nvSpPr>
+        <p:spPr/>
+        <p:txBody>
+          <a:bodyPr/>
+          <a:lstStyle/>
+          <a:p>
+            <a:r>
+              <a:rPr lang="en-GB" dirty="0" smtClean="0"/>
+              <a:t>Homework 5 (part 2)</a:t>
+            </a:r>
+            <a:endParaRPr lang="en-GB" dirty="0"/>
+          </a:p>
+        </p:txBody>
+      </p:sp>
+      <p:sp>
+        <p:nvSpPr>
+          <p:cNvPr id="4" name="TextBox 3"/>
+          <p:cNvSpPr txBox="1"/>
+          <p:nvPr/>
+        </p:nvSpPr>
+        <p:spPr>
+          <a:xfrm>
+            <a:off x="906162" y="1853248"/>
+            <a:ext cx="10099590" cy="923330"/>
+          </a:xfrm>
+          <a:prstGeom prst="rect">
+            <a:avLst/>
+          </a:prstGeom>
+          <a:noFill/>
+        </p:spPr>
+        <p:txBody>
+          <a:bodyPr wrap="square" rtlCol="0">
+            <a:spAutoFit/>
+          </a:bodyPr>
+          <a:lstStyle/>
+          <a:p>
+            <a:r>
+              <a:rPr lang="en-GB" dirty="0" smtClean="0"/>
+              <a:t>Complete the three functions below, so the rules indicated in the previous example are followed.</a:t>
+            </a:r>
+          </a:p>
+          <a:p>
+            <a:endParaRPr lang="en-GB" dirty="0"/>
+          </a:p>
+        </p:txBody>
+      </p:sp>
+      <p:sp>
+        <p:nvSpPr>
+          <p:cNvPr id="3" name="Rectangle 2"/>
+          <p:cNvSpPr/>
+          <p:nvPr/>
+        </p:nvSpPr>
+        <p:spPr>
+          <a:xfrm>
+            <a:off x="906162" y="2776578"/>
+            <a:ext cx="6096000" cy="3231654"/>
+          </a:xfrm>
+          <a:prstGeom prst="rect">
+            <a:avLst/>
+          </a:prstGeom>
+        </p:spPr>
+        <p:txBody>
+          <a:bodyPr>
+            <a:spAutoFit/>
+          </a:bodyPr>
+          <a:lstStyle/>
+          <a:p>
+            <a:r>
+              <a:rPr lang="en-GB" sz="1200" dirty="0">
+                <a:latin typeface="Courier New" panose="02070309020205020404" pitchFamily="49" charset="0"/>
+                <a:cs typeface="Courier New" panose="02070309020205020404" pitchFamily="49" charset="0"/>
+              </a:rPr>
+              <a:t># Week7, Homework5</a:t>
+            </a:r>
+          </a:p>
+          <a:p>
+            <a:endParaRPr lang="en-GB" sz="1200" dirty="0">
+              <a:latin typeface="Courier New" panose="02070309020205020404" pitchFamily="49" charset="0"/>
+              <a:cs typeface="Courier New" panose="02070309020205020404" pitchFamily="49" charset="0"/>
+            </a:endParaRPr>
+          </a:p>
+          <a:p>
+            <a:r>
+              <a:rPr lang="en-GB" sz="1200" dirty="0" err="1">
+                <a:latin typeface="Courier New" panose="02070309020205020404" pitchFamily="49" charset="0"/>
+                <a:cs typeface="Courier New" panose="02070309020205020404" pitchFamily="49" charset="0"/>
+              </a:rPr>
+              <a:t>def</a:t>
+            </a:r>
+            <a:r>
+              <a:rPr lang="en-GB" sz="1200" dirty="0">
+                <a:latin typeface="Courier New" panose="02070309020205020404" pitchFamily="49" charset="0"/>
+                <a:cs typeface="Courier New" panose="02070309020205020404" pitchFamily="49" charset="0"/>
+              </a:rPr>
+              <a:t> </a:t>
+            </a:r>
+            <a:r>
+              <a:rPr lang="en-GB" sz="1200" dirty="0" err="1">
+                <a:latin typeface="Courier New" panose="02070309020205020404" pitchFamily="49" charset="0"/>
+                <a:cs typeface="Courier New" panose="02070309020205020404" pitchFamily="49" charset="0"/>
+              </a:rPr>
+              <a:t>uk_to_int</a:t>
+            </a:r>
+            <a:r>
+              <a:rPr lang="en-GB" sz="1200" dirty="0">
+                <a:latin typeface="Courier New" panose="02070309020205020404" pitchFamily="49" charset="0"/>
+                <a:cs typeface="Courier New" panose="02070309020205020404" pitchFamily="49" charset="0"/>
+              </a:rPr>
+              <a:t>(number):</a:t>
+            </a:r>
+          </a:p>
+          <a:p>
+            <a:r>
+              <a:rPr lang="en-GB" sz="1200" dirty="0">
+                <a:latin typeface="Courier New" panose="02070309020205020404" pitchFamily="49" charset="0"/>
+                <a:cs typeface="Courier New" panose="02070309020205020404" pitchFamily="49" charset="0"/>
+              </a:rPr>
+              <a:t>    pass</a:t>
+            </a:r>
+          </a:p>
+          <a:p>
+            <a:endParaRPr lang="en-GB" sz="1200" dirty="0">
+              <a:latin typeface="Courier New" panose="02070309020205020404" pitchFamily="49" charset="0"/>
+              <a:cs typeface="Courier New" panose="02070309020205020404" pitchFamily="49" charset="0"/>
+            </a:endParaRPr>
+          </a:p>
+          <a:p>
+            <a:r>
+              <a:rPr lang="en-GB" sz="1200" dirty="0" err="1">
+                <a:latin typeface="Courier New" panose="02070309020205020404" pitchFamily="49" charset="0"/>
+                <a:cs typeface="Courier New" panose="02070309020205020404" pitchFamily="49" charset="0"/>
+              </a:rPr>
+              <a:t>def</a:t>
+            </a:r>
+            <a:r>
+              <a:rPr lang="en-GB" sz="1200" dirty="0">
+                <a:latin typeface="Courier New" panose="02070309020205020404" pitchFamily="49" charset="0"/>
+                <a:cs typeface="Courier New" panose="02070309020205020404" pitchFamily="49" charset="0"/>
+              </a:rPr>
+              <a:t> </a:t>
+            </a:r>
+            <a:r>
+              <a:rPr lang="en-GB" sz="1200" dirty="0" err="1">
+                <a:latin typeface="Courier New" panose="02070309020205020404" pitchFamily="49" charset="0"/>
+                <a:cs typeface="Courier New" panose="02070309020205020404" pitchFamily="49" charset="0"/>
+              </a:rPr>
+              <a:t>us_to_int</a:t>
+            </a:r>
+            <a:r>
+              <a:rPr lang="en-GB" sz="1200" dirty="0">
+                <a:latin typeface="Courier New" panose="02070309020205020404" pitchFamily="49" charset="0"/>
+                <a:cs typeface="Courier New" panose="02070309020205020404" pitchFamily="49" charset="0"/>
+              </a:rPr>
+              <a:t>(number):</a:t>
+            </a:r>
+          </a:p>
+          <a:p>
+            <a:r>
+              <a:rPr lang="en-GB" sz="1200" dirty="0">
+                <a:latin typeface="Courier New" panose="02070309020205020404" pitchFamily="49" charset="0"/>
+                <a:cs typeface="Courier New" panose="02070309020205020404" pitchFamily="49" charset="0"/>
+              </a:rPr>
+              <a:t>    pass</a:t>
+            </a:r>
+          </a:p>
+          <a:p>
+            <a:endParaRPr lang="en-GB" sz="1200" dirty="0">
+              <a:latin typeface="Courier New" panose="02070309020205020404" pitchFamily="49" charset="0"/>
+              <a:cs typeface="Courier New" panose="02070309020205020404" pitchFamily="49" charset="0"/>
+            </a:endParaRPr>
+          </a:p>
+          <a:p>
+            <a:r>
+              <a:rPr lang="en-GB" sz="1200" dirty="0" err="1">
+                <a:latin typeface="Courier New" panose="02070309020205020404" pitchFamily="49" charset="0"/>
+                <a:cs typeface="Courier New" panose="02070309020205020404" pitchFamily="49" charset="0"/>
+              </a:rPr>
+              <a:t>def</a:t>
+            </a:r>
+            <a:r>
+              <a:rPr lang="en-GB" sz="1200" dirty="0">
+                <a:latin typeface="Courier New" panose="02070309020205020404" pitchFamily="49" charset="0"/>
+                <a:cs typeface="Courier New" panose="02070309020205020404" pitchFamily="49" charset="0"/>
+              </a:rPr>
+              <a:t> </a:t>
+            </a:r>
+            <a:r>
+              <a:rPr lang="en-GB" sz="1200" dirty="0" err="1">
+                <a:latin typeface="Courier New" panose="02070309020205020404" pitchFamily="49" charset="0"/>
+                <a:cs typeface="Courier New" panose="02070309020205020404" pitchFamily="49" charset="0"/>
+              </a:rPr>
+              <a:t>de_to_int</a:t>
+            </a:r>
+            <a:r>
+              <a:rPr lang="en-GB" sz="1200" dirty="0">
+                <a:latin typeface="Courier New" panose="02070309020205020404" pitchFamily="49" charset="0"/>
+                <a:cs typeface="Courier New" panose="02070309020205020404" pitchFamily="49" charset="0"/>
+              </a:rPr>
+              <a:t>(number):</a:t>
+            </a:r>
+          </a:p>
+          <a:p>
+            <a:r>
+              <a:rPr lang="en-GB" sz="1200" dirty="0">
+                <a:latin typeface="Courier New" panose="02070309020205020404" pitchFamily="49" charset="0"/>
+                <a:cs typeface="Courier New" panose="02070309020205020404" pitchFamily="49" charset="0"/>
+              </a:rPr>
+              <a:t>    pass</a:t>
+            </a:r>
+          </a:p>
+          <a:p>
+            <a:endParaRPr lang="en-GB" sz="1200" dirty="0">
+              <a:latin typeface="Courier New" panose="02070309020205020404" pitchFamily="49" charset="0"/>
+              <a:cs typeface="Courier New" panose="02070309020205020404" pitchFamily="49" charset="0"/>
+            </a:endParaRPr>
+          </a:p>
+          <a:p>
+            <a:r>
+              <a:rPr lang="en-GB" sz="1200" dirty="0">
+                <a:latin typeface="Courier New" panose="02070309020205020404" pitchFamily="49" charset="0"/>
+                <a:cs typeface="Courier New" panose="02070309020205020404" pitchFamily="49" charset="0"/>
+              </a:rPr>
+              <a:t>print(</a:t>
+            </a:r>
+            <a:r>
+              <a:rPr lang="en-GB" sz="1200" dirty="0" err="1">
+                <a:latin typeface="Courier New" panose="02070309020205020404" pitchFamily="49" charset="0"/>
+                <a:cs typeface="Courier New" panose="02070309020205020404" pitchFamily="49" charset="0"/>
+              </a:rPr>
+              <a:t>uk_to_int</a:t>
+            </a:r>
+            <a:r>
+              <a:rPr lang="en-GB" sz="1200" dirty="0">
+                <a:latin typeface="Courier New" panose="02070309020205020404" pitchFamily="49" charset="0"/>
+                <a:cs typeface="Courier New" panose="02070309020205020404" pitchFamily="49" charset="0"/>
+              </a:rPr>
+              <a:t>("0123456789"))</a:t>
+            </a:r>
+          </a:p>
+          <a:p>
+            <a:r>
+              <a:rPr lang="en-GB" sz="1200" dirty="0">
+                <a:latin typeface="Courier New" panose="02070309020205020404" pitchFamily="49" charset="0"/>
+                <a:cs typeface="Courier New" panose="02070309020205020404" pitchFamily="49" charset="0"/>
+              </a:rPr>
+              <a:t>print(</a:t>
+            </a:r>
+            <a:r>
+              <a:rPr lang="en-GB" sz="1200" dirty="0" err="1">
+                <a:latin typeface="Courier New" panose="02070309020205020404" pitchFamily="49" charset="0"/>
+                <a:cs typeface="Courier New" panose="02070309020205020404" pitchFamily="49" charset="0"/>
+              </a:rPr>
+              <a:t>uk_to_int</a:t>
+            </a:r>
+            <a:r>
+              <a:rPr lang="en-GB" sz="1200" dirty="0">
+                <a:latin typeface="Courier New" panose="02070309020205020404" pitchFamily="49" charset="0"/>
+                <a:cs typeface="Courier New" panose="02070309020205020404" pitchFamily="49" charset="0"/>
+              </a:rPr>
+              <a:t>("0717171717"))</a:t>
+            </a:r>
+          </a:p>
+          <a:p>
+            <a:r>
+              <a:rPr lang="en-GB" sz="1200" dirty="0">
+                <a:latin typeface="Courier New" panose="02070309020205020404" pitchFamily="49" charset="0"/>
+                <a:cs typeface="Courier New" panose="02070309020205020404" pitchFamily="49" charset="0"/>
+              </a:rPr>
+              <a:t>print(</a:t>
+            </a:r>
+            <a:r>
+              <a:rPr lang="en-GB" sz="1200" dirty="0" err="1">
+                <a:latin typeface="Courier New" panose="02070309020205020404" pitchFamily="49" charset="0"/>
+                <a:cs typeface="Courier New" panose="02070309020205020404" pitchFamily="49" charset="0"/>
+              </a:rPr>
+              <a:t>us_to_int</a:t>
+            </a:r>
+            <a:r>
+              <a:rPr lang="en-GB" sz="1200" dirty="0">
+                <a:latin typeface="Courier New" panose="02070309020205020404" pitchFamily="49" charset="0"/>
+                <a:cs typeface="Courier New" panose="02070309020205020404" pitchFamily="49" charset="0"/>
+              </a:rPr>
+              <a:t>("5551112345"))</a:t>
+            </a:r>
+          </a:p>
+          <a:p>
+            <a:r>
+              <a:rPr lang="en-GB" sz="1200" dirty="0">
+                <a:latin typeface="Courier New" panose="02070309020205020404" pitchFamily="49" charset="0"/>
+                <a:cs typeface="Courier New" panose="02070309020205020404" pitchFamily="49" charset="0"/>
+              </a:rPr>
+              <a:t>print(</a:t>
+            </a:r>
+            <a:r>
+              <a:rPr lang="en-GB" sz="1200" dirty="0" err="1">
+                <a:latin typeface="Courier New" panose="02070309020205020404" pitchFamily="49" charset="0"/>
+                <a:cs typeface="Courier New" panose="02070309020205020404" pitchFamily="49" charset="0"/>
+              </a:rPr>
+              <a:t>us_to_int</a:t>
+            </a:r>
+            <a:r>
+              <a:rPr lang="en-GB" sz="1200" dirty="0">
+                <a:latin typeface="Courier New" panose="02070309020205020404" pitchFamily="49" charset="0"/>
+                <a:cs typeface="Courier New" panose="02070309020205020404" pitchFamily="49" charset="0"/>
+              </a:rPr>
+              <a:t>("5559876543"))</a:t>
+            </a:r>
+          </a:p>
+          <a:p>
+            <a:r>
+              <a:rPr lang="en-GB" sz="1200" dirty="0">
+                <a:latin typeface="Courier New" panose="02070309020205020404" pitchFamily="49" charset="0"/>
+                <a:cs typeface="Courier New" panose="02070309020205020404" pitchFamily="49" charset="0"/>
+              </a:rPr>
+              <a:t>print(</a:t>
+            </a:r>
+            <a:r>
+              <a:rPr lang="en-GB" sz="1200" dirty="0" err="1">
+                <a:latin typeface="Courier New" panose="02070309020205020404" pitchFamily="49" charset="0"/>
+                <a:cs typeface="Courier New" panose="02070309020205020404" pitchFamily="49" charset="0"/>
+              </a:rPr>
+              <a:t>de_to_int</a:t>
+            </a:r>
+            <a:r>
+              <a:rPr lang="en-GB" sz="1200" dirty="0">
+                <a:latin typeface="Courier New" panose="02070309020205020404" pitchFamily="49" charset="0"/>
+                <a:cs typeface="Courier New" panose="02070309020205020404" pitchFamily="49" charset="0"/>
+              </a:rPr>
+              <a:t>("0123456789"))</a:t>
+            </a:r>
+          </a:p>
+          <a:p>
+            <a:r>
+              <a:rPr lang="en-GB" sz="1200" dirty="0">
+                <a:latin typeface="Courier New" panose="02070309020205020404" pitchFamily="49" charset="0"/>
+                <a:cs typeface="Courier New" panose="02070309020205020404" pitchFamily="49" charset="0"/>
+              </a:rPr>
+              <a:t>print(</a:t>
+            </a:r>
+            <a:r>
+              <a:rPr lang="en-GB" sz="1200" dirty="0" err="1">
+                <a:latin typeface="Courier New" panose="02070309020205020404" pitchFamily="49" charset="0"/>
+                <a:cs typeface="Courier New" panose="02070309020205020404" pitchFamily="49" charset="0"/>
+              </a:rPr>
+              <a:t>de_to_int</a:t>
+            </a:r>
+            <a:r>
+              <a:rPr lang="en-GB" sz="1200" dirty="0">
+                <a:latin typeface="Courier New" panose="02070309020205020404" pitchFamily="49" charset="0"/>
+                <a:cs typeface="Courier New" panose="02070309020205020404" pitchFamily="49" charset="0"/>
+              </a:rPr>
+              <a:t>("0009876543"))</a:t>
+            </a:r>
+          </a:p>
+        </p:txBody>
+      </p:sp>
+      <p:sp>
+        <p:nvSpPr>
+          <p:cNvPr id="5" name="Rectangle 4"/>
+          <p:cNvSpPr/>
+          <p:nvPr/>
+        </p:nvSpPr>
+        <p:spPr>
+          <a:xfrm>
+            <a:off x="5263978" y="2767668"/>
+            <a:ext cx="6096000" cy="1446550"/>
+          </a:xfrm>
+          <a:prstGeom prst="rect">
+            <a:avLst/>
+          </a:prstGeom>
+        </p:spPr>
+        <p:txBody>
+          <a:bodyPr>
+            <a:spAutoFit/>
+          </a:bodyPr>
+          <a:lstStyle/>
+          <a:p>
+            <a:r>
+              <a:rPr lang="en-GB" sz="1100" dirty="0" smtClean="0">
+                <a:latin typeface="Courier New" panose="02070309020205020404" pitchFamily="49" charset="0"/>
+                <a:cs typeface="Courier New" panose="02070309020205020404" pitchFamily="49" charset="0"/>
+              </a:rPr>
+              <a:t># Expected Output</a:t>
+            </a:r>
+          </a:p>
+          <a:p>
+            <a:endParaRPr lang="en-GB" sz="1100" dirty="0">
+              <a:latin typeface="Courier New" panose="02070309020205020404" pitchFamily="49" charset="0"/>
+              <a:cs typeface="Courier New" panose="02070309020205020404" pitchFamily="49" charset="0"/>
+            </a:endParaRPr>
+          </a:p>
+          <a:p>
+            <a:r>
+              <a:rPr lang="en-GB" sz="1100" dirty="0">
+                <a:latin typeface="Courier New" panose="02070309020205020404" pitchFamily="49" charset="0"/>
+                <a:cs typeface="Courier New" panose="02070309020205020404" pitchFamily="49" charset="0"/>
+              </a:rPr>
+              <a:t>+44123456789</a:t>
+            </a:r>
+          </a:p>
+          <a:p>
+            <a:r>
+              <a:rPr lang="en-GB" sz="1100" dirty="0">
+                <a:latin typeface="Courier New" panose="02070309020205020404" pitchFamily="49" charset="0"/>
+                <a:cs typeface="Courier New" panose="02070309020205020404" pitchFamily="49" charset="0"/>
+              </a:rPr>
+              <a:t>+44717171717</a:t>
+            </a:r>
+          </a:p>
+          <a:p>
+            <a:r>
+              <a:rPr lang="en-GB" sz="1100" dirty="0">
+                <a:latin typeface="Courier New" panose="02070309020205020404" pitchFamily="49" charset="0"/>
+                <a:cs typeface="Courier New" panose="02070309020205020404" pitchFamily="49" charset="0"/>
+              </a:rPr>
+              <a:t>+15551112345</a:t>
+            </a:r>
+          </a:p>
+          <a:p>
+            <a:r>
+              <a:rPr lang="en-GB" sz="1100" dirty="0">
+                <a:latin typeface="Courier New" panose="02070309020205020404" pitchFamily="49" charset="0"/>
+                <a:cs typeface="Courier New" panose="02070309020205020404" pitchFamily="49" charset="0"/>
+              </a:rPr>
+              <a:t>+15559876543</a:t>
+            </a:r>
+          </a:p>
+          <a:p>
+            <a:r>
+              <a:rPr lang="en-GB" sz="1100" dirty="0">
+                <a:latin typeface="Courier New" panose="02070309020205020404" pitchFamily="49" charset="0"/>
+                <a:cs typeface="Courier New" panose="02070309020205020404" pitchFamily="49" charset="0"/>
+              </a:rPr>
+              <a:t>+44123456789</a:t>
+            </a:r>
+          </a:p>
+          <a:p>
+            <a:r>
+              <a:rPr lang="en-GB" sz="1100" dirty="0">
+                <a:latin typeface="Courier New" panose="02070309020205020404" pitchFamily="49" charset="0"/>
+                <a:cs typeface="Courier New" panose="02070309020205020404" pitchFamily="49" charset="0"/>
+              </a:rPr>
+              <a:t>+449876543</a:t>
+            </a:r>
+          </a:p>
+        </p:txBody>
+      </p:sp>
+    </p:spTree>
+    <p:extLst>
+      <p:ext uri="{BB962C8B-B14F-4D97-AF65-F5344CB8AC3E}">
+        <p14:creationId xmlns:p14="http://schemas.microsoft.com/office/powerpoint/2010/main" val="3487239910"/>
+      </p:ext>
+    </p:extLst>
+  </p:cSld>
+  <p:clrMapOvr>
+    <a:masterClrMapping/>
+  </p:clrMapOvr>
+</p:sld>
+</file>
+
+<file path=ppt/slides/slide31.xml><?xml version="1.0" encoding="utf-8"?>
+<p:sld xmlns:a="http://schemas.openxmlformats.org/drawingml/2006/main" xmlns:r="http://schemas.openxmlformats.org/officeDocument/2006/relationships" xmlns:p="http://schemas.openxmlformats.org/presentationml/2006/main">
+  <p:cSld>
+    <p:spTree>
+      <p:nvGrpSpPr>
+        <p:cNvPr id="1" name=""/>
+        <p:cNvGrpSpPr/>
+        <p:nvPr/>
+      </p:nvGrpSpPr>
+      <p:grpSpPr>
+        <a:xfrm>
+          <a:off x="0" y="0"/>
+          <a:ext cx="0" cy="0"/>
+          <a:chOff x="0" y="0"/>
+          <a:chExt cx="0" cy="0"/>
+        </a:xfrm>
+      </p:grpSpPr>
+      <p:sp>
+        <p:nvSpPr>
+          <p:cNvPr id="2" name="Title 1"/>
+          <p:cNvSpPr>
+            <a:spLocks noGrp="1"/>
+          </p:cNvSpPr>
+          <p:nvPr>
+            <p:ph type="title"/>
+          </p:nvPr>
+        </p:nvSpPr>
+        <p:spPr/>
+        <p:txBody>
+          <a:bodyPr/>
+          <a:lstStyle/>
+          <a:p>
+            <a:r>
+              <a:rPr lang="en-GB" dirty="0" smtClean="0"/>
+              <a:t>Bonus Section !</a:t>
+            </a:r>
+            <a:endParaRPr lang="en-GB" dirty="0"/>
+          </a:p>
+        </p:txBody>
+      </p:sp>
+      <p:sp>
+        <p:nvSpPr>
+          <p:cNvPr id="6" name="Rectangle 5"/>
+          <p:cNvSpPr/>
+          <p:nvPr/>
+        </p:nvSpPr>
+        <p:spPr>
+          <a:xfrm>
+            <a:off x="906162" y="2425169"/>
+            <a:ext cx="4662616" cy="3785652"/>
+          </a:xfrm>
+          <a:prstGeom prst="rect">
+            <a:avLst/>
+          </a:prstGeom>
+        </p:spPr>
+        <p:txBody>
+          <a:bodyPr wrap="square">
+            <a:spAutoFit/>
+          </a:bodyPr>
+          <a:lstStyle/>
+          <a:p>
+            <a:r>
+              <a:rPr lang="en-GB" sz="1200" dirty="0">
+                <a:latin typeface="Courier New" panose="02070309020205020404" pitchFamily="49" charset="0"/>
+                <a:cs typeface="Courier New" panose="02070309020205020404" pitchFamily="49" charset="0"/>
+              </a:rPr>
+              <a:t># Week7, </a:t>
+            </a:r>
+            <a:r>
+              <a:rPr lang="en-GB" sz="1200" dirty="0" smtClean="0">
+                <a:latin typeface="Courier New" panose="02070309020205020404" pitchFamily="49" charset="0"/>
+                <a:cs typeface="Courier New" panose="02070309020205020404" pitchFamily="49" charset="0"/>
+              </a:rPr>
+              <a:t>Homework5 (Dave's first answer).</a:t>
+            </a:r>
+            <a:endParaRPr lang="en-GB" sz="1200" dirty="0">
+              <a:latin typeface="Courier New" panose="02070309020205020404" pitchFamily="49" charset="0"/>
+              <a:cs typeface="Courier New" panose="02070309020205020404" pitchFamily="49" charset="0"/>
+            </a:endParaRPr>
+          </a:p>
+          <a:p>
+            <a:endParaRPr lang="en-GB" sz="1200" dirty="0">
+              <a:latin typeface="Courier New" panose="02070309020205020404" pitchFamily="49" charset="0"/>
+              <a:cs typeface="Courier New" panose="02070309020205020404" pitchFamily="49" charset="0"/>
+            </a:endParaRPr>
+          </a:p>
+          <a:p>
+            <a:r>
+              <a:rPr lang="en-GB" sz="1200" dirty="0" err="1">
+                <a:latin typeface="Courier New" panose="02070309020205020404" pitchFamily="49" charset="0"/>
+                <a:cs typeface="Courier New" panose="02070309020205020404" pitchFamily="49" charset="0"/>
+              </a:rPr>
+              <a:t>def</a:t>
+            </a:r>
+            <a:r>
+              <a:rPr lang="en-GB" sz="1200" dirty="0">
+                <a:latin typeface="Courier New" panose="02070309020205020404" pitchFamily="49" charset="0"/>
+                <a:cs typeface="Courier New" panose="02070309020205020404" pitchFamily="49" charset="0"/>
+              </a:rPr>
+              <a:t> </a:t>
+            </a:r>
+            <a:r>
+              <a:rPr lang="en-GB" sz="1200" dirty="0" err="1">
+                <a:latin typeface="Courier New" panose="02070309020205020404" pitchFamily="49" charset="0"/>
+                <a:cs typeface="Courier New" panose="02070309020205020404" pitchFamily="49" charset="0"/>
+              </a:rPr>
+              <a:t>uk_to_int</a:t>
+            </a:r>
+            <a:r>
+              <a:rPr lang="en-GB" sz="1200" dirty="0">
+                <a:latin typeface="Courier New" panose="02070309020205020404" pitchFamily="49" charset="0"/>
+                <a:cs typeface="Courier New" panose="02070309020205020404" pitchFamily="49" charset="0"/>
+              </a:rPr>
+              <a:t>(number):</a:t>
+            </a:r>
+          </a:p>
+          <a:p>
+            <a:r>
+              <a:rPr lang="en-GB" sz="1200" dirty="0">
+                <a:latin typeface="Courier New" panose="02070309020205020404" pitchFamily="49" charset="0"/>
+                <a:cs typeface="Courier New" panose="02070309020205020404" pitchFamily="49" charset="0"/>
+              </a:rPr>
+              <a:t>    # Remove the leading 0's.</a:t>
+            </a:r>
+          </a:p>
+          <a:p>
+            <a:r>
+              <a:rPr lang="en-GB" sz="1200" dirty="0">
+                <a:latin typeface="Courier New" panose="02070309020205020404" pitchFamily="49" charset="0"/>
+                <a:cs typeface="Courier New" panose="02070309020205020404" pitchFamily="49" charset="0"/>
+              </a:rPr>
+              <a:t>    </a:t>
+            </a:r>
+            <a:r>
+              <a:rPr lang="en-GB" sz="1200" dirty="0" err="1">
+                <a:latin typeface="Courier New" panose="02070309020205020404" pitchFamily="49" charset="0"/>
+                <a:cs typeface="Courier New" panose="02070309020205020404" pitchFamily="49" charset="0"/>
+              </a:rPr>
+              <a:t>stripped_string</a:t>
+            </a:r>
+            <a:r>
+              <a:rPr lang="en-GB" sz="1200" dirty="0">
+                <a:latin typeface="Courier New" panose="02070309020205020404" pitchFamily="49" charset="0"/>
+                <a:cs typeface="Courier New" panose="02070309020205020404" pitchFamily="49" charset="0"/>
+              </a:rPr>
+              <a:t> = </a:t>
+            </a:r>
+            <a:r>
+              <a:rPr lang="en-GB" sz="1200" dirty="0" err="1">
+                <a:latin typeface="Courier New" panose="02070309020205020404" pitchFamily="49" charset="0"/>
+                <a:cs typeface="Courier New" panose="02070309020205020404" pitchFamily="49" charset="0"/>
+              </a:rPr>
+              <a:t>number.lstrip</a:t>
+            </a:r>
+            <a:r>
+              <a:rPr lang="en-GB" sz="1200" dirty="0">
+                <a:latin typeface="Courier New" panose="02070309020205020404" pitchFamily="49" charset="0"/>
+                <a:cs typeface="Courier New" panose="02070309020205020404" pitchFamily="49" charset="0"/>
+              </a:rPr>
+              <a:t>("0")</a:t>
+            </a:r>
+          </a:p>
+          <a:p>
+            <a:r>
+              <a:rPr lang="en-GB" sz="1200" dirty="0">
+                <a:latin typeface="Courier New" panose="02070309020205020404" pitchFamily="49" charset="0"/>
+                <a:cs typeface="Courier New" panose="02070309020205020404" pitchFamily="49" charset="0"/>
+              </a:rPr>
+              <a:t>    return "+44" + </a:t>
+            </a:r>
+            <a:r>
+              <a:rPr lang="en-GB" sz="1200" dirty="0" err="1">
+                <a:latin typeface="Courier New" panose="02070309020205020404" pitchFamily="49" charset="0"/>
+                <a:cs typeface="Courier New" panose="02070309020205020404" pitchFamily="49" charset="0"/>
+              </a:rPr>
+              <a:t>stripped_string</a:t>
+            </a:r>
+            <a:endParaRPr lang="en-GB" sz="1200" dirty="0">
+              <a:latin typeface="Courier New" panose="02070309020205020404" pitchFamily="49" charset="0"/>
+              <a:cs typeface="Courier New" panose="02070309020205020404" pitchFamily="49" charset="0"/>
+            </a:endParaRPr>
+          </a:p>
+          <a:p>
+            <a:endParaRPr lang="en-GB" sz="1200" dirty="0">
+              <a:latin typeface="Courier New" panose="02070309020205020404" pitchFamily="49" charset="0"/>
+              <a:cs typeface="Courier New" panose="02070309020205020404" pitchFamily="49" charset="0"/>
+            </a:endParaRPr>
+          </a:p>
+          <a:p>
+            <a:r>
+              <a:rPr lang="en-GB" sz="1200" dirty="0" err="1">
+                <a:latin typeface="Courier New" panose="02070309020205020404" pitchFamily="49" charset="0"/>
+                <a:cs typeface="Courier New" panose="02070309020205020404" pitchFamily="49" charset="0"/>
+              </a:rPr>
+              <a:t>def</a:t>
+            </a:r>
+            <a:r>
+              <a:rPr lang="en-GB" sz="1200" dirty="0">
+                <a:latin typeface="Courier New" panose="02070309020205020404" pitchFamily="49" charset="0"/>
+                <a:cs typeface="Courier New" panose="02070309020205020404" pitchFamily="49" charset="0"/>
+              </a:rPr>
+              <a:t> </a:t>
+            </a:r>
+            <a:r>
+              <a:rPr lang="en-GB" sz="1200" dirty="0" err="1">
+                <a:latin typeface="Courier New" panose="02070309020205020404" pitchFamily="49" charset="0"/>
+                <a:cs typeface="Courier New" panose="02070309020205020404" pitchFamily="49" charset="0"/>
+              </a:rPr>
+              <a:t>us_to_int</a:t>
+            </a:r>
+            <a:r>
+              <a:rPr lang="en-GB" sz="1200" dirty="0">
+                <a:latin typeface="Courier New" panose="02070309020205020404" pitchFamily="49" charset="0"/>
+                <a:cs typeface="Courier New" panose="02070309020205020404" pitchFamily="49" charset="0"/>
+              </a:rPr>
+              <a:t>(number):</a:t>
+            </a:r>
+          </a:p>
+          <a:p>
+            <a:r>
+              <a:rPr lang="en-GB" sz="1200" dirty="0">
+                <a:latin typeface="Courier New" panose="02070309020205020404" pitchFamily="49" charset="0"/>
+                <a:cs typeface="Courier New" panose="02070309020205020404" pitchFamily="49" charset="0"/>
+              </a:rPr>
+              <a:t>    return "+1" + number</a:t>
+            </a:r>
+          </a:p>
+          <a:p>
+            <a:endParaRPr lang="en-GB" sz="1200" dirty="0">
+              <a:latin typeface="Courier New" panose="02070309020205020404" pitchFamily="49" charset="0"/>
+              <a:cs typeface="Courier New" panose="02070309020205020404" pitchFamily="49" charset="0"/>
+            </a:endParaRPr>
+          </a:p>
+          <a:p>
+            <a:r>
+              <a:rPr lang="en-GB" sz="1200" dirty="0" err="1">
+                <a:latin typeface="Courier New" panose="02070309020205020404" pitchFamily="49" charset="0"/>
+                <a:cs typeface="Courier New" panose="02070309020205020404" pitchFamily="49" charset="0"/>
+              </a:rPr>
+              <a:t>def</a:t>
+            </a:r>
+            <a:r>
+              <a:rPr lang="en-GB" sz="1200" dirty="0">
+                <a:latin typeface="Courier New" panose="02070309020205020404" pitchFamily="49" charset="0"/>
+                <a:cs typeface="Courier New" panose="02070309020205020404" pitchFamily="49" charset="0"/>
+              </a:rPr>
+              <a:t> </a:t>
+            </a:r>
+            <a:r>
+              <a:rPr lang="en-GB" sz="1200" dirty="0" err="1">
+                <a:latin typeface="Courier New" panose="02070309020205020404" pitchFamily="49" charset="0"/>
+                <a:cs typeface="Courier New" panose="02070309020205020404" pitchFamily="49" charset="0"/>
+              </a:rPr>
+              <a:t>de_to_int</a:t>
+            </a:r>
+            <a:r>
+              <a:rPr lang="en-GB" sz="1200" dirty="0">
+                <a:latin typeface="Courier New" panose="02070309020205020404" pitchFamily="49" charset="0"/>
+                <a:cs typeface="Courier New" panose="02070309020205020404" pitchFamily="49" charset="0"/>
+              </a:rPr>
+              <a:t>(number):</a:t>
+            </a:r>
+          </a:p>
+          <a:p>
+            <a:r>
+              <a:rPr lang="en-GB" sz="1200" dirty="0">
+                <a:latin typeface="Courier New" panose="02070309020205020404" pitchFamily="49" charset="0"/>
+                <a:cs typeface="Courier New" panose="02070309020205020404" pitchFamily="49" charset="0"/>
+              </a:rPr>
+              <a:t>    </a:t>
+            </a:r>
+            <a:r>
+              <a:rPr lang="en-GB" sz="1200" dirty="0" err="1">
+                <a:latin typeface="Courier New" panose="02070309020205020404" pitchFamily="49" charset="0"/>
+                <a:cs typeface="Courier New" panose="02070309020205020404" pitchFamily="49" charset="0"/>
+              </a:rPr>
+              <a:t>stripped_string</a:t>
+            </a:r>
+            <a:r>
+              <a:rPr lang="en-GB" sz="1200" dirty="0">
+                <a:latin typeface="Courier New" panose="02070309020205020404" pitchFamily="49" charset="0"/>
+                <a:cs typeface="Courier New" panose="02070309020205020404" pitchFamily="49" charset="0"/>
+              </a:rPr>
+              <a:t> = </a:t>
+            </a:r>
+            <a:r>
+              <a:rPr lang="en-GB" sz="1200" dirty="0" err="1">
+                <a:latin typeface="Courier New" panose="02070309020205020404" pitchFamily="49" charset="0"/>
+                <a:cs typeface="Courier New" panose="02070309020205020404" pitchFamily="49" charset="0"/>
+              </a:rPr>
+              <a:t>number.lstrip</a:t>
+            </a:r>
+            <a:r>
+              <a:rPr lang="en-GB" sz="1200" dirty="0">
+                <a:latin typeface="Courier New" panose="02070309020205020404" pitchFamily="49" charset="0"/>
+                <a:cs typeface="Courier New" panose="02070309020205020404" pitchFamily="49" charset="0"/>
+              </a:rPr>
+              <a:t>("0")</a:t>
+            </a:r>
+          </a:p>
+          <a:p>
+            <a:r>
+              <a:rPr lang="en-GB" sz="1200" dirty="0">
+                <a:latin typeface="Courier New" panose="02070309020205020404" pitchFamily="49" charset="0"/>
+                <a:cs typeface="Courier New" panose="02070309020205020404" pitchFamily="49" charset="0"/>
+              </a:rPr>
+              <a:t>    return "+49" + </a:t>
+            </a:r>
+            <a:r>
+              <a:rPr lang="en-GB" sz="1200" dirty="0" err="1">
+                <a:latin typeface="Courier New" panose="02070309020205020404" pitchFamily="49" charset="0"/>
+                <a:cs typeface="Courier New" panose="02070309020205020404" pitchFamily="49" charset="0"/>
+              </a:rPr>
+              <a:t>stripped_string</a:t>
+            </a:r>
+            <a:endParaRPr lang="en-GB" sz="1200" dirty="0">
+              <a:latin typeface="Courier New" panose="02070309020205020404" pitchFamily="49" charset="0"/>
+              <a:cs typeface="Courier New" panose="02070309020205020404" pitchFamily="49" charset="0"/>
+            </a:endParaRPr>
+          </a:p>
+          <a:p>
+            <a:endParaRPr lang="en-GB" sz="1200" dirty="0">
+              <a:latin typeface="Courier New" panose="02070309020205020404" pitchFamily="49" charset="0"/>
+              <a:cs typeface="Courier New" panose="02070309020205020404" pitchFamily="49" charset="0"/>
+            </a:endParaRPr>
+          </a:p>
+          <a:p>
+            <a:r>
+              <a:rPr lang="en-GB" sz="1200" dirty="0">
+                <a:latin typeface="Courier New" panose="02070309020205020404" pitchFamily="49" charset="0"/>
+                <a:cs typeface="Courier New" panose="02070309020205020404" pitchFamily="49" charset="0"/>
+              </a:rPr>
+              <a:t>print(</a:t>
+            </a:r>
+            <a:r>
+              <a:rPr lang="en-GB" sz="1200" dirty="0" err="1">
+                <a:latin typeface="Courier New" panose="02070309020205020404" pitchFamily="49" charset="0"/>
+                <a:cs typeface="Courier New" panose="02070309020205020404" pitchFamily="49" charset="0"/>
+              </a:rPr>
+              <a:t>uk_to_int</a:t>
+            </a:r>
+            <a:r>
+              <a:rPr lang="en-GB" sz="1200" dirty="0">
+                <a:latin typeface="Courier New" panose="02070309020205020404" pitchFamily="49" charset="0"/>
+                <a:cs typeface="Courier New" panose="02070309020205020404" pitchFamily="49" charset="0"/>
+              </a:rPr>
+              <a:t>("0123456789"))</a:t>
+            </a:r>
+          </a:p>
+          <a:p>
+            <a:r>
+              <a:rPr lang="en-GB" sz="1200" dirty="0">
+                <a:latin typeface="Courier New" panose="02070309020205020404" pitchFamily="49" charset="0"/>
+                <a:cs typeface="Courier New" panose="02070309020205020404" pitchFamily="49" charset="0"/>
+              </a:rPr>
+              <a:t>print(</a:t>
+            </a:r>
+            <a:r>
+              <a:rPr lang="en-GB" sz="1200" dirty="0" err="1">
+                <a:latin typeface="Courier New" panose="02070309020205020404" pitchFamily="49" charset="0"/>
+                <a:cs typeface="Courier New" panose="02070309020205020404" pitchFamily="49" charset="0"/>
+              </a:rPr>
+              <a:t>uk_to_int</a:t>
+            </a:r>
+            <a:r>
+              <a:rPr lang="en-GB" sz="1200" dirty="0">
+                <a:latin typeface="Courier New" panose="02070309020205020404" pitchFamily="49" charset="0"/>
+                <a:cs typeface="Courier New" panose="02070309020205020404" pitchFamily="49" charset="0"/>
+              </a:rPr>
+              <a:t>("0717171717"))</a:t>
+            </a:r>
+          </a:p>
+          <a:p>
+            <a:r>
+              <a:rPr lang="en-GB" sz="1200" dirty="0">
+                <a:latin typeface="Courier New" panose="02070309020205020404" pitchFamily="49" charset="0"/>
+                <a:cs typeface="Courier New" panose="02070309020205020404" pitchFamily="49" charset="0"/>
+              </a:rPr>
+              <a:t>print(</a:t>
+            </a:r>
+            <a:r>
+              <a:rPr lang="en-GB" sz="1200" dirty="0" err="1">
+                <a:latin typeface="Courier New" panose="02070309020205020404" pitchFamily="49" charset="0"/>
+                <a:cs typeface="Courier New" panose="02070309020205020404" pitchFamily="49" charset="0"/>
+              </a:rPr>
+              <a:t>us_to_int</a:t>
+            </a:r>
+            <a:r>
+              <a:rPr lang="en-GB" sz="1200" dirty="0">
+                <a:latin typeface="Courier New" panose="02070309020205020404" pitchFamily="49" charset="0"/>
+                <a:cs typeface="Courier New" panose="02070309020205020404" pitchFamily="49" charset="0"/>
+              </a:rPr>
+              <a:t>("5551112345"))</a:t>
+            </a:r>
+          </a:p>
+          <a:p>
+            <a:r>
+              <a:rPr lang="en-GB" sz="1200" dirty="0">
+                <a:latin typeface="Courier New" panose="02070309020205020404" pitchFamily="49" charset="0"/>
+                <a:cs typeface="Courier New" panose="02070309020205020404" pitchFamily="49" charset="0"/>
+              </a:rPr>
+              <a:t>print(</a:t>
+            </a:r>
+            <a:r>
+              <a:rPr lang="en-GB" sz="1200" dirty="0" err="1">
+                <a:latin typeface="Courier New" panose="02070309020205020404" pitchFamily="49" charset="0"/>
+                <a:cs typeface="Courier New" panose="02070309020205020404" pitchFamily="49" charset="0"/>
+              </a:rPr>
+              <a:t>us_to_int</a:t>
+            </a:r>
+            <a:r>
+              <a:rPr lang="en-GB" sz="1200" dirty="0">
+                <a:latin typeface="Courier New" panose="02070309020205020404" pitchFamily="49" charset="0"/>
+                <a:cs typeface="Courier New" panose="02070309020205020404" pitchFamily="49" charset="0"/>
+              </a:rPr>
+              <a:t>("5559876543"))</a:t>
+            </a:r>
+          </a:p>
+          <a:p>
+            <a:r>
+              <a:rPr lang="en-GB" sz="1200" dirty="0">
+                <a:latin typeface="Courier New" panose="02070309020205020404" pitchFamily="49" charset="0"/>
+                <a:cs typeface="Courier New" panose="02070309020205020404" pitchFamily="49" charset="0"/>
+              </a:rPr>
+              <a:t>print(</a:t>
+            </a:r>
+            <a:r>
+              <a:rPr lang="en-GB" sz="1200" dirty="0" err="1">
+                <a:latin typeface="Courier New" panose="02070309020205020404" pitchFamily="49" charset="0"/>
+                <a:cs typeface="Courier New" panose="02070309020205020404" pitchFamily="49" charset="0"/>
+              </a:rPr>
+              <a:t>de_to_int</a:t>
+            </a:r>
+            <a:r>
+              <a:rPr lang="en-GB" sz="1200" dirty="0">
+                <a:latin typeface="Courier New" panose="02070309020205020404" pitchFamily="49" charset="0"/>
+                <a:cs typeface="Courier New" panose="02070309020205020404" pitchFamily="49" charset="0"/>
+              </a:rPr>
+              <a:t>("0123456789"))</a:t>
+            </a:r>
+          </a:p>
+          <a:p>
+            <a:r>
+              <a:rPr lang="en-GB" sz="1200" dirty="0">
+                <a:latin typeface="Courier New" panose="02070309020205020404" pitchFamily="49" charset="0"/>
+                <a:cs typeface="Courier New" panose="02070309020205020404" pitchFamily="49" charset="0"/>
+              </a:rPr>
+              <a:t>print(</a:t>
+            </a:r>
+            <a:r>
+              <a:rPr lang="en-GB" sz="1200" dirty="0" err="1">
+                <a:latin typeface="Courier New" panose="02070309020205020404" pitchFamily="49" charset="0"/>
+                <a:cs typeface="Courier New" panose="02070309020205020404" pitchFamily="49" charset="0"/>
+              </a:rPr>
+              <a:t>de_to_int</a:t>
+            </a:r>
+            <a:r>
+              <a:rPr lang="en-GB" sz="1200" dirty="0">
+                <a:latin typeface="Courier New" panose="02070309020205020404" pitchFamily="49" charset="0"/>
+                <a:cs typeface="Courier New" panose="02070309020205020404" pitchFamily="49" charset="0"/>
+              </a:rPr>
+              <a:t>("0009876543"))</a:t>
+            </a:r>
+          </a:p>
+        </p:txBody>
+      </p:sp>
+      <p:sp>
+        <p:nvSpPr>
+          <p:cNvPr id="7" name="Rectangle 6"/>
+          <p:cNvSpPr/>
+          <p:nvPr/>
+        </p:nvSpPr>
+        <p:spPr>
+          <a:xfrm>
+            <a:off x="5820591" y="2425169"/>
+            <a:ext cx="6214890" cy="4524315"/>
+          </a:xfrm>
+          <a:prstGeom prst="rect">
+            <a:avLst/>
+          </a:prstGeom>
+        </p:spPr>
+        <p:txBody>
+          <a:bodyPr wrap="square">
+            <a:spAutoFit/>
+          </a:bodyPr>
+          <a:lstStyle/>
+          <a:p>
+            <a:r>
+              <a:rPr lang="en-GB" sz="1200" dirty="0">
+                <a:latin typeface="Courier New" panose="02070309020205020404" pitchFamily="49" charset="0"/>
+                <a:cs typeface="Courier New" panose="02070309020205020404" pitchFamily="49" charset="0"/>
+              </a:rPr>
+              <a:t># Week7, </a:t>
+            </a:r>
+            <a:r>
+              <a:rPr lang="en-GB" sz="1200" dirty="0" smtClean="0">
+                <a:latin typeface="Courier New" panose="02070309020205020404" pitchFamily="49" charset="0"/>
+                <a:cs typeface="Courier New" panose="02070309020205020404" pitchFamily="49" charset="0"/>
+              </a:rPr>
+              <a:t>Bonus.</a:t>
+            </a:r>
+          </a:p>
+          <a:p>
+            <a:endParaRPr lang="en-GB" sz="1200" dirty="0">
+              <a:latin typeface="Courier New" panose="02070309020205020404" pitchFamily="49" charset="0"/>
+              <a:cs typeface="Courier New" panose="02070309020205020404" pitchFamily="49" charset="0"/>
+            </a:endParaRPr>
+          </a:p>
+          <a:p>
+            <a:r>
+              <a:rPr lang="en-GB" sz="1200" dirty="0" err="1">
+                <a:latin typeface="Courier New" panose="02070309020205020404" pitchFamily="49" charset="0"/>
+                <a:cs typeface="Courier New" panose="02070309020205020404" pitchFamily="49" charset="0"/>
+              </a:rPr>
+              <a:t>def</a:t>
+            </a:r>
+            <a:r>
+              <a:rPr lang="en-GB" sz="1200" dirty="0">
+                <a:latin typeface="Courier New" panose="02070309020205020404" pitchFamily="49" charset="0"/>
+                <a:cs typeface="Courier New" panose="02070309020205020404" pitchFamily="49" charset="0"/>
+              </a:rPr>
+              <a:t> </a:t>
+            </a:r>
+            <a:r>
+              <a:rPr lang="en-GB" sz="1200" dirty="0" err="1">
+                <a:latin typeface="Courier New" panose="02070309020205020404" pitchFamily="49" charset="0"/>
+                <a:cs typeface="Courier New" panose="02070309020205020404" pitchFamily="49" charset="0"/>
+              </a:rPr>
+              <a:t>strip_leading_zeros</a:t>
+            </a:r>
+            <a:r>
+              <a:rPr lang="en-GB" sz="1200" dirty="0">
+                <a:latin typeface="Courier New" panose="02070309020205020404" pitchFamily="49" charset="0"/>
+                <a:cs typeface="Courier New" panose="02070309020205020404" pitchFamily="49" charset="0"/>
+              </a:rPr>
+              <a:t>(number):</a:t>
+            </a:r>
+          </a:p>
+          <a:p>
+            <a:r>
+              <a:rPr lang="en-GB" sz="1200" dirty="0">
+                <a:latin typeface="Courier New" panose="02070309020205020404" pitchFamily="49" charset="0"/>
+                <a:cs typeface="Courier New" panose="02070309020205020404" pitchFamily="49" charset="0"/>
+              </a:rPr>
+              <a:t>    return </a:t>
+            </a:r>
+            <a:r>
+              <a:rPr lang="en-GB" sz="1200" dirty="0" err="1">
+                <a:latin typeface="Courier New" panose="02070309020205020404" pitchFamily="49" charset="0"/>
+                <a:cs typeface="Courier New" panose="02070309020205020404" pitchFamily="49" charset="0"/>
+              </a:rPr>
+              <a:t>number.lstrip</a:t>
+            </a:r>
+            <a:r>
+              <a:rPr lang="en-GB" sz="1200" dirty="0">
+                <a:latin typeface="Courier New" panose="02070309020205020404" pitchFamily="49" charset="0"/>
+                <a:cs typeface="Courier New" panose="02070309020205020404" pitchFamily="49" charset="0"/>
+              </a:rPr>
+              <a:t>("0")</a:t>
+            </a:r>
+          </a:p>
+          <a:p>
+            <a:endParaRPr lang="en-GB" sz="1200" dirty="0">
+              <a:latin typeface="Courier New" panose="02070309020205020404" pitchFamily="49" charset="0"/>
+              <a:cs typeface="Courier New" panose="02070309020205020404" pitchFamily="49" charset="0"/>
+            </a:endParaRPr>
+          </a:p>
+          <a:p>
+            <a:r>
+              <a:rPr lang="en-GB" sz="1200" dirty="0" err="1">
+                <a:latin typeface="Courier New" panose="02070309020205020404" pitchFamily="49" charset="0"/>
+                <a:cs typeface="Courier New" panose="02070309020205020404" pitchFamily="49" charset="0"/>
+              </a:rPr>
+              <a:t>def</a:t>
+            </a:r>
+            <a:r>
+              <a:rPr lang="en-GB" sz="1200" dirty="0">
+                <a:latin typeface="Courier New" panose="02070309020205020404" pitchFamily="49" charset="0"/>
+                <a:cs typeface="Courier New" panose="02070309020205020404" pitchFamily="49" charset="0"/>
+              </a:rPr>
+              <a:t> </a:t>
+            </a:r>
+            <a:r>
+              <a:rPr lang="en-GB" sz="1200" dirty="0" err="1">
+                <a:latin typeface="Courier New" panose="02070309020205020404" pitchFamily="49" charset="0"/>
+                <a:cs typeface="Courier New" panose="02070309020205020404" pitchFamily="49" charset="0"/>
+              </a:rPr>
+              <a:t>add_country_code</a:t>
+            </a:r>
+            <a:r>
+              <a:rPr lang="en-GB" sz="1200" dirty="0">
+                <a:latin typeface="Courier New" panose="02070309020205020404" pitchFamily="49" charset="0"/>
+                <a:cs typeface="Courier New" panose="02070309020205020404" pitchFamily="49" charset="0"/>
+              </a:rPr>
+              <a:t>(number, </a:t>
+            </a:r>
+            <a:r>
+              <a:rPr lang="en-GB" sz="1200" dirty="0" err="1">
+                <a:latin typeface="Courier New" panose="02070309020205020404" pitchFamily="49" charset="0"/>
+                <a:cs typeface="Courier New" panose="02070309020205020404" pitchFamily="49" charset="0"/>
+              </a:rPr>
+              <a:t>countrycode</a:t>
+            </a:r>
+            <a:r>
+              <a:rPr lang="en-GB" sz="1200" dirty="0">
+                <a:latin typeface="Courier New" panose="02070309020205020404" pitchFamily="49" charset="0"/>
+                <a:cs typeface="Courier New" panose="02070309020205020404" pitchFamily="49" charset="0"/>
+              </a:rPr>
+              <a:t>):</a:t>
+            </a:r>
+          </a:p>
+          <a:p>
+            <a:r>
+              <a:rPr lang="en-GB" sz="1200" dirty="0">
+                <a:latin typeface="Courier New" panose="02070309020205020404" pitchFamily="49" charset="0"/>
+                <a:cs typeface="Courier New" panose="02070309020205020404" pitchFamily="49" charset="0"/>
+              </a:rPr>
+              <a:t>    return "+" + </a:t>
+            </a:r>
+            <a:r>
+              <a:rPr lang="en-GB" sz="1200" dirty="0" err="1">
+                <a:latin typeface="Courier New" panose="02070309020205020404" pitchFamily="49" charset="0"/>
+                <a:cs typeface="Courier New" panose="02070309020205020404" pitchFamily="49" charset="0"/>
+              </a:rPr>
+              <a:t>str</a:t>
+            </a:r>
+            <a:r>
+              <a:rPr lang="en-GB" sz="1200" dirty="0">
+                <a:latin typeface="Courier New" panose="02070309020205020404" pitchFamily="49" charset="0"/>
+                <a:cs typeface="Courier New" panose="02070309020205020404" pitchFamily="49" charset="0"/>
+              </a:rPr>
+              <a:t>(</a:t>
+            </a:r>
+            <a:r>
+              <a:rPr lang="en-GB" sz="1200" dirty="0" err="1">
+                <a:latin typeface="Courier New" panose="02070309020205020404" pitchFamily="49" charset="0"/>
+                <a:cs typeface="Courier New" panose="02070309020205020404" pitchFamily="49" charset="0"/>
+              </a:rPr>
+              <a:t>countrycode</a:t>
+            </a:r>
+            <a:r>
+              <a:rPr lang="en-GB" sz="1200" dirty="0">
+                <a:latin typeface="Courier New" panose="02070309020205020404" pitchFamily="49" charset="0"/>
+                <a:cs typeface="Courier New" panose="02070309020205020404" pitchFamily="49" charset="0"/>
+              </a:rPr>
+              <a:t>) + number</a:t>
+            </a:r>
+          </a:p>
+          <a:p>
+            <a:endParaRPr lang="en-GB" sz="1200" dirty="0">
+              <a:latin typeface="Courier New" panose="02070309020205020404" pitchFamily="49" charset="0"/>
+              <a:cs typeface="Courier New" panose="02070309020205020404" pitchFamily="49" charset="0"/>
+            </a:endParaRPr>
+          </a:p>
+          <a:p>
+            <a:r>
+              <a:rPr lang="en-GB" sz="1200" dirty="0" err="1">
+                <a:latin typeface="Courier New" panose="02070309020205020404" pitchFamily="49" charset="0"/>
+                <a:cs typeface="Courier New" panose="02070309020205020404" pitchFamily="49" charset="0"/>
+              </a:rPr>
+              <a:t>def</a:t>
+            </a:r>
+            <a:r>
+              <a:rPr lang="en-GB" sz="1200" dirty="0">
+                <a:latin typeface="Courier New" panose="02070309020205020404" pitchFamily="49" charset="0"/>
+                <a:cs typeface="Courier New" panose="02070309020205020404" pitchFamily="49" charset="0"/>
+              </a:rPr>
+              <a:t> </a:t>
+            </a:r>
+            <a:r>
+              <a:rPr lang="en-GB" sz="1200" dirty="0" err="1">
+                <a:latin typeface="Courier New" panose="02070309020205020404" pitchFamily="49" charset="0"/>
+                <a:cs typeface="Courier New" panose="02070309020205020404" pitchFamily="49" charset="0"/>
+              </a:rPr>
+              <a:t>uk_to_int</a:t>
+            </a:r>
+            <a:r>
+              <a:rPr lang="en-GB" sz="1200" dirty="0">
+                <a:latin typeface="Courier New" panose="02070309020205020404" pitchFamily="49" charset="0"/>
+                <a:cs typeface="Courier New" panose="02070309020205020404" pitchFamily="49" charset="0"/>
+              </a:rPr>
+              <a:t>(number):</a:t>
+            </a:r>
+          </a:p>
+          <a:p>
+            <a:r>
+              <a:rPr lang="en-GB" sz="1200" dirty="0">
+                <a:latin typeface="Courier New" panose="02070309020205020404" pitchFamily="49" charset="0"/>
+                <a:cs typeface="Courier New" panose="02070309020205020404" pitchFamily="49" charset="0"/>
+              </a:rPr>
+              <a:t>    return </a:t>
+            </a:r>
+            <a:r>
+              <a:rPr lang="en-GB" sz="1200" dirty="0" err="1">
+                <a:latin typeface="Courier New" panose="02070309020205020404" pitchFamily="49" charset="0"/>
+                <a:cs typeface="Courier New" panose="02070309020205020404" pitchFamily="49" charset="0"/>
+              </a:rPr>
+              <a:t>add_country_code</a:t>
+            </a:r>
+            <a:r>
+              <a:rPr lang="en-GB" sz="1200" dirty="0">
+                <a:latin typeface="Courier New" panose="02070309020205020404" pitchFamily="49" charset="0"/>
+                <a:cs typeface="Courier New" panose="02070309020205020404" pitchFamily="49" charset="0"/>
+              </a:rPr>
+              <a:t>(</a:t>
+            </a:r>
+            <a:r>
+              <a:rPr lang="en-GB" sz="1200" dirty="0" err="1">
+                <a:latin typeface="Courier New" panose="02070309020205020404" pitchFamily="49" charset="0"/>
+                <a:cs typeface="Courier New" panose="02070309020205020404" pitchFamily="49" charset="0"/>
+              </a:rPr>
+              <a:t>strip_leading_zeros</a:t>
+            </a:r>
+            <a:r>
+              <a:rPr lang="en-GB" sz="1200" dirty="0">
+                <a:latin typeface="Courier New" panose="02070309020205020404" pitchFamily="49" charset="0"/>
+                <a:cs typeface="Courier New" panose="02070309020205020404" pitchFamily="49" charset="0"/>
+              </a:rPr>
+              <a:t>(number), 44)</a:t>
+            </a:r>
+          </a:p>
+          <a:p>
+            <a:endParaRPr lang="en-GB" sz="1200" dirty="0">
+              <a:latin typeface="Courier New" panose="02070309020205020404" pitchFamily="49" charset="0"/>
+              <a:cs typeface="Courier New" panose="02070309020205020404" pitchFamily="49" charset="0"/>
+            </a:endParaRPr>
+          </a:p>
+          <a:p>
+            <a:r>
+              <a:rPr lang="en-GB" sz="1200" dirty="0" err="1">
+                <a:latin typeface="Courier New" panose="02070309020205020404" pitchFamily="49" charset="0"/>
+                <a:cs typeface="Courier New" panose="02070309020205020404" pitchFamily="49" charset="0"/>
+              </a:rPr>
+              <a:t>def</a:t>
+            </a:r>
+            <a:r>
+              <a:rPr lang="en-GB" sz="1200" dirty="0">
+                <a:latin typeface="Courier New" panose="02070309020205020404" pitchFamily="49" charset="0"/>
+                <a:cs typeface="Courier New" panose="02070309020205020404" pitchFamily="49" charset="0"/>
+              </a:rPr>
+              <a:t> </a:t>
+            </a:r>
+            <a:r>
+              <a:rPr lang="en-GB" sz="1200" dirty="0" err="1">
+                <a:latin typeface="Courier New" panose="02070309020205020404" pitchFamily="49" charset="0"/>
+                <a:cs typeface="Courier New" panose="02070309020205020404" pitchFamily="49" charset="0"/>
+              </a:rPr>
+              <a:t>us_to_int</a:t>
+            </a:r>
+            <a:r>
+              <a:rPr lang="en-GB" sz="1200" dirty="0">
+                <a:latin typeface="Courier New" panose="02070309020205020404" pitchFamily="49" charset="0"/>
+                <a:cs typeface="Courier New" panose="02070309020205020404" pitchFamily="49" charset="0"/>
+              </a:rPr>
+              <a:t>(number):</a:t>
+            </a:r>
+          </a:p>
+          <a:p>
+            <a:r>
+              <a:rPr lang="en-GB" sz="1200" dirty="0">
+                <a:latin typeface="Courier New" panose="02070309020205020404" pitchFamily="49" charset="0"/>
+                <a:cs typeface="Courier New" panose="02070309020205020404" pitchFamily="49" charset="0"/>
+              </a:rPr>
+              <a:t>    return </a:t>
+            </a:r>
+            <a:r>
+              <a:rPr lang="en-GB" sz="1200" dirty="0" err="1">
+                <a:latin typeface="Courier New" panose="02070309020205020404" pitchFamily="49" charset="0"/>
+                <a:cs typeface="Courier New" panose="02070309020205020404" pitchFamily="49" charset="0"/>
+              </a:rPr>
+              <a:t>add_country_code</a:t>
+            </a:r>
+            <a:r>
+              <a:rPr lang="en-GB" sz="1200" dirty="0">
+                <a:latin typeface="Courier New" panose="02070309020205020404" pitchFamily="49" charset="0"/>
+                <a:cs typeface="Courier New" panose="02070309020205020404" pitchFamily="49" charset="0"/>
+              </a:rPr>
+              <a:t>(number, 1)</a:t>
+            </a:r>
+          </a:p>
+          <a:p>
+            <a:endParaRPr lang="en-GB" sz="1200" dirty="0">
+              <a:latin typeface="Courier New" panose="02070309020205020404" pitchFamily="49" charset="0"/>
+              <a:cs typeface="Courier New" panose="02070309020205020404" pitchFamily="49" charset="0"/>
+            </a:endParaRPr>
+          </a:p>
+          <a:p>
+            <a:r>
+              <a:rPr lang="en-GB" sz="1200" dirty="0" err="1">
+                <a:latin typeface="Courier New" panose="02070309020205020404" pitchFamily="49" charset="0"/>
+                <a:cs typeface="Courier New" panose="02070309020205020404" pitchFamily="49" charset="0"/>
+              </a:rPr>
+              <a:t>def</a:t>
+            </a:r>
+            <a:r>
+              <a:rPr lang="en-GB" sz="1200" dirty="0">
+                <a:latin typeface="Courier New" panose="02070309020205020404" pitchFamily="49" charset="0"/>
+                <a:cs typeface="Courier New" panose="02070309020205020404" pitchFamily="49" charset="0"/>
+              </a:rPr>
+              <a:t> </a:t>
+            </a:r>
+            <a:r>
+              <a:rPr lang="en-GB" sz="1200" dirty="0" err="1">
+                <a:latin typeface="Courier New" panose="02070309020205020404" pitchFamily="49" charset="0"/>
+                <a:cs typeface="Courier New" panose="02070309020205020404" pitchFamily="49" charset="0"/>
+              </a:rPr>
+              <a:t>de_to_int</a:t>
+            </a:r>
+            <a:r>
+              <a:rPr lang="en-GB" sz="1200" dirty="0">
+                <a:latin typeface="Courier New" panose="02070309020205020404" pitchFamily="49" charset="0"/>
+                <a:cs typeface="Courier New" panose="02070309020205020404" pitchFamily="49" charset="0"/>
+              </a:rPr>
+              <a:t>(number):</a:t>
+            </a:r>
+          </a:p>
+          <a:p>
+            <a:r>
+              <a:rPr lang="en-GB" sz="1200" dirty="0">
+                <a:latin typeface="Courier New" panose="02070309020205020404" pitchFamily="49" charset="0"/>
+                <a:cs typeface="Courier New" panose="02070309020205020404" pitchFamily="49" charset="0"/>
+              </a:rPr>
+              <a:t>    return </a:t>
+            </a:r>
+            <a:r>
+              <a:rPr lang="en-GB" sz="1200" dirty="0" err="1">
+                <a:latin typeface="Courier New" panose="02070309020205020404" pitchFamily="49" charset="0"/>
+                <a:cs typeface="Courier New" panose="02070309020205020404" pitchFamily="49" charset="0"/>
+              </a:rPr>
+              <a:t>add_country_code</a:t>
+            </a:r>
+            <a:r>
+              <a:rPr lang="en-GB" sz="1200" dirty="0">
+                <a:latin typeface="Courier New" panose="02070309020205020404" pitchFamily="49" charset="0"/>
+                <a:cs typeface="Courier New" panose="02070309020205020404" pitchFamily="49" charset="0"/>
+              </a:rPr>
+              <a:t>(</a:t>
+            </a:r>
+            <a:r>
+              <a:rPr lang="en-GB" sz="1200" dirty="0" err="1">
+                <a:latin typeface="Courier New" panose="02070309020205020404" pitchFamily="49" charset="0"/>
+                <a:cs typeface="Courier New" panose="02070309020205020404" pitchFamily="49" charset="0"/>
+              </a:rPr>
+              <a:t>strip_leading_zeros</a:t>
+            </a:r>
+            <a:r>
+              <a:rPr lang="en-GB" sz="1200" dirty="0">
+                <a:latin typeface="Courier New" panose="02070309020205020404" pitchFamily="49" charset="0"/>
+                <a:cs typeface="Courier New" panose="02070309020205020404" pitchFamily="49" charset="0"/>
+              </a:rPr>
+              <a:t>(number), 49)</a:t>
+            </a:r>
+          </a:p>
+          <a:p>
+            <a:endParaRPr lang="en-GB" sz="1200" dirty="0">
+              <a:latin typeface="Courier New" panose="02070309020205020404" pitchFamily="49" charset="0"/>
+              <a:cs typeface="Courier New" panose="02070309020205020404" pitchFamily="49" charset="0"/>
+            </a:endParaRPr>
+          </a:p>
+          <a:p>
+            <a:r>
+              <a:rPr lang="en-GB" sz="1200" dirty="0">
+                <a:latin typeface="Courier New" panose="02070309020205020404" pitchFamily="49" charset="0"/>
+                <a:cs typeface="Courier New" panose="02070309020205020404" pitchFamily="49" charset="0"/>
+              </a:rPr>
+              <a:t>print(</a:t>
+            </a:r>
+            <a:r>
+              <a:rPr lang="en-GB" sz="1200" dirty="0" err="1">
+                <a:latin typeface="Courier New" panose="02070309020205020404" pitchFamily="49" charset="0"/>
+                <a:cs typeface="Courier New" panose="02070309020205020404" pitchFamily="49" charset="0"/>
+              </a:rPr>
+              <a:t>uk_to_int</a:t>
+            </a:r>
+            <a:r>
+              <a:rPr lang="en-GB" sz="1200" dirty="0">
+                <a:latin typeface="Courier New" panose="02070309020205020404" pitchFamily="49" charset="0"/>
+                <a:cs typeface="Courier New" panose="02070309020205020404" pitchFamily="49" charset="0"/>
+              </a:rPr>
+              <a:t>("0123456789"))</a:t>
+            </a:r>
+          </a:p>
+          <a:p>
+            <a:r>
+              <a:rPr lang="en-GB" sz="1200" dirty="0">
+                <a:latin typeface="Courier New" panose="02070309020205020404" pitchFamily="49" charset="0"/>
+                <a:cs typeface="Courier New" panose="02070309020205020404" pitchFamily="49" charset="0"/>
+              </a:rPr>
+              <a:t>print(</a:t>
+            </a:r>
+            <a:r>
+              <a:rPr lang="en-GB" sz="1200" dirty="0" err="1">
+                <a:latin typeface="Courier New" panose="02070309020205020404" pitchFamily="49" charset="0"/>
+                <a:cs typeface="Courier New" panose="02070309020205020404" pitchFamily="49" charset="0"/>
+              </a:rPr>
+              <a:t>uk_to_int</a:t>
+            </a:r>
+            <a:r>
+              <a:rPr lang="en-GB" sz="1200" dirty="0">
+                <a:latin typeface="Courier New" panose="02070309020205020404" pitchFamily="49" charset="0"/>
+                <a:cs typeface="Courier New" panose="02070309020205020404" pitchFamily="49" charset="0"/>
+              </a:rPr>
+              <a:t>("0717171717"))</a:t>
+            </a:r>
+          </a:p>
+          <a:p>
+            <a:r>
+              <a:rPr lang="en-GB" sz="1200" dirty="0">
+                <a:latin typeface="Courier New" panose="02070309020205020404" pitchFamily="49" charset="0"/>
+                <a:cs typeface="Courier New" panose="02070309020205020404" pitchFamily="49" charset="0"/>
+              </a:rPr>
+              <a:t>print(</a:t>
+            </a:r>
+            <a:r>
+              <a:rPr lang="en-GB" sz="1200" dirty="0" err="1">
+                <a:latin typeface="Courier New" panose="02070309020205020404" pitchFamily="49" charset="0"/>
+                <a:cs typeface="Courier New" panose="02070309020205020404" pitchFamily="49" charset="0"/>
+              </a:rPr>
+              <a:t>us_to_int</a:t>
+            </a:r>
+            <a:r>
+              <a:rPr lang="en-GB" sz="1200" dirty="0">
+                <a:latin typeface="Courier New" panose="02070309020205020404" pitchFamily="49" charset="0"/>
+                <a:cs typeface="Courier New" panose="02070309020205020404" pitchFamily="49" charset="0"/>
+              </a:rPr>
+              <a:t>("5551112345"))</a:t>
+            </a:r>
+          </a:p>
+          <a:p>
+            <a:r>
+              <a:rPr lang="en-GB" sz="1200" dirty="0">
+                <a:latin typeface="Courier New" panose="02070309020205020404" pitchFamily="49" charset="0"/>
+                <a:cs typeface="Courier New" panose="02070309020205020404" pitchFamily="49" charset="0"/>
+              </a:rPr>
+              <a:t>print(</a:t>
+            </a:r>
+            <a:r>
+              <a:rPr lang="en-GB" sz="1200" dirty="0" err="1">
+                <a:latin typeface="Courier New" panose="02070309020205020404" pitchFamily="49" charset="0"/>
+                <a:cs typeface="Courier New" panose="02070309020205020404" pitchFamily="49" charset="0"/>
+              </a:rPr>
+              <a:t>us_to_int</a:t>
+            </a:r>
+            <a:r>
+              <a:rPr lang="en-GB" sz="1200" dirty="0">
+                <a:latin typeface="Courier New" panose="02070309020205020404" pitchFamily="49" charset="0"/>
+                <a:cs typeface="Courier New" panose="02070309020205020404" pitchFamily="49" charset="0"/>
+              </a:rPr>
+              <a:t>("5559876543"))</a:t>
+            </a:r>
+          </a:p>
+          <a:p>
+            <a:r>
+              <a:rPr lang="en-GB" sz="1200" dirty="0">
+                <a:latin typeface="Courier New" panose="02070309020205020404" pitchFamily="49" charset="0"/>
+                <a:cs typeface="Courier New" panose="02070309020205020404" pitchFamily="49" charset="0"/>
+              </a:rPr>
+              <a:t>print(</a:t>
+            </a:r>
+            <a:r>
+              <a:rPr lang="en-GB" sz="1200" dirty="0" err="1">
+                <a:latin typeface="Courier New" panose="02070309020205020404" pitchFamily="49" charset="0"/>
+                <a:cs typeface="Courier New" panose="02070309020205020404" pitchFamily="49" charset="0"/>
+              </a:rPr>
+              <a:t>de_to_int</a:t>
+            </a:r>
+            <a:r>
+              <a:rPr lang="en-GB" sz="1200" dirty="0">
+                <a:latin typeface="Courier New" panose="02070309020205020404" pitchFamily="49" charset="0"/>
+                <a:cs typeface="Courier New" panose="02070309020205020404" pitchFamily="49" charset="0"/>
+              </a:rPr>
+              <a:t>("0123456789"))</a:t>
+            </a:r>
+          </a:p>
+          <a:p>
+            <a:r>
+              <a:rPr lang="en-GB" sz="1200" dirty="0">
+                <a:latin typeface="Courier New" panose="02070309020205020404" pitchFamily="49" charset="0"/>
+                <a:cs typeface="Courier New" panose="02070309020205020404" pitchFamily="49" charset="0"/>
+              </a:rPr>
+              <a:t>print(</a:t>
+            </a:r>
+            <a:r>
+              <a:rPr lang="en-GB" sz="1200" dirty="0" err="1">
+                <a:latin typeface="Courier New" panose="02070309020205020404" pitchFamily="49" charset="0"/>
+                <a:cs typeface="Courier New" panose="02070309020205020404" pitchFamily="49" charset="0"/>
+              </a:rPr>
+              <a:t>de_to_int</a:t>
+            </a:r>
+            <a:r>
+              <a:rPr lang="en-GB" sz="1200" dirty="0">
+                <a:latin typeface="Courier New" panose="02070309020205020404" pitchFamily="49" charset="0"/>
+                <a:cs typeface="Courier New" panose="02070309020205020404" pitchFamily="49" charset="0"/>
+              </a:rPr>
+              <a:t>("0009876543"))</a:t>
+            </a:r>
+          </a:p>
+          <a:p>
+            <a:endParaRPr lang="en-GB" sz="1200" dirty="0">
+              <a:latin typeface="Courier New" panose="02070309020205020404" pitchFamily="49" charset="0"/>
+              <a:cs typeface="Courier New" panose="02070309020205020404" pitchFamily="49" charset="0"/>
+            </a:endParaRPr>
+          </a:p>
+        </p:txBody>
+      </p:sp>
+      <p:sp>
+        <p:nvSpPr>
+          <p:cNvPr id="8" name="TextBox 7"/>
+          <p:cNvSpPr txBox="1"/>
+          <p:nvPr/>
+        </p:nvSpPr>
+        <p:spPr>
+          <a:xfrm>
+            <a:off x="1029730" y="1243914"/>
+            <a:ext cx="10083113" cy="1169551"/>
+          </a:xfrm>
+          <a:prstGeom prst="rect">
+            <a:avLst/>
+          </a:prstGeom>
+          <a:noFill/>
+        </p:spPr>
+        <p:txBody>
+          <a:bodyPr wrap="square" rtlCol="0">
+            <a:spAutoFit/>
+          </a:bodyPr>
+          <a:lstStyle/>
+          <a:p>
+            <a:r>
+              <a:rPr lang="en-GB" sz="1400" dirty="0" smtClean="0"/>
+              <a:t>Both these programs do the same thing.</a:t>
+            </a:r>
+          </a:p>
+          <a:p>
+            <a:endParaRPr lang="en-GB" sz="1400" dirty="0" smtClean="0"/>
+          </a:p>
+          <a:p>
+            <a:r>
+              <a:rPr lang="en-GB" sz="1400" dirty="0" smtClean="0">
+                <a:solidFill>
+                  <a:srgbClr val="FFFF00"/>
+                </a:solidFill>
+              </a:rPr>
+              <a:t>Write 2 or 3 paragraphs comparing and contrasting them.</a:t>
+            </a:r>
+          </a:p>
+          <a:p>
+            <a:r>
+              <a:rPr lang="en-GB" sz="1400" dirty="0" smtClean="0">
+                <a:solidFill>
+                  <a:srgbClr val="FFFF00"/>
+                </a:solidFill>
+              </a:rPr>
+              <a:t>Which do you think is the easiest to read and understand ?</a:t>
+            </a:r>
+          </a:p>
+          <a:p>
+            <a:r>
+              <a:rPr lang="en-GB" sz="1400" dirty="0" smtClean="0">
+                <a:solidFill>
+                  <a:srgbClr val="FFFF00"/>
+                </a:solidFill>
+              </a:rPr>
+              <a:t>Which would be easier to add additional countries to ?</a:t>
+            </a:r>
+            <a:endParaRPr lang="en-GB" sz="1400" dirty="0">
+              <a:solidFill>
+                <a:srgbClr val="FFFF00"/>
+              </a:solidFill>
+            </a:endParaRPr>
+          </a:p>
+        </p:txBody>
+      </p:sp>
+    </p:spTree>
+    <p:extLst>
+      <p:ext uri="{BB962C8B-B14F-4D97-AF65-F5344CB8AC3E}">
+        <p14:creationId xmlns:p14="http://schemas.microsoft.com/office/powerpoint/2010/main" val="3585735630"/>
       </p:ext>
     </p:extLst>
   </p:cSld>

--- a/week7/week7.pptx
+++ b/week7/week7.pptx
@@ -367,7 +367,7 @@
           <a:p>
             <a:fld id="{4AAD347D-5ACD-4C99-B74B-A9C85AD731AF}" type="datetimeFigureOut">
               <a:rPr lang="en-US" dirty="0"/>
-              <a:t>7/9/2018</a:t>
+              <a:t>7/16/2018</a:t>
             </a:fld>
             <a:endParaRPr lang="en-US" dirty="0"/>
           </a:p>
@@ -637,7 +637,7 @@
           <a:p>
             <a:fld id="{4509A250-FF31-4206-8172-F9D3106AACB1}" type="datetimeFigureOut">
               <a:rPr lang="en-US" dirty="0"/>
-              <a:t>7/9/2018</a:t>
+              <a:t>7/16/2018</a:t>
             </a:fld>
             <a:endParaRPr lang="en-US" dirty="0"/>
           </a:p>
@@ -826,7 +826,7 @@
           <a:p>
             <a:fld id="{4509A250-FF31-4206-8172-F9D3106AACB1}" type="datetimeFigureOut">
               <a:rPr lang="en-US" dirty="0"/>
-              <a:t>7/9/2018</a:t>
+              <a:t>7/16/2018</a:t>
             </a:fld>
             <a:endParaRPr lang="en-US" dirty="0"/>
           </a:p>
@@ -1094,7 +1094,7 @@
           <a:p>
             <a:fld id="{4509A250-FF31-4206-8172-F9D3106AACB1}" type="datetimeFigureOut">
               <a:rPr lang="en-US" dirty="0"/>
-              <a:t>7/9/2018</a:t>
+              <a:t>7/16/2018</a:t>
             </a:fld>
             <a:endParaRPr lang="en-US" dirty="0"/>
           </a:p>
@@ -1430,7 +1430,7 @@
           <a:p>
             <a:fld id="{4509A250-FF31-4206-8172-F9D3106AACB1}" type="datetimeFigureOut">
               <a:rPr lang="en-US" dirty="0"/>
-              <a:t>7/9/2018</a:t>
+              <a:t>7/16/2018</a:t>
             </a:fld>
             <a:endParaRPr lang="en-US" dirty="0"/>
           </a:p>
@@ -2048,7 +2048,7 @@
           <a:p>
             <a:fld id="{4509A250-FF31-4206-8172-F9D3106AACB1}" type="datetimeFigureOut">
               <a:rPr lang="en-US" dirty="0"/>
-              <a:t>7/9/2018</a:t>
+              <a:t>7/16/2018</a:t>
             </a:fld>
             <a:endParaRPr lang="en-US" dirty="0"/>
           </a:p>
@@ -2903,7 +2903,7 @@
           <a:p>
             <a:fld id="{4509A250-FF31-4206-8172-F9D3106AACB1}" type="datetimeFigureOut">
               <a:rPr lang="en-US" dirty="0"/>
-              <a:t>7/9/2018</a:t>
+              <a:t>7/16/2018</a:t>
             </a:fld>
             <a:endParaRPr lang="en-US" dirty="0"/>
           </a:p>
@@ -3068,7 +3068,7 @@
           <a:p>
             <a:fld id="{4509A250-FF31-4206-8172-F9D3106AACB1}" type="datetimeFigureOut">
               <a:rPr lang="en-US" dirty="0"/>
-              <a:t>7/9/2018</a:t>
+              <a:t>7/16/2018</a:t>
             </a:fld>
             <a:endParaRPr lang="en-US" dirty="0"/>
           </a:p>
@@ -3243,7 +3243,7 @@
           <a:p>
             <a:fld id="{4509A250-FF31-4206-8172-F9D3106AACB1}" type="datetimeFigureOut">
               <a:rPr lang="en-US" dirty="0"/>
-              <a:t>7/9/2018</a:t>
+              <a:t>7/16/2018</a:t>
             </a:fld>
             <a:endParaRPr lang="en-US" dirty="0"/>
           </a:p>
@@ -3408,7 +3408,7 @@
           <a:p>
             <a:fld id="{4509A250-FF31-4206-8172-F9D3106AACB1}" type="datetimeFigureOut">
               <a:rPr lang="en-US" dirty="0"/>
-              <a:t>7/9/2018</a:t>
+              <a:t>7/16/2018</a:t>
             </a:fld>
             <a:endParaRPr lang="en-US" dirty="0"/>
           </a:p>
@@ -3650,7 +3650,7 @@
           <a:p>
             <a:fld id="{9796027F-7875-4030-9381-8BD8C4F21935}" type="datetimeFigureOut">
               <a:rPr lang="en-US" dirty="0"/>
-              <a:t>7/9/2018</a:t>
+              <a:t>7/16/2018</a:t>
             </a:fld>
             <a:endParaRPr lang="en-US" dirty="0"/>
           </a:p>
@@ -3937,7 +3937,7 @@
           <a:p>
             <a:fld id="{9796027F-7875-4030-9381-8BD8C4F21935}" type="datetimeFigureOut">
               <a:rPr lang="en-US" dirty="0"/>
-              <a:t>7/9/2018</a:t>
+              <a:t>7/16/2018</a:t>
             </a:fld>
             <a:endParaRPr lang="en-US" dirty="0"/>
           </a:p>
@@ -4376,7 +4376,7 @@
           <a:p>
             <a:fld id="{9796027F-7875-4030-9381-8BD8C4F21935}" type="datetimeFigureOut">
               <a:rPr lang="en-US" dirty="0"/>
-              <a:t>7/9/2018</a:t>
+              <a:t>7/16/2018</a:t>
             </a:fld>
             <a:endParaRPr lang="en-US" dirty="0"/>
           </a:p>
@@ -4489,7 +4489,7 @@
           <a:p>
             <a:fld id="{4509A250-FF31-4206-8172-F9D3106AACB1}" type="datetimeFigureOut">
               <a:rPr lang="en-US" dirty="0"/>
-              <a:t>7/9/2018</a:t>
+              <a:t>7/16/2018</a:t>
             </a:fld>
             <a:endParaRPr lang="en-US" dirty="0"/>
           </a:p>
@@ -4579,7 +4579,7 @@
           <a:p>
             <a:fld id="{4509A250-FF31-4206-8172-F9D3106AACB1}" type="datetimeFigureOut">
               <a:rPr lang="en-US" dirty="0"/>
-              <a:t>7/9/2018</a:t>
+              <a:t>7/16/2018</a:t>
             </a:fld>
             <a:endParaRPr lang="en-US" dirty="0"/>
           </a:p>
@@ -4853,7 +4853,7 @@
           <a:p>
             <a:fld id="{4509A250-FF31-4206-8172-F9D3106AACB1}" type="datetimeFigureOut">
               <a:rPr lang="en-US" dirty="0"/>
-              <a:t>7/9/2018</a:t>
+              <a:t>7/16/2018</a:t>
             </a:fld>
             <a:endParaRPr lang="en-US" dirty="0"/>
           </a:p>
@@ -5123,7 +5123,7 @@
           <a:p>
             <a:fld id="{4509A250-FF31-4206-8172-F9D3106AACB1}" type="datetimeFigureOut">
               <a:rPr lang="en-US" dirty="0"/>
-              <a:t>7/9/2018</a:t>
+              <a:t>7/16/2018</a:t>
             </a:fld>
             <a:endParaRPr lang="en-US" dirty="0"/>
           </a:p>
@@ -5547,7 +5547,7 @@
           <a:p>
             <a:fld id="{4AAD347D-5ACD-4C99-B74B-A9C85AD731AF}" type="datetimeFigureOut">
               <a:rPr lang="en-US" dirty="0"/>
-              <a:t>7/9/2018</a:t>
+              <a:t>7/16/2018</a:t>
             </a:fld>
             <a:endParaRPr lang="en-US" dirty="0"/>
           </a:p>
@@ -7800,28 +7800,40 @@
                 <a:latin typeface="Courier New" panose="02070309020205020404" pitchFamily="49" charset="0"/>
                 <a:cs typeface="Courier New" panose="02070309020205020404" pitchFamily="49" charset="0"/>
               </a:rPr>
-              <a:t>print_seperated</a:t>
+              <a:t>print_separated</a:t>
             </a:r>
             <a:r>
               <a:rPr lang="en-GB" dirty="0">
                 <a:latin typeface="Courier New" panose="02070309020205020404" pitchFamily="49" charset="0"/>
                 <a:cs typeface="Courier New" panose="02070309020205020404" pitchFamily="49" charset="0"/>
               </a:rPr>
-              <a:t>(items, </a:t>
+              <a:t>(items, separator=" "):</a:t>
+            </a:r>
+          </a:p>
+          <a:p>
+            <a:pPr marL="0" indent="0">
+              <a:buNone/>
+            </a:pPr>
+            <a:r>
+              <a:rPr lang="en-GB" dirty="0">
+                <a:latin typeface="Courier New" panose="02070309020205020404" pitchFamily="49" charset="0"/>
+                <a:cs typeface="Courier New" panose="02070309020205020404" pitchFamily="49" charset="0"/>
+              </a:rPr>
+              <a:t>    for </a:t>
             </a:r>
             <a:r>
               <a:rPr lang="en-GB" dirty="0" err="1">
                 <a:latin typeface="Courier New" panose="02070309020205020404" pitchFamily="49" charset="0"/>
                 <a:cs typeface="Courier New" panose="02070309020205020404" pitchFamily="49" charset="0"/>
               </a:rPr>
-              <a:t>seperator</a:t>
+              <a:t>i</a:t>
             </a:r>
             <a:r>
               <a:rPr lang="en-GB" dirty="0">
                 <a:latin typeface="Courier New" panose="02070309020205020404" pitchFamily="49" charset="0"/>
                 <a:cs typeface="Courier New" panose="02070309020205020404" pitchFamily="49" charset="0"/>
               </a:rPr>
-              <a:t>=" "):</a:t>
+              <a:t> in items[:-1]:</a:t>
             </a:r>
           </a:p>
           <a:p>
@@ -7833,7 +7845,7 @@
                 <a:latin typeface="Courier New" panose="02070309020205020404" pitchFamily="49" charset="0"/>
                 <a:cs typeface="Courier New" panose="02070309020205020404" pitchFamily="49" charset="0"/>
               </a:rPr>
-              <a:t>    for </a:t>
+              <a:t>        print (f"{</a:t>
             </a:r>
             <a:r>
               <a:rPr lang="en-GB" dirty="0" err="1">
@@ -7847,47 +7859,7 @@
                 <a:latin typeface="Courier New" panose="02070309020205020404" pitchFamily="49" charset="0"/>
                 <a:cs typeface="Courier New" panose="02070309020205020404" pitchFamily="49" charset="0"/>
               </a:rPr>
-              <a:t> in items[:-1]:</a:t>
-            </a:r>
-          </a:p>
-          <a:p>
-            <a:pPr marL="0" indent="0">
-              <a:buNone/>
-            </a:pPr>
-            <a:r>
-              <a:rPr lang="en-GB" dirty="0">
-                <a:latin typeface="Courier New" panose="02070309020205020404" pitchFamily="49" charset="0"/>
-                <a:cs typeface="Courier New" panose="02070309020205020404" pitchFamily="49" charset="0"/>
-              </a:rPr>
-              <a:t>        print (f"{</a:t>
-            </a:r>
-            <a:r>
-              <a:rPr lang="en-GB" dirty="0" err="1">
-                <a:latin typeface="Courier New" panose="02070309020205020404" pitchFamily="49" charset="0"/>
-                <a:cs typeface="Courier New" panose="02070309020205020404" pitchFamily="49" charset="0"/>
-              </a:rPr>
-              <a:t>i</a:t>
-            </a:r>
-            <a:r>
-              <a:rPr lang="en-GB" dirty="0">
-                <a:latin typeface="Courier New" panose="02070309020205020404" pitchFamily="49" charset="0"/>
-                <a:cs typeface="Courier New" panose="02070309020205020404" pitchFamily="49" charset="0"/>
-              </a:rPr>
-              <a:t>}{</a:t>
-            </a:r>
-            <a:r>
-              <a:rPr lang="en-GB" dirty="0" err="1">
-                <a:latin typeface="Courier New" panose="02070309020205020404" pitchFamily="49" charset="0"/>
-                <a:cs typeface="Courier New" panose="02070309020205020404" pitchFamily="49" charset="0"/>
-              </a:rPr>
-              <a:t>seperator</a:t>
-            </a:r>
-            <a:r>
-              <a:rPr lang="en-GB" dirty="0">
-                <a:latin typeface="Courier New" panose="02070309020205020404" pitchFamily="49" charset="0"/>
-                <a:cs typeface="Courier New" panose="02070309020205020404" pitchFamily="49" charset="0"/>
-              </a:rPr>
-              <a:t>}", end="")</a:t>
+              <a:t>}{separator}", end="")</a:t>
             </a:r>
           </a:p>
           <a:p>
@@ -7941,7 +7913,7 @@
                 <a:latin typeface="Courier New" panose="02070309020205020404" pitchFamily="49" charset="0"/>
                 <a:cs typeface="Courier New" panose="02070309020205020404" pitchFamily="49" charset="0"/>
               </a:rPr>
-              <a:t>print_seperated</a:t>
+              <a:t>print_separated</a:t>
             </a:r>
             <a:r>
               <a:rPr lang="en-GB" dirty="0">
@@ -7960,28 +7932,33 @@
                 <a:latin typeface="Courier New" panose="02070309020205020404" pitchFamily="49" charset="0"/>
                 <a:cs typeface="Courier New" panose="02070309020205020404" pitchFamily="49" charset="0"/>
               </a:rPr>
-              <a:t>print_seperated</a:t>
+              <a:t>print_separated</a:t>
             </a:r>
             <a:r>
               <a:rPr lang="en-GB" dirty="0">
                 <a:latin typeface="Courier New" panose="02070309020205020404" pitchFamily="49" charset="0"/>
                 <a:cs typeface="Courier New" panose="02070309020205020404" pitchFamily="49" charset="0"/>
               </a:rPr>
-              <a:t>(numbers, </a:t>
-            </a:r>
+              <a:t>(numbers, separator=",")</a:t>
+            </a:r>
+          </a:p>
+          <a:p>
+            <a:pPr marL="0" indent="0">
+              <a:buNone/>
+            </a:pPr>
             <a:r>
               <a:rPr lang="en-GB" dirty="0" err="1">
                 <a:latin typeface="Courier New" panose="02070309020205020404" pitchFamily="49" charset="0"/>
                 <a:cs typeface="Courier New" panose="02070309020205020404" pitchFamily="49" charset="0"/>
               </a:rPr>
-              <a:t>seperator</a:t>
+              <a:t>print_separated</a:t>
             </a:r>
             <a:r>
               <a:rPr lang="en-GB" dirty="0">
                 <a:latin typeface="Courier New" panose="02070309020205020404" pitchFamily="49" charset="0"/>
                 <a:cs typeface="Courier New" panose="02070309020205020404" pitchFamily="49" charset="0"/>
               </a:rPr>
-              <a:t>=",")</a:t>
+              <a:t>(numbers, separator=", ")</a:t>
             </a:r>
           </a:p>
           <a:p>
@@ -7993,94 +7970,33 @@
                 <a:latin typeface="Courier New" panose="02070309020205020404" pitchFamily="49" charset="0"/>
                 <a:cs typeface="Courier New" panose="02070309020205020404" pitchFamily="49" charset="0"/>
               </a:rPr>
-              <a:t>print_seperated</a:t>
+              <a:t>print_separated</a:t>
             </a:r>
             <a:r>
               <a:rPr lang="en-GB" dirty="0">
                 <a:latin typeface="Courier New" panose="02070309020205020404" pitchFamily="49" charset="0"/>
                 <a:cs typeface="Courier New" panose="02070309020205020404" pitchFamily="49" charset="0"/>
               </a:rPr>
-              <a:t>(numbers, </a:t>
-            </a:r>
+              <a:t>(numbers, separator="--&gt;")</a:t>
+            </a:r>
+          </a:p>
+          <a:p>
+            <a:pPr marL="0" indent="0">
+              <a:buNone/>
+            </a:pPr>
             <a:r>
               <a:rPr lang="en-GB" dirty="0" err="1">
                 <a:latin typeface="Courier New" panose="02070309020205020404" pitchFamily="49" charset="0"/>
                 <a:cs typeface="Courier New" panose="02070309020205020404" pitchFamily="49" charset="0"/>
               </a:rPr>
-              <a:t>seperator</a:t>
+              <a:t>print_separated</a:t>
             </a:r>
             <a:r>
               <a:rPr lang="en-GB" dirty="0">
                 <a:latin typeface="Courier New" panose="02070309020205020404" pitchFamily="49" charset="0"/>
                 <a:cs typeface="Courier New" panose="02070309020205020404" pitchFamily="49" charset="0"/>
               </a:rPr>
-              <a:t>=", ")</a:t>
-            </a:r>
-          </a:p>
-          <a:p>
-            <a:pPr marL="0" indent="0">
-              <a:buNone/>
-            </a:pPr>
-            <a:r>
-              <a:rPr lang="en-GB" dirty="0" err="1">
-                <a:latin typeface="Courier New" panose="02070309020205020404" pitchFamily="49" charset="0"/>
-                <a:cs typeface="Courier New" panose="02070309020205020404" pitchFamily="49" charset="0"/>
-              </a:rPr>
-              <a:t>print_seperated</a:t>
-            </a:r>
-            <a:r>
-              <a:rPr lang="en-GB" dirty="0">
-                <a:latin typeface="Courier New" panose="02070309020205020404" pitchFamily="49" charset="0"/>
-                <a:cs typeface="Courier New" panose="02070309020205020404" pitchFamily="49" charset="0"/>
-              </a:rPr>
-              <a:t>(numbers, </a:t>
-            </a:r>
-            <a:r>
-              <a:rPr lang="en-GB" dirty="0" err="1">
-                <a:latin typeface="Courier New" panose="02070309020205020404" pitchFamily="49" charset="0"/>
-                <a:cs typeface="Courier New" panose="02070309020205020404" pitchFamily="49" charset="0"/>
-              </a:rPr>
-              <a:t>seperator</a:t>
-            </a:r>
-            <a:r>
-              <a:rPr lang="en-GB" dirty="0">
-                <a:latin typeface="Courier New" panose="02070309020205020404" pitchFamily="49" charset="0"/>
-                <a:cs typeface="Courier New" panose="02070309020205020404" pitchFamily="49" charset="0"/>
-              </a:rPr>
-              <a:t>="--&gt;")</a:t>
-            </a:r>
-          </a:p>
-          <a:p>
-            <a:pPr marL="0" indent="0">
-              <a:buNone/>
-            </a:pPr>
-            <a:r>
-              <a:rPr lang="en-GB" dirty="0" err="1">
-                <a:latin typeface="Courier New" panose="02070309020205020404" pitchFamily="49" charset="0"/>
-                <a:cs typeface="Courier New" panose="02070309020205020404" pitchFamily="49" charset="0"/>
-              </a:rPr>
-              <a:t>print_seperated</a:t>
-            </a:r>
-            <a:r>
-              <a:rPr lang="en-GB" dirty="0">
-                <a:latin typeface="Courier New" panose="02070309020205020404" pitchFamily="49" charset="0"/>
-                <a:cs typeface="Courier New" panose="02070309020205020404" pitchFamily="49" charset="0"/>
-              </a:rPr>
-              <a:t>(numbers, </a:t>
-            </a:r>
-            <a:r>
-              <a:rPr lang="en-GB" dirty="0" err="1">
-                <a:latin typeface="Courier New" panose="02070309020205020404" pitchFamily="49" charset="0"/>
-                <a:cs typeface="Courier New" panose="02070309020205020404" pitchFamily="49" charset="0"/>
-              </a:rPr>
-              <a:t>seperator</a:t>
-            </a:r>
-            <a:r>
-              <a:rPr lang="en-GB" dirty="0">
-                <a:latin typeface="Courier New" panose="02070309020205020404" pitchFamily="49" charset="0"/>
-                <a:cs typeface="Courier New" panose="02070309020205020404" pitchFamily="49" charset="0"/>
-              </a:rPr>
-              <a:t>="\n")</a:t>
+              <a:t>(numbers, separator="\n")</a:t>
             </a:r>
           </a:p>
           <a:p>

--- a/week7/week7.pptx
+++ b/week7/week7.pptx
@@ -10486,7 +10486,7 @@
         <p:spPr>
           <a:xfrm>
             <a:off x="646111" y="1517463"/>
-            <a:ext cx="5573457" cy="2516073"/>
+            <a:ext cx="5573457" cy="3162404"/>
           </a:xfrm>
           <a:prstGeom prst="rect">
             <a:avLst/>
@@ -10518,7 +10518,7 @@
                 <a:latin typeface="Courier New" panose="02070309020205020404" pitchFamily="49" charset="0"/>
                 <a:cs typeface="Courier New" panose="02070309020205020404" pitchFamily="49" charset="0"/>
               </a:rPr>
-              <a:t># Calculate the area of a square.</a:t>
+              <a:t># Calculate the area of a rectangle.</a:t>
             </a:r>
           </a:p>
           <a:p>
@@ -10541,7 +10541,7 @@
                 <a:latin typeface="Courier New" panose="02070309020205020404" pitchFamily="49" charset="0"/>
                 <a:cs typeface="Courier New" panose="02070309020205020404" pitchFamily="49" charset="0"/>
               </a:rPr>
-              <a:t> square with sides 3m by 5m has area { 3 * 5 }m squared")</a:t>
+              <a:t> rectangle with sides 3m by 5m has area { 3 * 5 }m squared")</a:t>
             </a:r>
           </a:p>
           <a:p>
@@ -10556,7 +10556,7 @@
                 <a:latin typeface="Courier New" panose="02070309020205020404" pitchFamily="49" charset="0"/>
                 <a:cs typeface="Courier New" panose="02070309020205020404" pitchFamily="49" charset="0"/>
               </a:rPr>
-              <a:t># Calculate the area of a different square.</a:t>
+              <a:t># Calculate the area of a different rectangle.</a:t>
             </a:r>
           </a:p>
           <a:p>
@@ -10579,7 +10579,7 @@
                 <a:latin typeface="Courier New" panose="02070309020205020404" pitchFamily="49" charset="0"/>
                 <a:cs typeface="Courier New" panose="02070309020205020404" pitchFamily="49" charset="0"/>
               </a:rPr>
-              <a:t> square with sides 2m by 6m has area { 2 * 6 }m squared")</a:t>
+              <a:t> rectangle with sides 2m by 6m has area { 2 * 6 }m squared")</a:t>
             </a:r>
           </a:p>
           <a:p>
@@ -10594,7 +10594,7 @@
                 <a:latin typeface="Courier New" panose="02070309020205020404" pitchFamily="49" charset="0"/>
                 <a:cs typeface="Courier New" panose="02070309020205020404" pitchFamily="49" charset="0"/>
               </a:rPr>
-              <a:t># Calculate the area of yet another different square.</a:t>
+              <a:t># Calculate the area of yet another different rectangle.</a:t>
             </a:r>
           </a:p>
           <a:p>
@@ -10617,7 +10617,7 @@
                 <a:latin typeface="Courier New" panose="02070309020205020404" pitchFamily="49" charset="0"/>
                 <a:cs typeface="Courier New" panose="02070309020205020404" pitchFamily="49" charset="0"/>
               </a:rPr>
-              <a:t> square with sides 5m by 7m has area { 5 * 7 }m squared")</a:t>
+              <a:t> rectangle with sides 5m by 7m has area { 5 * 7 }m squared")</a:t>
             </a:r>
           </a:p>
           <a:p>
@@ -10632,7 +10632,7 @@
                 <a:latin typeface="Courier New" panose="02070309020205020404" pitchFamily="49" charset="0"/>
                 <a:cs typeface="Courier New" panose="02070309020205020404" pitchFamily="49" charset="0"/>
               </a:rPr>
-              <a:t># Calculate the area of a final square</a:t>
+              <a:t># Calculate the area of a final rectangle</a:t>
             </a:r>
           </a:p>
           <a:p>
@@ -10655,7 +10655,7 @@
                 <a:latin typeface="Courier New" panose="02070309020205020404" pitchFamily="49" charset="0"/>
                 <a:cs typeface="Courier New" panose="02070309020205020404" pitchFamily="49" charset="0"/>
               </a:rPr>
-              <a:t> square with sides 4m by 4m has area { 4 * 4 }m squared")</a:t>
+              <a:t> rectangle with sides 4m by 4m has area { 4 * 4 }m squared")</a:t>
             </a:r>
           </a:p>
           <a:p>
@@ -10681,7 +10681,7 @@
         <p:spPr>
           <a:xfrm>
             <a:off x="6096000" y="1517463"/>
-            <a:ext cx="6096000" cy="1546577"/>
+            <a:ext cx="6096000" cy="1708160"/>
           </a:xfrm>
           <a:prstGeom prst="rect">
             <a:avLst/>
@@ -10709,69 +10709,62 @@
           </a:p>
           <a:p>
             <a:r>
+              <a:rPr lang="en-GB" sz="1050" dirty="0">
+                <a:latin typeface="Courier New" panose="02070309020205020404" pitchFamily="49" charset="0"/>
+                <a:cs typeface="Courier New" panose="02070309020205020404" pitchFamily="49" charset="0"/>
+              </a:rPr>
+              <a:t>def </a:t>
+            </a:r>
+            <a:r>
               <a:rPr lang="en-GB" sz="1050" dirty="0" err="1">
                 <a:latin typeface="Courier New" panose="02070309020205020404" pitchFamily="49" charset="0"/>
                 <a:cs typeface="Courier New" panose="02070309020205020404" pitchFamily="49" charset="0"/>
               </a:rPr>
-              <a:t>def</a:t>
+              <a:t>print_area_rectangle</a:t>
             </a:r>
             <a:r>
               <a:rPr lang="en-GB" sz="1050" dirty="0">
                 <a:latin typeface="Courier New" panose="02070309020205020404" pitchFamily="49" charset="0"/>
                 <a:cs typeface="Courier New" panose="02070309020205020404" pitchFamily="49" charset="0"/>
               </a:rPr>
-              <a:t> </a:t>
+              <a:t>(</a:t>
             </a:r>
             <a:r>
               <a:rPr lang="en-GB" sz="1050" dirty="0" err="1">
                 <a:latin typeface="Courier New" panose="02070309020205020404" pitchFamily="49" charset="0"/>
                 <a:cs typeface="Courier New" panose="02070309020205020404" pitchFamily="49" charset="0"/>
               </a:rPr>
-              <a:t>print_area_square</a:t>
+              <a:t>a,b</a:t>
             </a:r>
             <a:r>
               <a:rPr lang="en-GB" sz="1050" dirty="0">
                 <a:latin typeface="Courier New" panose="02070309020205020404" pitchFamily="49" charset="0"/>
                 <a:cs typeface="Courier New" panose="02070309020205020404" pitchFamily="49" charset="0"/>
               </a:rPr>
-              <a:t>(</a:t>
+              <a:t>):</a:t>
+            </a:r>
+          </a:p>
+          <a:p>
+            <a:r>
+              <a:rPr lang="en-GB" sz="1050" dirty="0">
+                <a:latin typeface="Courier New" panose="02070309020205020404" pitchFamily="49" charset="0"/>
+                <a:cs typeface="Courier New" panose="02070309020205020404" pitchFamily="49" charset="0"/>
+              </a:rPr>
+              <a:t>    print(</a:t>
             </a:r>
             <a:r>
               <a:rPr lang="en-GB" sz="1050" dirty="0" err="1">
                 <a:latin typeface="Courier New" panose="02070309020205020404" pitchFamily="49" charset="0"/>
                 <a:cs typeface="Courier New" panose="02070309020205020404" pitchFamily="49" charset="0"/>
               </a:rPr>
-              <a:t>a,b</a:t>
+              <a:t>f"A</a:t>
             </a:r>
             <a:r>
               <a:rPr lang="en-GB" sz="1050" dirty="0">
                 <a:latin typeface="Courier New" panose="02070309020205020404" pitchFamily="49" charset="0"/>
                 <a:cs typeface="Courier New" panose="02070309020205020404" pitchFamily="49" charset="0"/>
               </a:rPr>
-              <a:t>):</a:t>
-            </a:r>
-          </a:p>
-          <a:p>
-            <a:r>
-              <a:rPr lang="en-GB" sz="1050" dirty="0">
-                <a:latin typeface="Courier New" panose="02070309020205020404" pitchFamily="49" charset="0"/>
-                <a:cs typeface="Courier New" panose="02070309020205020404" pitchFamily="49" charset="0"/>
-              </a:rPr>
-              <a:t>    print(</a:t>
-            </a:r>
-            <a:r>
-              <a:rPr lang="en-GB" sz="1050" dirty="0" err="1">
-                <a:latin typeface="Courier New" panose="02070309020205020404" pitchFamily="49" charset="0"/>
-                <a:cs typeface="Courier New" panose="02070309020205020404" pitchFamily="49" charset="0"/>
-              </a:rPr>
-              <a:t>f"A</a:t>
-            </a:r>
-            <a:r>
-              <a:rPr lang="en-GB" sz="1050" dirty="0">
-                <a:latin typeface="Courier New" panose="02070309020205020404" pitchFamily="49" charset="0"/>
-                <a:cs typeface="Courier New" panose="02070309020205020404" pitchFamily="49" charset="0"/>
-              </a:rPr>
-              <a:t> square with sides {a}m by {b}m has area {a * b}m squared")</a:t>
+              <a:t> rectangle with sides {a}m by {b}m has area {a * b}m squared")</a:t>
             </a:r>
           </a:p>
           <a:p>
@@ -10786,7 +10779,7 @@
                 <a:latin typeface="Courier New" panose="02070309020205020404" pitchFamily="49" charset="0"/>
                 <a:cs typeface="Courier New" panose="02070309020205020404" pitchFamily="49" charset="0"/>
               </a:rPr>
-              <a:t>print_area_square</a:t>
+              <a:t>print_area_rectangle</a:t>
             </a:r>
             <a:r>
               <a:rPr lang="en-GB" sz="1050" dirty="0">
@@ -10802,7 +10795,7 @@
                 <a:latin typeface="Courier New" panose="02070309020205020404" pitchFamily="49" charset="0"/>
                 <a:cs typeface="Courier New" panose="02070309020205020404" pitchFamily="49" charset="0"/>
               </a:rPr>
-              <a:t>print_area_square</a:t>
+              <a:t>print_area_rectangle</a:t>
             </a:r>
             <a:r>
               <a:rPr lang="en-GB" sz="1050" dirty="0">
@@ -10818,7 +10811,7 @@
                 <a:latin typeface="Courier New" panose="02070309020205020404" pitchFamily="49" charset="0"/>
                 <a:cs typeface="Courier New" panose="02070309020205020404" pitchFamily="49" charset="0"/>
               </a:rPr>
-              <a:t>print_area_square</a:t>
+              <a:t>print_area_rectangle</a:t>
             </a:r>
             <a:r>
               <a:rPr lang="en-GB" sz="1050" dirty="0">
@@ -10834,7 +10827,7 @@
                 <a:latin typeface="Courier New" panose="02070309020205020404" pitchFamily="49" charset="0"/>
                 <a:cs typeface="Courier New" panose="02070309020205020404" pitchFamily="49" charset="0"/>
               </a:rPr>
-              <a:t>print_area_square</a:t>
+              <a:t>print_area_rectangle</a:t>
             </a:r>
             <a:r>
               <a:rPr lang="en-GB" sz="1050" dirty="0">

--- a/week7/week7.pptx
+++ b/week7/week7.pptx
@@ -11249,7 +11249,7 @@
                 <a:latin typeface="Courier New" panose="02070309020205020404" pitchFamily="49" charset="0"/>
                 <a:cs typeface="Courier New" panose="02070309020205020404" pitchFamily="49" charset="0"/>
               </a:rPr>
-              <a:t> in range(10):</a:t>
+              <a:t> in range(5):</a:t>
             </a:r>
           </a:p>
           <a:p>
@@ -11282,12 +11282,16 @@
               <a:t>random.randint</a:t>
             </a:r>
             <a:r>
-              <a:rPr lang="en-GB" sz="1000" dirty="0">
-                <a:latin typeface="Courier New" panose="02070309020205020404" pitchFamily="49" charset="0"/>
-                <a:cs typeface="Courier New" panose="02070309020205020404" pitchFamily="49" charset="0"/>
-              </a:rPr>
-              <a:t>(1,5))</a:t>
-            </a:r>
+              <a:rPr lang="en-GB" sz="1000">
+                <a:latin typeface="Courier New" panose="02070309020205020404" pitchFamily="49" charset="0"/>
+                <a:cs typeface="Courier New" panose="02070309020205020404" pitchFamily="49" charset="0"/>
+              </a:rPr>
+              <a:t>(1,20))</a:t>
+            </a:r>
+            <a:endParaRPr lang="en-GB" sz="1000" dirty="0">
+              <a:latin typeface="Courier New" panose="02070309020205020404" pitchFamily="49" charset="0"/>
+              <a:cs typeface="Courier New" panose="02070309020205020404" pitchFamily="49" charset="0"/>
+            </a:endParaRPr>
           </a:p>
           <a:p>
             <a:r>

--- a/week7/week7.pptx
+++ b/week7/week7.pptx
@@ -367,7 +367,7 @@
           <a:p>
             <a:fld id="{4AAD347D-5ACD-4C99-B74B-A9C85AD731AF}" type="datetimeFigureOut">
               <a:rPr lang="en-US" dirty="0"/>
-              <a:t>7/16/2018</a:t>
+              <a:t>7/17/2018</a:t>
             </a:fld>
             <a:endParaRPr lang="en-US" dirty="0"/>
           </a:p>
@@ -637,7 +637,7 @@
           <a:p>
             <a:fld id="{4509A250-FF31-4206-8172-F9D3106AACB1}" type="datetimeFigureOut">
               <a:rPr lang="en-US" dirty="0"/>
-              <a:t>7/16/2018</a:t>
+              <a:t>7/17/2018</a:t>
             </a:fld>
             <a:endParaRPr lang="en-US" dirty="0"/>
           </a:p>
@@ -826,7 +826,7 @@
           <a:p>
             <a:fld id="{4509A250-FF31-4206-8172-F9D3106AACB1}" type="datetimeFigureOut">
               <a:rPr lang="en-US" dirty="0"/>
-              <a:t>7/16/2018</a:t>
+              <a:t>7/17/2018</a:t>
             </a:fld>
             <a:endParaRPr lang="en-US" dirty="0"/>
           </a:p>
@@ -1094,7 +1094,7 @@
           <a:p>
             <a:fld id="{4509A250-FF31-4206-8172-F9D3106AACB1}" type="datetimeFigureOut">
               <a:rPr lang="en-US" dirty="0"/>
-              <a:t>7/16/2018</a:t>
+              <a:t>7/17/2018</a:t>
             </a:fld>
             <a:endParaRPr lang="en-US" dirty="0"/>
           </a:p>
@@ -1430,7 +1430,7 @@
           <a:p>
             <a:fld id="{4509A250-FF31-4206-8172-F9D3106AACB1}" type="datetimeFigureOut">
               <a:rPr lang="en-US" dirty="0"/>
-              <a:t>7/16/2018</a:t>
+              <a:t>7/17/2018</a:t>
             </a:fld>
             <a:endParaRPr lang="en-US" dirty="0"/>
           </a:p>
@@ -2048,7 +2048,7 @@
           <a:p>
             <a:fld id="{4509A250-FF31-4206-8172-F9D3106AACB1}" type="datetimeFigureOut">
               <a:rPr lang="en-US" dirty="0"/>
-              <a:t>7/16/2018</a:t>
+              <a:t>7/17/2018</a:t>
             </a:fld>
             <a:endParaRPr lang="en-US" dirty="0"/>
           </a:p>
@@ -2903,7 +2903,7 @@
           <a:p>
             <a:fld id="{4509A250-FF31-4206-8172-F9D3106AACB1}" type="datetimeFigureOut">
               <a:rPr lang="en-US" dirty="0"/>
-              <a:t>7/16/2018</a:t>
+              <a:t>7/17/2018</a:t>
             </a:fld>
             <a:endParaRPr lang="en-US" dirty="0"/>
           </a:p>
@@ -3068,7 +3068,7 @@
           <a:p>
             <a:fld id="{4509A250-FF31-4206-8172-F9D3106AACB1}" type="datetimeFigureOut">
               <a:rPr lang="en-US" dirty="0"/>
-              <a:t>7/16/2018</a:t>
+              <a:t>7/17/2018</a:t>
             </a:fld>
             <a:endParaRPr lang="en-US" dirty="0"/>
           </a:p>
@@ -3243,7 +3243,7 @@
           <a:p>
             <a:fld id="{4509A250-FF31-4206-8172-F9D3106AACB1}" type="datetimeFigureOut">
               <a:rPr lang="en-US" dirty="0"/>
-              <a:t>7/16/2018</a:t>
+              <a:t>7/17/2018</a:t>
             </a:fld>
             <a:endParaRPr lang="en-US" dirty="0"/>
           </a:p>
@@ -3408,7 +3408,7 @@
           <a:p>
             <a:fld id="{4509A250-FF31-4206-8172-F9D3106AACB1}" type="datetimeFigureOut">
               <a:rPr lang="en-US" dirty="0"/>
-              <a:t>7/16/2018</a:t>
+              <a:t>7/17/2018</a:t>
             </a:fld>
             <a:endParaRPr lang="en-US" dirty="0"/>
           </a:p>
@@ -3650,7 +3650,7 @@
           <a:p>
             <a:fld id="{9796027F-7875-4030-9381-8BD8C4F21935}" type="datetimeFigureOut">
               <a:rPr lang="en-US" dirty="0"/>
-              <a:t>7/16/2018</a:t>
+              <a:t>7/17/2018</a:t>
             </a:fld>
             <a:endParaRPr lang="en-US" dirty="0"/>
           </a:p>
@@ -3937,7 +3937,7 @@
           <a:p>
             <a:fld id="{9796027F-7875-4030-9381-8BD8C4F21935}" type="datetimeFigureOut">
               <a:rPr lang="en-US" dirty="0"/>
-              <a:t>7/16/2018</a:t>
+              <a:t>7/17/2018</a:t>
             </a:fld>
             <a:endParaRPr lang="en-US" dirty="0"/>
           </a:p>
@@ -4376,7 +4376,7 @@
           <a:p>
             <a:fld id="{9796027F-7875-4030-9381-8BD8C4F21935}" type="datetimeFigureOut">
               <a:rPr lang="en-US" dirty="0"/>
-              <a:t>7/16/2018</a:t>
+              <a:t>7/17/2018</a:t>
             </a:fld>
             <a:endParaRPr lang="en-US" dirty="0"/>
           </a:p>
@@ -4489,7 +4489,7 @@
           <a:p>
             <a:fld id="{4509A250-FF31-4206-8172-F9D3106AACB1}" type="datetimeFigureOut">
               <a:rPr lang="en-US" dirty="0"/>
-              <a:t>7/16/2018</a:t>
+              <a:t>7/17/2018</a:t>
             </a:fld>
             <a:endParaRPr lang="en-US" dirty="0"/>
           </a:p>
@@ -4579,7 +4579,7 @@
           <a:p>
             <a:fld id="{4509A250-FF31-4206-8172-F9D3106AACB1}" type="datetimeFigureOut">
               <a:rPr lang="en-US" dirty="0"/>
-              <a:t>7/16/2018</a:t>
+              <a:t>7/17/2018</a:t>
             </a:fld>
             <a:endParaRPr lang="en-US" dirty="0"/>
           </a:p>
@@ -4853,7 +4853,7 @@
           <a:p>
             <a:fld id="{4509A250-FF31-4206-8172-F9D3106AACB1}" type="datetimeFigureOut">
               <a:rPr lang="en-US" dirty="0"/>
-              <a:t>7/16/2018</a:t>
+              <a:t>7/17/2018</a:t>
             </a:fld>
             <a:endParaRPr lang="en-US" dirty="0"/>
           </a:p>
@@ -5123,7 +5123,7 @@
           <a:p>
             <a:fld id="{4509A250-FF31-4206-8172-F9D3106AACB1}" type="datetimeFigureOut">
               <a:rPr lang="en-US" dirty="0"/>
-              <a:t>7/16/2018</a:t>
+              <a:t>7/17/2018</a:t>
             </a:fld>
             <a:endParaRPr lang="en-US" dirty="0"/>
           </a:p>
@@ -5547,7 +5547,7 @@
           <a:p>
             <a:fld id="{4AAD347D-5ACD-4C99-B74B-A9C85AD731AF}" type="datetimeFigureOut">
               <a:rPr lang="en-US" dirty="0"/>
-              <a:t>7/16/2018</a:t>
+              <a:t>7/17/2018</a:t>
             </a:fld>
             <a:endParaRPr lang="en-US" dirty="0"/>
           </a:p>
@@ -12483,7 +12483,7 @@
         <p:spPr>
           <a:xfrm>
             <a:off x="889686" y="1507524"/>
-            <a:ext cx="7496434" cy="1200329"/>
+            <a:ext cx="7496434" cy="923330"/>
           </a:xfrm>
           <a:prstGeom prst="rect">
             <a:avLst/>
@@ -12506,9 +12506,10 @@
           </a:p>
           <a:p>
             <a:r>
-              <a:rPr lang="en-GB" dirty="0"/>
-              <a:t>It should return the capital city of the countries in the UK, and "I don't know" for other countries.</a:t>
-            </a:r>
+              <a:rPr lang="en-GB" dirty="0" smtClean="0"/>
+              <a:t>It should return the names of babies of the animals listed.</a:t>
+            </a:r>
+            <a:endParaRPr lang="en-GB" dirty="0"/>
           </a:p>
         </p:txBody>
       </p:sp>
@@ -13048,9 +13049,10 @@
           </a:p>
           <a:p>
             <a:r>
-              <a:rPr lang="en-GB" dirty="0"/>
-              <a:t>It should return the capital city of the countries in the UK, and "I don't know" for other countries.</a:t>
-            </a:r>
+              <a:rPr lang="en-GB" dirty="0" smtClean="0"/>
+              <a:t>It should return the area of a circle from a given radius. Assume all units are in centimetres.</a:t>
+            </a:r>
+            <a:endParaRPr lang="en-GB" dirty="0"/>
           </a:p>
         </p:txBody>
       </p:sp>

--- a/week7/week7.pptx
+++ b/week7/week7.pptx
@@ -12511,11 +12511,7 @@
           <a:p>
             <a:r>
               <a:rPr lang="en-GB" dirty="0" smtClean="0"/>
-              <a:t>It should return the names of babies of the animals listed</a:t>
-            </a:r>
-            <a:r>
-              <a:rPr lang="en-GB" dirty="0" smtClean="0"/>
-              <a:t>.</a:t>
+              <a:t>It should return the names of babies of the animals listed.</a:t>
             </a:r>
             <a:br>
               <a:rPr lang="en-GB" dirty="0" smtClean="0"/>
